--- a/KOyourMVC.pptx
+++ b/KOyourMVC.pptx
@@ -483,7 +483,7 @@
               <a:pPr>
                 <a:defRPr/>
               </a:pPr>
-              <a:t>5/18/2012</a:t>
+              <a:t>5/19/2012</a:t>
             </a:fld>
             <a:endParaRPr lang="en-US"/>
           </a:p>
@@ -5586,7 +5586,7 @@
         <p:spPr bwMode="auto">
           <a:xfrm>
             <a:off x="638175" y="1835993"/>
-            <a:ext cx="8162925" cy="979487"/>
+            <a:ext cx="8417048" cy="979487"/>
           </a:xfrm>
           <a:prstGeom prst="rect">
             <a:avLst/>
@@ -5752,9 +5752,12 @@
             </a:pPr>
             <a:r>
               <a:rPr lang="en-US" sz="6000" dirty="0" smtClean="0"/>
-              <a:t>KO your MVC</a:t>
-            </a:r>
-            <a:endParaRPr lang="en-US" sz="6000" dirty="0" smtClean="0"/>
+              <a:t>              KO </a:t>
+            </a:r>
+            <a:r>
+              <a:rPr lang="en-US" sz="6000" dirty="0" smtClean="0"/>
+              <a:t>your MVC</a:t>
+            </a:r>
           </a:p>
         </p:txBody>
       </p:sp>
@@ -5769,7 +5772,7 @@
         <p:spPr bwMode="auto">
           <a:xfrm>
             <a:off x="3515557" y="3622675"/>
-            <a:ext cx="5285543" cy="1098550"/>
+            <a:ext cx="5539666" cy="1098550"/>
           </a:xfrm>
           <a:prstGeom prst="rect">
             <a:avLst/>
@@ -6058,8 +6061,8 @@
         </p:blipFill>
         <p:spPr bwMode="auto">
           <a:xfrm>
-            <a:off x="638175" y="2087316"/>
-            <a:ext cx="2667000" cy="3495675"/>
+            <a:off x="638174" y="1162976"/>
+            <a:ext cx="3372219" cy="4420016"/>
           </a:xfrm>
           <a:prstGeom prst="rect">
             <a:avLst/>
@@ -6158,7 +6161,6 @@
               <a:rPr lang="en-US" dirty="0" smtClean="0"/>
               <a:t>Types of Observables</a:t>
             </a:r>
-            <a:endParaRPr lang="en-US" dirty="0" smtClean="0"/>
           </a:p>
         </p:txBody>
       </p:sp>
@@ -6340,11 +6342,6 @@
               </a:rPr>
               <a:t>Observable</a:t>
             </a:r>
-            <a:endParaRPr lang="en-US" sz="2400" kern="0" dirty="0" smtClean="0">
-              <a:solidFill>
-                <a:srgbClr val="000000"/>
-              </a:solidFill>
-            </a:endParaRPr>
           </a:p>
           <a:p>
             <a:pPr lvl="0"/>
@@ -6356,11 +6353,6 @@
               </a:rPr>
               <a:t>Observable Arrays</a:t>
             </a:r>
-            <a:endParaRPr lang="en-US" sz="2400" kern="0" dirty="0" smtClean="0">
-              <a:solidFill>
-                <a:srgbClr val="000000"/>
-              </a:solidFill>
-            </a:endParaRPr>
           </a:p>
           <a:p>
             <a:r>
@@ -6371,11 +6363,6 @@
               </a:rPr>
               <a:t>Dependent or Computer Observables</a:t>
             </a:r>
-            <a:endParaRPr lang="en-US" sz="2400" kern="0" dirty="0" smtClean="0">
-              <a:solidFill>
-                <a:srgbClr val="000000"/>
-              </a:solidFill>
-            </a:endParaRPr>
           </a:p>
         </p:txBody>
       </p:sp>
@@ -6508,7 +6495,11 @@
             </a:r>
             <a:r>
               <a:rPr lang="en-US" sz="5400" dirty="0" smtClean="0"/>
-              <a:t> is great for prototyping but real men use Visual Studio</a:t>
+              <a:t> is great for prototyping but real men use </a:t>
+            </a:r>
+            <a:r>
+              <a:rPr lang="en-US" sz="5400" dirty="0" smtClean="0"/>
+              <a:t>a true IDE</a:t>
             </a:r>
             <a:endParaRPr lang="en-US" sz="5400" dirty="0" smtClean="0"/>
           </a:p>
@@ -6705,7 +6696,6 @@
               <a:rPr lang="en-US" sz="5400" dirty="0" smtClean="0"/>
               <a:t>Bindings</a:t>
             </a:r>
-            <a:endParaRPr lang="en-US" sz="5400" dirty="0" smtClean="0"/>
           </a:p>
         </p:txBody>
       </p:sp>
@@ -8908,6 +8898,70 @@
           </a:p>
         </p:txBody>
       </p:sp>
+      <p:pic>
+        <p:nvPicPr>
+          <p:cNvPr id="1026" name="Picture 2"/>
+          <p:cNvPicPr>
+            <a:picLocks noChangeAspect="1" noChangeArrowheads="1"/>
+          </p:cNvPicPr>
+          <p:nvPr/>
+        </p:nvPicPr>
+        <p:blipFill>
+          <a:blip r:embed="rId3">
+            <a:extLst>
+              <a:ext uri="{28A0092B-C50C-407E-A947-70E740481C1C}">
+                <a14:useLocalDpi xmlns:a14="http://schemas.microsoft.com/office/drawing/2010/main" val="0"/>
+              </a:ext>
+            </a:extLst>
+          </a:blip>
+          <a:srcRect/>
+          <a:stretch>
+            <a:fillRect/>
+          </a:stretch>
+        </p:blipFill>
+        <p:spPr bwMode="auto">
+          <a:xfrm>
+            <a:off x="2895600" y="1752600"/>
+            <a:ext cx="3810000" cy="3810000"/>
+          </a:xfrm>
+          <a:prstGeom prst="rect">
+            <a:avLst/>
+          </a:prstGeom>
+          <a:noFill/>
+          <a:ln>
+            <a:noFill/>
+          </a:ln>
+          <a:effectLst/>
+          <a:extLst>
+            <a:ext uri="{909E8E84-426E-40DD-AFC4-6F175D3DCCD1}">
+              <a14:hiddenFill xmlns:a14="http://schemas.microsoft.com/office/drawing/2010/main">
+                <a:solidFill>
+                  <a:schemeClr val="accent1"/>
+                </a:solidFill>
+              </a14:hiddenFill>
+            </a:ext>
+            <a:ext uri="{91240B29-F687-4F45-9708-019B960494DF}">
+              <a14:hiddenLine xmlns:a14="http://schemas.microsoft.com/office/drawing/2010/main" w="9525">
+                <a:solidFill>
+                  <a:schemeClr val="tx1"/>
+                </a:solidFill>
+                <a:miter lim="800000"/>
+                <a:headEnd/>
+                <a:tailEnd/>
+              </a14:hiddenLine>
+            </a:ext>
+            <a:ext uri="{AF507438-7753-43E0-B8FC-AC1667EBCBE1}">
+              <a14:hiddenEffects xmlns:a14="http://schemas.microsoft.com/office/drawing/2010/main">
+                <a:effectLst>
+                  <a:outerShdw dist="35921" dir="2700000" algn="ctr" rotWithShape="0">
+                    <a:schemeClr val="bg2"/>
+                  </a:outerShdw>
+                </a:effectLst>
+              </a14:hiddenEffects>
+            </a:ext>
+          </a:extLst>
+        </p:spPr>
+      </p:pic>
     </p:spTree>
     <p:extLst>
       <p:ext uri="{BB962C8B-B14F-4D97-AF65-F5344CB8AC3E}">
@@ -9041,6 +9095,70 @@
           </a:p>
         </p:txBody>
       </p:sp>
+      <p:pic>
+        <p:nvPicPr>
+          <p:cNvPr id="2050" name="Picture 2"/>
+          <p:cNvPicPr>
+            <a:picLocks noChangeAspect="1" noChangeArrowheads="1"/>
+          </p:cNvPicPr>
+          <p:nvPr/>
+        </p:nvPicPr>
+        <p:blipFill>
+          <a:blip r:embed="rId3">
+            <a:extLst>
+              <a:ext uri="{28A0092B-C50C-407E-A947-70E740481C1C}">
+                <a14:useLocalDpi xmlns:a14="http://schemas.microsoft.com/office/drawing/2010/main" val="0"/>
+              </a:ext>
+            </a:extLst>
+          </a:blip>
+          <a:srcRect/>
+          <a:stretch>
+            <a:fillRect/>
+          </a:stretch>
+        </p:blipFill>
+        <p:spPr bwMode="auto">
+          <a:xfrm>
+            <a:off x="1767257" y="1819922"/>
+            <a:ext cx="5885938" cy="3680673"/>
+          </a:xfrm>
+          <a:prstGeom prst="rect">
+            <a:avLst/>
+          </a:prstGeom>
+          <a:noFill/>
+          <a:ln>
+            <a:noFill/>
+          </a:ln>
+          <a:effectLst/>
+          <a:extLst>
+            <a:ext uri="{909E8E84-426E-40DD-AFC4-6F175D3DCCD1}">
+              <a14:hiddenFill xmlns:a14="http://schemas.microsoft.com/office/drawing/2010/main">
+                <a:solidFill>
+                  <a:schemeClr val="accent1"/>
+                </a:solidFill>
+              </a14:hiddenFill>
+            </a:ext>
+            <a:ext uri="{91240B29-F687-4F45-9708-019B960494DF}">
+              <a14:hiddenLine xmlns:a14="http://schemas.microsoft.com/office/drawing/2010/main" w="9525">
+                <a:solidFill>
+                  <a:schemeClr val="tx1"/>
+                </a:solidFill>
+                <a:miter lim="800000"/>
+                <a:headEnd/>
+                <a:tailEnd/>
+              </a14:hiddenLine>
+            </a:ext>
+            <a:ext uri="{AF507438-7753-43E0-B8FC-AC1667EBCBE1}">
+              <a14:hiddenEffects xmlns:a14="http://schemas.microsoft.com/office/drawing/2010/main">
+                <a:effectLst>
+                  <a:outerShdw dist="35921" dir="2700000" algn="ctr" rotWithShape="0">
+                    <a:schemeClr val="bg2"/>
+                  </a:outerShdw>
+                </a:effectLst>
+              </a14:hiddenEffects>
+            </a:ext>
+          </a:extLst>
+        </p:spPr>
+      </p:pic>
     </p:spTree>
     <p:extLst>
       <p:ext uri="{BB962C8B-B14F-4D97-AF65-F5344CB8AC3E}">
@@ -9153,8 +9271,8 @@
         </p:nvSpPr>
         <p:spPr>
           <a:xfrm>
-            <a:off x="571500" y="381000"/>
-            <a:ext cx="8534399" cy="941388"/>
+            <a:off x="461639" y="381000"/>
+            <a:ext cx="8771137" cy="941388"/>
           </a:xfrm>
         </p:spPr>
         <p:txBody>
@@ -9166,7 +9284,25 @@
               <a:rPr lang="en-US" dirty="0" smtClean="0">
                 <a:sym typeface="Wingdings" pitchFamily="2" charset="2"/>
               </a:rPr>
-              <a:t>Sample MVC App: Adding in the server</a:t>
+              <a:t>Sample MVC App: </a:t>
+            </a:r>
+            <a:r>
+              <a:rPr lang="en-US" dirty="0" smtClean="0">
+                <a:sym typeface="Wingdings" pitchFamily="2" charset="2"/>
+              </a:rPr>
+              <a:t>Adding </a:t>
+            </a:r>
+            <a:r>
+              <a:rPr lang="en-US" dirty="0" smtClean="0">
+                <a:sym typeface="Wingdings" pitchFamily="2" charset="2"/>
+              </a:rPr>
+              <a:t>in the </a:t>
+            </a:r>
+            <a:r>
+              <a:rPr lang="en-US" dirty="0" smtClean="0">
+                <a:sym typeface="Wingdings" pitchFamily="2" charset="2"/>
+              </a:rPr>
+              <a:t>server side</a:t>
             </a:r>
             <a:endParaRPr lang="en-US" b="1" dirty="0">
               <a:sym typeface="Wingdings" pitchFamily="2" charset="2"/>
@@ -9413,11 +9549,7 @@
           <a:p>
             <a:r>
               <a:rPr lang="en-US" sz="2400" dirty="0" smtClean="0"/>
-              <a:t>Senior Software Engineer at Skyline </a:t>
-            </a:r>
-            <a:r>
-              <a:rPr lang="en-US" sz="2400" dirty="0" smtClean="0"/>
-              <a:t>Technologies</a:t>
+              <a:t>Senior Software Engineer at Skyline Technologies</a:t>
             </a:r>
             <a:endParaRPr lang="en-US" sz="2400" dirty="0"/>
           </a:p>
@@ -9426,7 +9558,6 @@
               <a:rPr lang="en-US" sz="2400" dirty="0" smtClean="0"/>
               <a:t>Born and raised in Green Bay, WI</a:t>
             </a:r>
-            <a:endParaRPr lang="en-US" sz="2400" dirty="0" smtClean="0"/>
           </a:p>
           <a:p>
             <a:r>
@@ -9455,11 +9586,7 @@
           <a:p>
             <a:r>
               <a:rPr lang="en-US" sz="2400" dirty="0" smtClean="0"/>
-              <a:t>President </a:t>
-            </a:r>
-            <a:r>
-              <a:rPr lang="en-US" sz="2400" dirty="0" smtClean="0"/>
-              <a:t>of Fox Valley .NET UG.</a:t>
+              <a:t>President of Fox Valley .NET UG.</a:t>
             </a:r>
           </a:p>
           <a:p>
@@ -10009,19 +10136,7 @@
               <a:rPr lang="en-US" sz="2000" dirty="0" smtClean="0">
                 <a:hlinkClick r:id="rId3"/>
               </a:rPr>
-              <a:t>http</a:t>
-            </a:r>
-            <a:r>
-              <a:rPr lang="en-US" sz="2000" dirty="0" smtClean="0">
-                <a:hlinkClick r:id="rId3"/>
-              </a:rPr>
-              <a:t>://</a:t>
-            </a:r>
-            <a:r>
-              <a:rPr lang="en-US" sz="2000" dirty="0" smtClean="0">
-                <a:hlinkClick r:id="rId3"/>
-              </a:rPr>
-              <a:t>www.nuget.org</a:t>
+              <a:t>http://www.nuget.org</a:t>
             </a:r>
             <a:endParaRPr lang="en-US" sz="2400" dirty="0" smtClean="0"/>
           </a:p>
@@ -10475,13 +10590,7 @@
               <a:rPr lang="en-US" sz="3200" dirty="0" smtClean="0">
                 <a:latin typeface="+mn-lt"/>
               </a:rPr>
-              <a:t>:	</a:t>
-            </a:r>
-            <a:r>
-              <a:rPr lang="en-US" sz="3200" dirty="0" smtClean="0">
-                <a:latin typeface="+mn-lt"/>
-              </a:rPr>
-              <a:t>@</a:t>
+              <a:t>:	@</a:t>
             </a:r>
             <a:r>
               <a:rPr lang="en-US" sz="3200" dirty="0" err="1">
@@ -11250,11 +11359,6 @@
               </a:rPr>
               <a:t>What is Knockout?</a:t>
             </a:r>
-            <a:endParaRPr lang="en-US" sz="2400" kern="0" dirty="0" smtClean="0">
-              <a:solidFill>
-                <a:srgbClr val="000000"/>
-              </a:solidFill>
-            </a:endParaRPr>
           </a:p>
           <a:p>
             <a:pPr lvl="0"/>
@@ -11266,11 +11370,6 @@
               </a:rPr>
               <a:t>What does Knockout get me?</a:t>
             </a:r>
-            <a:endParaRPr lang="en-US" sz="2400" kern="0" dirty="0" smtClean="0">
-              <a:solidFill>
-                <a:srgbClr val="000000"/>
-              </a:solidFill>
-            </a:endParaRPr>
           </a:p>
           <a:p>
             <a:pPr lvl="0"/>
@@ -11282,11 +11381,6 @@
               </a:rPr>
               <a:t>How do I use Knockout?</a:t>
             </a:r>
-            <a:endParaRPr lang="en-US" sz="2400" kern="0" dirty="0" smtClean="0">
-              <a:solidFill>
-                <a:srgbClr val="000000"/>
-              </a:solidFill>
-            </a:endParaRPr>
           </a:p>
           <a:p>
             <a:r>
@@ -11297,11 +11391,6 @@
               </a:rPr>
               <a:t>How do I make Knockout and ASP.NET MVC be BFF’s?</a:t>
             </a:r>
-            <a:endParaRPr lang="en-US" sz="2400" kern="0" dirty="0" smtClean="0">
-              <a:solidFill>
-                <a:srgbClr val="000000"/>
-              </a:solidFill>
-            </a:endParaRPr>
           </a:p>
         </p:txBody>
       </p:sp>
@@ -11448,7 +11537,6 @@
               <a:rPr lang="en-US" sz="5400" dirty="0" smtClean="0"/>
               <a:t>, etc.</a:t>
             </a:r>
-            <a:endParaRPr lang="en-US" sz="5400" dirty="0" smtClean="0"/>
           </a:p>
         </p:txBody>
       </p:sp>
@@ -11643,7 +11731,6 @@
               <a:rPr lang="en-US" dirty="0" smtClean="0"/>
               <a:t>Knockout</a:t>
             </a:r>
-            <a:endParaRPr lang="en-US" dirty="0" smtClean="0"/>
           </a:p>
         </p:txBody>
       </p:sp>
@@ -11825,11 +11912,6 @@
               </a:rPr>
               <a:t>MVVM for HTML and JavaScript</a:t>
             </a:r>
-            <a:endParaRPr lang="en-US" sz="2400" kern="0" dirty="0" smtClean="0">
-              <a:solidFill>
-                <a:srgbClr val="000000"/>
-              </a:solidFill>
-            </a:endParaRPr>
           </a:p>
           <a:p>
             <a:pPr lvl="0"/>
@@ -11857,11 +11939,6 @@
               </a:rPr>
               <a:t>)</a:t>
             </a:r>
-            <a:endParaRPr lang="en-US" sz="2400" kern="0" dirty="0" smtClean="0">
-              <a:solidFill>
-                <a:srgbClr val="000000"/>
-              </a:solidFill>
-            </a:endParaRPr>
           </a:p>
           <a:p>
             <a:pPr lvl="0"/>
@@ -11873,11 +11950,6 @@
               </a:rPr>
               <a:t>Has an active and supportive community</a:t>
             </a:r>
-            <a:endParaRPr lang="en-US" sz="2400" kern="0" dirty="0" smtClean="0">
-              <a:solidFill>
-                <a:srgbClr val="000000"/>
-              </a:solidFill>
-            </a:endParaRPr>
           </a:p>
           <a:p>
             <a:r>
@@ -11888,11 +11960,6 @@
               </a:rPr>
               <a:t>With the release of VS11 it will be officially supported by Microsoft!</a:t>
             </a:r>
-            <a:endParaRPr lang="en-US" sz="2400" kern="0" dirty="0" smtClean="0">
-              <a:solidFill>
-                <a:srgbClr val="000000"/>
-              </a:solidFill>
-            </a:endParaRPr>
           </a:p>
         </p:txBody>
       </p:sp>
@@ -12023,7 +12090,6 @@
               <a:rPr lang="en-US" dirty="0" smtClean="0"/>
               <a:t>MVVM in JavaScript</a:t>
             </a:r>
-            <a:endParaRPr lang="en-US" dirty="0" smtClean="0"/>
           </a:p>
         </p:txBody>
       </p:sp>
@@ -13034,7 +13100,6 @@
               <a:rPr lang="en-US" dirty="0" smtClean="0"/>
               <a:t>What do I get by using Knockout?</a:t>
             </a:r>
-            <a:endParaRPr lang="en-US" dirty="0" smtClean="0"/>
           </a:p>
         </p:txBody>
       </p:sp>
@@ -13216,11 +13281,6 @@
               </a:rPr>
               <a:t>Declarative bindings</a:t>
             </a:r>
-            <a:endParaRPr lang="en-US" sz="2400" kern="0" dirty="0" smtClean="0">
-              <a:solidFill>
-                <a:srgbClr val="000000"/>
-              </a:solidFill>
-            </a:endParaRPr>
           </a:p>
           <a:p>
             <a:pPr lvl="0"/>
@@ -13232,11 +13292,6 @@
               </a:rPr>
               <a:t>Automatic UI refresh</a:t>
             </a:r>
-            <a:endParaRPr lang="en-US" sz="2400" kern="0" dirty="0" smtClean="0">
-              <a:solidFill>
-                <a:srgbClr val="000000"/>
-              </a:solidFill>
-            </a:endParaRPr>
           </a:p>
           <a:p>
             <a:pPr lvl="0"/>
@@ -13248,11 +13303,6 @@
               </a:rPr>
               <a:t>Dependent properties</a:t>
             </a:r>
-            <a:endParaRPr lang="en-US" sz="2400" kern="0" dirty="0" smtClean="0">
-              <a:solidFill>
-                <a:srgbClr val="000000"/>
-              </a:solidFill>
-            </a:endParaRPr>
           </a:p>
           <a:p>
             <a:r>
@@ -13383,8 +13433,8 @@
         </p:nvSpPr>
         <p:spPr>
           <a:xfrm>
-            <a:off x="239697" y="778746"/>
-            <a:ext cx="9152877" cy="941388"/>
+            <a:off x="630315" y="778746"/>
+            <a:ext cx="8451541" cy="941388"/>
           </a:xfrm>
         </p:spPr>
         <p:txBody>
@@ -13404,9 +13454,8 @@
             </a:r>
             <a:r>
               <a:rPr lang="en-US" sz="5400" dirty="0" smtClean="0"/>
-              <a:t> example of Knockout can do</a:t>
-            </a:r>
-            <a:endParaRPr lang="en-US" sz="5400" dirty="0" smtClean="0"/>
+              <a:t> example of what Knockout can do</a:t>
+            </a:r>
           </a:p>
         </p:txBody>
       </p:sp>
@@ -13601,7 +13650,6 @@
               <a:rPr lang="en-US" sz="5400" dirty="0" smtClean="0"/>
               <a:t>Observables</a:t>
             </a:r>
-            <a:endParaRPr lang="en-US" sz="5400" dirty="0" smtClean="0"/>
           </a:p>
         </p:txBody>
       </p:sp>
@@ -15158,16 +15206,49 @@
 </file>
 
 <file path=customXml/item1.xml><?xml version="1.0" encoding="utf-8"?>
-<p:properties xmlns:p="http://schemas.microsoft.com/office/2006/metadata/properties" xmlns:xsi="http://www.w3.org/2001/XMLSchema-instance" xmlns:pc="http://schemas.microsoft.com/office/infopath/2007/PartnerControls">
-  <documentManagement>
-    <Description0 xmlns="1e37aee8-73ad-441e-bced-8b530ad9291b">PowerPoint template with Microsoft Partner Network logo on it.</Description0>
-    <_dlc_DocId xmlns="52ad97b0-86c1-49b5-b544-c488bf38e7c0">SAZVWXQSR7YH-3011-7</_dlc_DocId>
-    <_dlc_DocIdUrl xmlns="52ad97b0-86c1-49b5-b544-c488bf38e7c0">
-      <Url>https://my.skylinetechnologies.com/Support/SalesMarketingCenter/branding/_layouts/DocIdRedir.aspx?ID=SAZVWXQSR7YH-3011-7</Url>
-      <Description>SAZVWXQSR7YH-3011-7</Description>
-    </_dlc_DocIdUrl>
-  </documentManagement>
-</p:properties>
+<?mso-contentType ?>
+<spe:Receivers xmlns:spe="http://schemas.microsoft.com/sharepoint/events">
+  <Receiver>
+    <Name>Document ID Generator</Name>
+    <Synchronization>Synchronous</Synchronization>
+    <Type>10001</Type>
+    <SequenceNumber>1000</SequenceNumber>
+    <Assembly>Microsoft.Office.DocumentManagement, Version=14.0.0.0, Culture=neutral, PublicKeyToken=71e9bce111e9429c</Assembly>
+    <Class>Microsoft.Office.DocumentManagement.Internal.DocIdHandler</Class>
+    <Data/>
+    <Filter/>
+  </Receiver>
+  <Receiver>
+    <Name>Document ID Generator</Name>
+    <Synchronization>Synchronous</Synchronization>
+    <Type>10002</Type>
+    <SequenceNumber>1001</SequenceNumber>
+    <Assembly>Microsoft.Office.DocumentManagement, Version=14.0.0.0, Culture=neutral, PublicKeyToken=71e9bce111e9429c</Assembly>
+    <Class>Microsoft.Office.DocumentManagement.Internal.DocIdHandler</Class>
+    <Data/>
+    <Filter/>
+  </Receiver>
+  <Receiver>
+    <Name>Document ID Generator</Name>
+    <Synchronization>Synchronous</Synchronization>
+    <Type>10004</Type>
+    <SequenceNumber>1002</SequenceNumber>
+    <Assembly>Microsoft.Office.DocumentManagement, Version=14.0.0.0, Culture=neutral, PublicKeyToken=71e9bce111e9429c</Assembly>
+    <Class>Microsoft.Office.DocumentManagement.Internal.DocIdHandler</Class>
+    <Data/>
+    <Filter/>
+  </Receiver>
+  <Receiver>
+    <Name>Document ID Generator</Name>
+    <Synchronization>Synchronous</Synchronization>
+    <Type>10006</Type>
+    <SequenceNumber>1003</SequenceNumber>
+    <Assembly>Microsoft.Office.DocumentManagement, Version=14.0.0.0, Culture=neutral, PublicKeyToken=71e9bce111e9429c</Assembly>
+    <Class>Microsoft.Office.DocumentManagement.Internal.DocIdHandler</Class>
+    <Data/>
+    <Filter/>
+  </Receiver>
+</spe:Receivers>
 </file>
 
 <file path=customXml/item2.xml><?xml version="1.0" encoding="utf-8"?>
@@ -15329,49 +15410,16 @@
 </file>
 
 <file path=customXml/item3.xml><?xml version="1.0" encoding="utf-8"?>
-<?mso-contentType ?>
-<spe:Receivers xmlns:spe="http://schemas.microsoft.com/sharepoint/events">
-  <Receiver>
-    <Name>Document ID Generator</Name>
-    <Synchronization>Synchronous</Synchronization>
-    <Type>10001</Type>
-    <SequenceNumber>1000</SequenceNumber>
-    <Assembly>Microsoft.Office.DocumentManagement, Version=14.0.0.0, Culture=neutral, PublicKeyToken=71e9bce111e9429c</Assembly>
-    <Class>Microsoft.Office.DocumentManagement.Internal.DocIdHandler</Class>
-    <Data/>
-    <Filter/>
-  </Receiver>
-  <Receiver>
-    <Name>Document ID Generator</Name>
-    <Synchronization>Synchronous</Synchronization>
-    <Type>10002</Type>
-    <SequenceNumber>1001</SequenceNumber>
-    <Assembly>Microsoft.Office.DocumentManagement, Version=14.0.0.0, Culture=neutral, PublicKeyToken=71e9bce111e9429c</Assembly>
-    <Class>Microsoft.Office.DocumentManagement.Internal.DocIdHandler</Class>
-    <Data/>
-    <Filter/>
-  </Receiver>
-  <Receiver>
-    <Name>Document ID Generator</Name>
-    <Synchronization>Synchronous</Synchronization>
-    <Type>10004</Type>
-    <SequenceNumber>1002</SequenceNumber>
-    <Assembly>Microsoft.Office.DocumentManagement, Version=14.0.0.0, Culture=neutral, PublicKeyToken=71e9bce111e9429c</Assembly>
-    <Class>Microsoft.Office.DocumentManagement.Internal.DocIdHandler</Class>
-    <Data/>
-    <Filter/>
-  </Receiver>
-  <Receiver>
-    <Name>Document ID Generator</Name>
-    <Synchronization>Synchronous</Synchronization>
-    <Type>10006</Type>
-    <SequenceNumber>1003</SequenceNumber>
-    <Assembly>Microsoft.Office.DocumentManagement, Version=14.0.0.0, Culture=neutral, PublicKeyToken=71e9bce111e9429c</Assembly>
-    <Class>Microsoft.Office.DocumentManagement.Internal.DocIdHandler</Class>
-    <Data/>
-    <Filter/>
-  </Receiver>
-</spe:Receivers>
+<p:properties xmlns:p="http://schemas.microsoft.com/office/2006/metadata/properties" xmlns:xsi="http://www.w3.org/2001/XMLSchema-instance" xmlns:pc="http://schemas.microsoft.com/office/infopath/2007/PartnerControls">
+  <documentManagement>
+    <Description0 xmlns="1e37aee8-73ad-441e-bced-8b530ad9291b">PowerPoint template with Microsoft Partner Network logo on it.</Description0>
+    <_dlc_DocId xmlns="52ad97b0-86c1-49b5-b544-c488bf38e7c0">SAZVWXQSR7YH-3011-7</_dlc_DocId>
+    <_dlc_DocIdUrl xmlns="52ad97b0-86c1-49b5-b544-c488bf38e7c0">
+      <Url>https://my.skylinetechnologies.com/Support/SalesMarketingCenter/branding/_layouts/DocIdRedir.aspx?ID=SAZVWXQSR7YH-3011-7</Url>
+      <Description>SAZVWXQSR7YH-3011-7</Description>
+    </_dlc_DocIdUrl>
+  </documentManagement>
+</p:properties>
 </file>
 
 <file path=customXml/item4.xml><?xml version="1.0" encoding="utf-8"?>
@@ -15384,18 +15432,9 @@
 </file>
 
 <file path=customXml/itemProps1.xml><?xml version="1.0" encoding="utf-8"?>
-<ds:datastoreItem xmlns:ds="http://schemas.openxmlformats.org/officeDocument/2006/customXml" ds:itemID="{9F5040E5-4564-49C1-9147-56F1700A1C56}">
+<ds:datastoreItem xmlns:ds="http://schemas.openxmlformats.org/officeDocument/2006/customXml" ds:itemID="{0068A067-F354-4585-8169-FC99DA836E1C}">
   <ds:schemaRefs>
-    <ds:schemaRef ds:uri="http://schemas.microsoft.com/office/2006/documentManagement/types"/>
-    <ds:schemaRef ds:uri="http://www.w3.org/XML/1998/namespace"/>
-    <ds:schemaRef ds:uri="1e37aee8-73ad-441e-bced-8b530ad9291b"/>
-    <ds:schemaRef ds:uri="http://purl.org/dc/elements/1.1/"/>
-    <ds:schemaRef ds:uri="http://schemas.microsoft.com/office/2006/metadata/properties"/>
-    <ds:schemaRef ds:uri="http://schemas.microsoft.com/office/infopath/2007/PartnerControls"/>
-    <ds:schemaRef ds:uri="http://purl.org/dc/dcmitype/"/>
-    <ds:schemaRef ds:uri="http://purl.org/dc/terms/"/>
-    <ds:schemaRef ds:uri="52ad97b0-86c1-49b5-b544-c488bf38e7c0"/>
-    <ds:schemaRef ds:uri="http://schemas.openxmlformats.org/package/2006/metadata/core-properties"/>
+    <ds:schemaRef ds:uri="http://schemas.microsoft.com/sharepoint/events"/>
   </ds:schemaRefs>
 </ds:datastoreItem>
 </file>
@@ -15420,9 +15459,18 @@
 </file>
 
 <file path=customXml/itemProps3.xml><?xml version="1.0" encoding="utf-8"?>
-<ds:datastoreItem xmlns:ds="http://schemas.openxmlformats.org/officeDocument/2006/customXml" ds:itemID="{0068A067-F354-4585-8169-FC99DA836E1C}">
+<ds:datastoreItem xmlns:ds="http://schemas.openxmlformats.org/officeDocument/2006/customXml" ds:itemID="{9F5040E5-4564-49C1-9147-56F1700A1C56}">
   <ds:schemaRefs>
-    <ds:schemaRef ds:uri="http://schemas.microsoft.com/sharepoint/events"/>
+    <ds:schemaRef ds:uri="http://schemas.microsoft.com/office/2006/documentManagement/types"/>
+    <ds:schemaRef ds:uri="http://www.w3.org/XML/1998/namespace"/>
+    <ds:schemaRef ds:uri="1e37aee8-73ad-441e-bced-8b530ad9291b"/>
+    <ds:schemaRef ds:uri="http://purl.org/dc/elements/1.1/"/>
+    <ds:schemaRef ds:uri="http://schemas.microsoft.com/office/2006/metadata/properties"/>
+    <ds:schemaRef ds:uri="http://schemas.microsoft.com/office/infopath/2007/PartnerControls"/>
+    <ds:schemaRef ds:uri="http://purl.org/dc/dcmitype/"/>
+    <ds:schemaRef ds:uri="http://purl.org/dc/terms/"/>
+    <ds:schemaRef ds:uri="52ad97b0-86c1-49b5-b544-c488bf38e7c0"/>
+    <ds:schemaRef ds:uri="http://schemas.openxmlformats.org/package/2006/metadata/core-properties"/>
   </ds:schemaRefs>
 </ds:datastoreItem>
 </file>

--- a/KOyourMVC.pptx
+++ b/KOyourMVC.pptx
@@ -483,7 +483,7 @@
               <a:pPr>
                 <a:defRPr/>
               </a:pPr>
-              <a:t>5/19/2012</a:t>
+              <a:t>6/12/2012</a:t>
             </a:fld>
             <a:endParaRPr lang="en-US"/>
           </a:p>
@@ -5752,11 +5752,7 @@
             </a:pPr>
             <a:r>
               <a:rPr lang="en-US" sz="6000" dirty="0" smtClean="0"/>
-              <a:t>              KO </a:t>
-            </a:r>
-            <a:r>
-              <a:rPr lang="en-US" sz="6000" dirty="0" smtClean="0"/>
-              <a:t>your MVC</a:t>
+              <a:t>              KO your MVC</a:t>
             </a:r>
           </a:p>
         </p:txBody>
@@ -6361,7 +6357,15 @@
                   <a:srgbClr val="000000"/>
                 </a:solidFill>
               </a:rPr>
-              <a:t>Dependent or Computer Observables</a:t>
+              <a:t>Dependent/Computed </a:t>
+            </a:r>
+            <a:r>
+              <a:rPr lang="en-US" sz="2400" kern="0" dirty="0" smtClean="0">
+                <a:solidFill>
+                  <a:srgbClr val="000000"/>
+                </a:solidFill>
+              </a:rPr>
+              <a:t>Observables</a:t>
             </a:r>
           </a:p>
         </p:txBody>
@@ -6495,13 +6499,8 @@
             </a:r>
             <a:r>
               <a:rPr lang="en-US" sz="5400" dirty="0" smtClean="0"/>
-              <a:t> is great for prototyping but real men use </a:t>
-            </a:r>
-            <a:r>
-              <a:rPr lang="en-US" sz="5400" dirty="0" smtClean="0"/>
-              <a:t>a true IDE</a:t>
-            </a:r>
-            <a:endParaRPr lang="en-US" sz="5400" dirty="0" smtClean="0"/>
+              <a:t> is great for prototyping but real men use a true IDE</a:t>
+            </a:r>
           </a:p>
         </p:txBody>
       </p:sp>
@@ -9284,25 +9283,7 @@
               <a:rPr lang="en-US" dirty="0" smtClean="0">
                 <a:sym typeface="Wingdings" pitchFamily="2" charset="2"/>
               </a:rPr>
-              <a:t>Sample MVC App: </a:t>
-            </a:r>
-            <a:r>
-              <a:rPr lang="en-US" dirty="0" smtClean="0">
-                <a:sym typeface="Wingdings" pitchFamily="2" charset="2"/>
-              </a:rPr>
-              <a:t>Adding </a:t>
-            </a:r>
-            <a:r>
-              <a:rPr lang="en-US" dirty="0" smtClean="0">
-                <a:sym typeface="Wingdings" pitchFamily="2" charset="2"/>
-              </a:rPr>
-              <a:t>in the </a:t>
-            </a:r>
-            <a:r>
-              <a:rPr lang="en-US" dirty="0" smtClean="0">
-                <a:sym typeface="Wingdings" pitchFamily="2" charset="2"/>
-              </a:rPr>
-              <a:t>server side</a:t>
+              <a:t>Sample MVC App: Adding in the server side</a:t>
             </a:r>
             <a:endParaRPr lang="en-US" b="1" dirty="0">
               <a:sym typeface="Wingdings" pitchFamily="2" charset="2"/>
@@ -15206,49 +15187,16 @@
 </file>
 
 <file path=customXml/item1.xml><?xml version="1.0" encoding="utf-8"?>
-<?mso-contentType ?>
-<spe:Receivers xmlns:spe="http://schemas.microsoft.com/sharepoint/events">
-  <Receiver>
-    <Name>Document ID Generator</Name>
-    <Synchronization>Synchronous</Synchronization>
-    <Type>10001</Type>
-    <SequenceNumber>1000</SequenceNumber>
-    <Assembly>Microsoft.Office.DocumentManagement, Version=14.0.0.0, Culture=neutral, PublicKeyToken=71e9bce111e9429c</Assembly>
-    <Class>Microsoft.Office.DocumentManagement.Internal.DocIdHandler</Class>
-    <Data/>
-    <Filter/>
-  </Receiver>
-  <Receiver>
-    <Name>Document ID Generator</Name>
-    <Synchronization>Synchronous</Synchronization>
-    <Type>10002</Type>
-    <SequenceNumber>1001</SequenceNumber>
-    <Assembly>Microsoft.Office.DocumentManagement, Version=14.0.0.0, Culture=neutral, PublicKeyToken=71e9bce111e9429c</Assembly>
-    <Class>Microsoft.Office.DocumentManagement.Internal.DocIdHandler</Class>
-    <Data/>
-    <Filter/>
-  </Receiver>
-  <Receiver>
-    <Name>Document ID Generator</Name>
-    <Synchronization>Synchronous</Synchronization>
-    <Type>10004</Type>
-    <SequenceNumber>1002</SequenceNumber>
-    <Assembly>Microsoft.Office.DocumentManagement, Version=14.0.0.0, Culture=neutral, PublicKeyToken=71e9bce111e9429c</Assembly>
-    <Class>Microsoft.Office.DocumentManagement.Internal.DocIdHandler</Class>
-    <Data/>
-    <Filter/>
-  </Receiver>
-  <Receiver>
-    <Name>Document ID Generator</Name>
-    <Synchronization>Synchronous</Synchronization>
-    <Type>10006</Type>
-    <SequenceNumber>1003</SequenceNumber>
-    <Assembly>Microsoft.Office.DocumentManagement, Version=14.0.0.0, Culture=neutral, PublicKeyToken=71e9bce111e9429c</Assembly>
-    <Class>Microsoft.Office.DocumentManagement.Internal.DocIdHandler</Class>
-    <Data/>
-    <Filter/>
-  </Receiver>
-</spe:Receivers>
+<p:properties xmlns:p="http://schemas.microsoft.com/office/2006/metadata/properties" xmlns:xsi="http://www.w3.org/2001/XMLSchema-instance" xmlns:pc="http://schemas.microsoft.com/office/infopath/2007/PartnerControls">
+  <documentManagement>
+    <Description0 xmlns="1e37aee8-73ad-441e-bced-8b530ad9291b">PowerPoint template with Microsoft Partner Network logo on it.</Description0>
+    <_dlc_DocId xmlns="52ad97b0-86c1-49b5-b544-c488bf38e7c0">SAZVWXQSR7YH-3011-7</_dlc_DocId>
+    <_dlc_DocIdUrl xmlns="52ad97b0-86c1-49b5-b544-c488bf38e7c0">
+      <Url>https://my.skylinetechnologies.com/Support/SalesMarketingCenter/branding/_layouts/DocIdRedir.aspx?ID=SAZVWXQSR7YH-3011-7</Url>
+      <Description>SAZVWXQSR7YH-3011-7</Description>
+    </_dlc_DocIdUrl>
+  </documentManagement>
+</p:properties>
 </file>
 
 <file path=customXml/item2.xml><?xml version="1.0" encoding="utf-8"?>
@@ -15410,16 +15358,49 @@
 </file>
 
 <file path=customXml/item3.xml><?xml version="1.0" encoding="utf-8"?>
-<p:properties xmlns:p="http://schemas.microsoft.com/office/2006/metadata/properties" xmlns:xsi="http://www.w3.org/2001/XMLSchema-instance" xmlns:pc="http://schemas.microsoft.com/office/infopath/2007/PartnerControls">
-  <documentManagement>
-    <Description0 xmlns="1e37aee8-73ad-441e-bced-8b530ad9291b">PowerPoint template with Microsoft Partner Network logo on it.</Description0>
-    <_dlc_DocId xmlns="52ad97b0-86c1-49b5-b544-c488bf38e7c0">SAZVWXQSR7YH-3011-7</_dlc_DocId>
-    <_dlc_DocIdUrl xmlns="52ad97b0-86c1-49b5-b544-c488bf38e7c0">
-      <Url>https://my.skylinetechnologies.com/Support/SalesMarketingCenter/branding/_layouts/DocIdRedir.aspx?ID=SAZVWXQSR7YH-3011-7</Url>
-      <Description>SAZVWXQSR7YH-3011-7</Description>
-    </_dlc_DocIdUrl>
-  </documentManagement>
-</p:properties>
+<?mso-contentType ?>
+<spe:Receivers xmlns:spe="http://schemas.microsoft.com/sharepoint/events">
+  <Receiver>
+    <Name>Document ID Generator</Name>
+    <Synchronization>Synchronous</Synchronization>
+    <Type>10001</Type>
+    <SequenceNumber>1000</SequenceNumber>
+    <Assembly>Microsoft.Office.DocumentManagement, Version=14.0.0.0, Culture=neutral, PublicKeyToken=71e9bce111e9429c</Assembly>
+    <Class>Microsoft.Office.DocumentManagement.Internal.DocIdHandler</Class>
+    <Data/>
+    <Filter/>
+  </Receiver>
+  <Receiver>
+    <Name>Document ID Generator</Name>
+    <Synchronization>Synchronous</Synchronization>
+    <Type>10002</Type>
+    <SequenceNumber>1001</SequenceNumber>
+    <Assembly>Microsoft.Office.DocumentManagement, Version=14.0.0.0, Culture=neutral, PublicKeyToken=71e9bce111e9429c</Assembly>
+    <Class>Microsoft.Office.DocumentManagement.Internal.DocIdHandler</Class>
+    <Data/>
+    <Filter/>
+  </Receiver>
+  <Receiver>
+    <Name>Document ID Generator</Name>
+    <Synchronization>Synchronous</Synchronization>
+    <Type>10004</Type>
+    <SequenceNumber>1002</SequenceNumber>
+    <Assembly>Microsoft.Office.DocumentManagement, Version=14.0.0.0, Culture=neutral, PublicKeyToken=71e9bce111e9429c</Assembly>
+    <Class>Microsoft.Office.DocumentManagement.Internal.DocIdHandler</Class>
+    <Data/>
+    <Filter/>
+  </Receiver>
+  <Receiver>
+    <Name>Document ID Generator</Name>
+    <Synchronization>Synchronous</Synchronization>
+    <Type>10006</Type>
+    <SequenceNumber>1003</SequenceNumber>
+    <Assembly>Microsoft.Office.DocumentManagement, Version=14.0.0.0, Culture=neutral, PublicKeyToken=71e9bce111e9429c</Assembly>
+    <Class>Microsoft.Office.DocumentManagement.Internal.DocIdHandler</Class>
+    <Data/>
+    <Filter/>
+  </Receiver>
+</spe:Receivers>
 </file>
 
 <file path=customXml/item4.xml><?xml version="1.0" encoding="utf-8"?>
@@ -15432,9 +15413,18 @@
 </file>
 
 <file path=customXml/itemProps1.xml><?xml version="1.0" encoding="utf-8"?>
-<ds:datastoreItem xmlns:ds="http://schemas.openxmlformats.org/officeDocument/2006/customXml" ds:itemID="{0068A067-F354-4585-8169-FC99DA836E1C}">
+<ds:datastoreItem xmlns:ds="http://schemas.openxmlformats.org/officeDocument/2006/customXml" ds:itemID="{9F5040E5-4564-49C1-9147-56F1700A1C56}">
   <ds:schemaRefs>
-    <ds:schemaRef ds:uri="http://schemas.microsoft.com/sharepoint/events"/>
+    <ds:schemaRef ds:uri="http://schemas.microsoft.com/office/2006/documentManagement/types"/>
+    <ds:schemaRef ds:uri="http://www.w3.org/XML/1998/namespace"/>
+    <ds:schemaRef ds:uri="1e37aee8-73ad-441e-bced-8b530ad9291b"/>
+    <ds:schemaRef ds:uri="http://purl.org/dc/elements/1.1/"/>
+    <ds:schemaRef ds:uri="http://schemas.microsoft.com/office/2006/metadata/properties"/>
+    <ds:schemaRef ds:uri="http://schemas.microsoft.com/office/infopath/2007/PartnerControls"/>
+    <ds:schemaRef ds:uri="http://purl.org/dc/dcmitype/"/>
+    <ds:schemaRef ds:uri="http://purl.org/dc/terms/"/>
+    <ds:schemaRef ds:uri="52ad97b0-86c1-49b5-b544-c488bf38e7c0"/>
+    <ds:schemaRef ds:uri="http://schemas.openxmlformats.org/package/2006/metadata/core-properties"/>
   </ds:schemaRefs>
 </ds:datastoreItem>
 </file>
@@ -15459,18 +15449,9 @@
 </file>
 
 <file path=customXml/itemProps3.xml><?xml version="1.0" encoding="utf-8"?>
-<ds:datastoreItem xmlns:ds="http://schemas.openxmlformats.org/officeDocument/2006/customXml" ds:itemID="{9F5040E5-4564-49C1-9147-56F1700A1C56}">
+<ds:datastoreItem xmlns:ds="http://schemas.openxmlformats.org/officeDocument/2006/customXml" ds:itemID="{0068A067-F354-4585-8169-FC99DA836E1C}">
   <ds:schemaRefs>
-    <ds:schemaRef ds:uri="http://schemas.microsoft.com/office/2006/documentManagement/types"/>
-    <ds:schemaRef ds:uri="http://www.w3.org/XML/1998/namespace"/>
-    <ds:schemaRef ds:uri="1e37aee8-73ad-441e-bced-8b530ad9291b"/>
-    <ds:schemaRef ds:uri="http://purl.org/dc/elements/1.1/"/>
-    <ds:schemaRef ds:uri="http://schemas.microsoft.com/office/2006/metadata/properties"/>
-    <ds:schemaRef ds:uri="http://schemas.microsoft.com/office/infopath/2007/PartnerControls"/>
-    <ds:schemaRef ds:uri="http://purl.org/dc/dcmitype/"/>
-    <ds:schemaRef ds:uri="http://purl.org/dc/terms/"/>
-    <ds:schemaRef ds:uri="52ad97b0-86c1-49b5-b544-c488bf38e7c0"/>
-    <ds:schemaRef ds:uri="http://schemas.openxmlformats.org/package/2006/metadata/core-properties"/>
+    <ds:schemaRef ds:uri="http://schemas.microsoft.com/sharepoint/events"/>
   </ds:schemaRefs>
 </ds:datastoreItem>
 </file>

--- a/KOyourMVC.pptx
+++ b/KOyourMVC.pptx
@@ -18,8 +18,8 @@
     <p:sldId id="358" r:id="rId10"/>
     <p:sldId id="359" r:id="rId11"/>
     <p:sldId id="360" r:id="rId12"/>
-    <p:sldId id="361" r:id="rId13"/>
-    <p:sldId id="362" r:id="rId14"/>
+    <p:sldId id="362" r:id="rId13"/>
+    <p:sldId id="361" r:id="rId14"/>
     <p:sldId id="363" r:id="rId15"/>
     <p:sldId id="364" r:id="rId16"/>
     <p:sldId id="367" r:id="rId17"/>
@@ -483,7 +483,7 @@
               <a:pPr>
                 <a:defRPr/>
               </a:pPr>
-              <a:t>6/12/2012</a:t>
+              <a:t>6/13/2012</a:t>
             </a:fld>
             <a:endParaRPr lang="en-US"/>
           </a:p>
@@ -6357,15 +6357,7 @@
                   <a:srgbClr val="000000"/>
                 </a:solidFill>
               </a:rPr>
-              <a:t>Dependent/Computed </a:t>
-            </a:r>
-            <a:r>
-              <a:rPr lang="en-US" sz="2400" kern="0" dirty="0" smtClean="0">
-                <a:solidFill>
-                  <a:srgbClr val="000000"/>
-                </a:solidFill>
-              </a:rPr>
-              <a:t>Observables</a:t>
+              <a:t>Dependent/Computed Observables</a:t>
             </a:r>
           </a:p>
         </p:txBody>
@@ -6482,8 +6474,8 @@
         </p:nvSpPr>
         <p:spPr>
           <a:xfrm>
-            <a:off x="541538" y="1613247"/>
-            <a:ext cx="8371643" cy="941388"/>
+            <a:off x="239698" y="1613247"/>
+            <a:ext cx="9161754" cy="941388"/>
           </a:xfrm>
         </p:spPr>
         <p:txBody>
@@ -6495,12 +6487,25 @@
             </a:pPr>
             <a:r>
               <a:rPr lang="en-US" sz="5400" dirty="0" err="1" smtClean="0"/>
-              <a:t>JSFiddle</a:t>
+              <a:t>js</a:t>
+            </a:r>
+            <a:r>
+              <a:rPr lang="en-US" sz="5400" dirty="0" err="1" smtClean="0"/>
+              <a:t>Fiddle</a:t>
             </a:r>
             <a:r>
               <a:rPr lang="en-US" sz="5400" dirty="0" smtClean="0"/>
-              <a:t> is great for prototyping but real men use a true IDE</a:t>
-            </a:r>
+              <a:t> </a:t>
+            </a:r>
+            <a:r>
+              <a:rPr lang="en-US" sz="5400" dirty="0" smtClean="0"/>
+              <a:t>is great for prototyping but real men use </a:t>
+            </a:r>
+            <a:r>
+              <a:rPr lang="en-US" sz="5400" dirty="0" smtClean="0"/>
+              <a:t>Visual Studio</a:t>
+            </a:r>
+            <a:endParaRPr lang="en-US" sz="5400" dirty="0" smtClean="0"/>
           </a:p>
         </p:txBody>
       </p:sp>
@@ -9530,27 +9535,50 @@
           <a:p>
             <a:r>
               <a:rPr lang="en-US" sz="2400" dirty="0" smtClean="0"/>
-              <a:t>Senior Software Engineer at Skyline Technologies</a:t>
+              <a:t>Senior Software </a:t>
+            </a:r>
+            <a:r>
+              <a:rPr lang="en-US" sz="2400" dirty="0" smtClean="0"/>
+              <a:t>Engineer @ Skyline </a:t>
+            </a:r>
+            <a:r>
+              <a:rPr lang="en-US" sz="2400" dirty="0" smtClean="0"/>
+              <a:t>Technologies</a:t>
             </a:r>
             <a:endParaRPr lang="en-US" sz="2400" dirty="0"/>
           </a:p>
           <a:p>
             <a:r>
               <a:rPr lang="en-US" sz="2400" dirty="0" smtClean="0"/>
-              <a:t>Born and raised in Green Bay, WI</a:t>
-            </a:r>
-          </a:p>
-          <a:p>
+              <a:t>Been </a:t>
+            </a:r>
             <a:r>
               <a:rPr lang="en-US" sz="2400" dirty="0" smtClean="0"/>
-              <a:t>Been developing software for ~15 years</a:t>
-            </a:r>
-          </a:p>
-          <a:p>
+              <a:t>developing software for </a:t>
+            </a:r>
             <a:r>
               <a:rPr lang="en-US" sz="2400" dirty="0" smtClean="0"/>
-              <a:t>Primary focus on the Microsoft stack.</a:t>
-            </a:r>
+              <a:t>15+ </a:t>
+            </a:r>
+            <a:r>
+              <a:rPr lang="en-US" sz="2400" dirty="0" smtClean="0"/>
+              <a:t>years</a:t>
+            </a:r>
+          </a:p>
+          <a:p>
+            <a:r>
+              <a:rPr lang="en-US" sz="2400" dirty="0" smtClean="0"/>
+              <a:t>Work </a:t>
+            </a:r>
+            <a:r>
+              <a:rPr lang="en-US" sz="2400" dirty="0" smtClean="0"/>
+              <a:t>on the Microsoft stack</a:t>
+            </a:r>
+            <a:r>
+              <a:rPr lang="en-US" sz="2400" dirty="0" smtClean="0"/>
+              <a:t>.</a:t>
+            </a:r>
+            <a:endParaRPr lang="en-US" sz="2400" dirty="0" smtClean="0"/>
           </a:p>
           <a:p>
             <a:r>
@@ -9561,13 +9589,11 @@
           <a:p>
             <a:r>
               <a:rPr lang="en-US" sz="2400" dirty="0" smtClean="0"/>
-              <a:t>Consulting for last 10 years.</a:t>
-            </a:r>
-          </a:p>
-          <a:p>
+              <a:t>President </a:t>
+            </a:r>
             <a:r>
               <a:rPr lang="en-US" sz="2400" dirty="0" smtClean="0"/>
-              <a:t>President of Fox Valley .NET UG.</a:t>
+              <a:t>of Fox Valley .NET UG.</a:t>
             </a:r>
           </a:p>
           <a:p>
@@ -9579,26 +9605,32 @@
           <a:p>
             <a:r>
               <a:rPr lang="en-US" sz="2400" dirty="0" smtClean="0"/>
-              <a:t>Blogger (DotNetDevDude.com)</a:t>
-            </a:r>
-          </a:p>
-          <a:p>
+              <a:t>Blogger: DotNetDevDude.com</a:t>
+            </a:r>
+            <a:endParaRPr lang="en-US" sz="2400" dirty="0" smtClean="0"/>
+          </a:p>
+          <a:p>
+            <a:r>
+              <a:rPr lang="en-US" sz="2400" dirty="0" smtClean="0"/>
+              <a:t>Twitter(</a:t>
+            </a:r>
             <a:r>
               <a:rPr lang="en-US" sz="2400" dirty="0" err="1" smtClean="0"/>
-              <a:t>Twitterer</a:t>
+              <a:t>er</a:t>
             </a:r>
             <a:r>
               <a:rPr lang="en-US" sz="2400" dirty="0" smtClean="0"/>
-              <a:t> (@</a:t>
+              <a:t>): </a:t>
+            </a:r>
+            <a:r>
+              <a:rPr lang="en-US" sz="2400" dirty="0" smtClean="0"/>
+              <a:t>@</a:t>
             </a:r>
             <a:r>
               <a:rPr lang="en-US" sz="2400" dirty="0" err="1" smtClean="0"/>
               <a:t>keburnell</a:t>
             </a:r>
-            <a:r>
-              <a:rPr lang="en-US" sz="2400" dirty="0" smtClean="0"/>
-              <a:t>)</a:t>
-            </a:r>
+            <a:endParaRPr lang="en-US" sz="2400" dirty="0" smtClean="0"/>
           </a:p>
         </p:txBody>
       </p:sp>
@@ -11370,7 +11402,23 @@
                   <a:srgbClr val="000000"/>
                 </a:solidFill>
               </a:rPr>
-              <a:t>How do I make Knockout and ASP.NET MVC be BFF’s?</a:t>
+              <a:t>How do I make Knockout and ASP.NET MVC </a:t>
+            </a:r>
+            <a:r>
+              <a:rPr lang="en-US" sz="2400" kern="0" dirty="0" smtClean="0">
+                <a:solidFill>
+                  <a:srgbClr val="000000"/>
+                </a:solidFill>
+              </a:rPr>
+              <a:t>BFF’s</a:t>
+            </a:r>
+            <a:r>
+              <a:rPr lang="en-US" sz="2400" kern="0" dirty="0" smtClean="0">
+                <a:solidFill>
+                  <a:srgbClr val="000000"/>
+                </a:solidFill>
+              </a:rPr>
+              <a:t>?</a:t>
             </a:r>
           </a:p>
         </p:txBody>
@@ -11503,21 +11551,29 @@
               <a:t>Knockout </a:t>
             </a:r>
             <a:r>
+              <a:rPr lang="en-US" sz="5400" b="1" dirty="0" smtClean="0">
+                <a:solidFill>
+                  <a:srgbClr val="FF0000"/>
+                </a:solidFill>
+              </a:rPr>
+              <a:t>IS NOT</a:t>
+            </a:r>
+            <a:r>
               <a:rPr lang="en-US" sz="5400" b="1" dirty="0" smtClean="0"/>
-              <a:t>IS NOT </a:t>
+              <a:t> </a:t>
             </a:r>
             <a:r>
               <a:rPr lang="en-US" sz="5400" dirty="0" smtClean="0"/>
-              <a:t>a replacement for jQuery, </a:t>
-            </a:r>
-            <a:r>
-              <a:rPr lang="en-US" sz="5400" dirty="0" err="1" smtClean="0"/>
-              <a:t>CoffeeScript</a:t>
+              <a:t>a replacement for </a:t>
             </a:r>
             <a:r>
               <a:rPr lang="en-US" sz="5400" dirty="0" smtClean="0"/>
-              <a:t>, etc.</a:t>
-            </a:r>
+              <a:t/>
+            </a:r>
+            <a:br>
+              <a:rPr lang="en-US" sz="5400" dirty="0" smtClean="0"/>
+            </a:br>
+            <a:endParaRPr lang="en-US" sz="5400" dirty="0" smtClean="0"/>
           </a:p>
         </p:txBody>
       </p:sp>
@@ -11586,7 +11642,7 @@
       </p:sp>
       <p:pic>
         <p:nvPicPr>
-          <p:cNvPr id="1029" name="Picture 5"/>
+          <p:cNvPr id="2050" name="Picture 2" descr="http://wpmu.org/wp-content/uploads/2010/04/jquery-logo1.png"/>
           <p:cNvPicPr>
             <a:picLocks noChangeAspect="1" noChangeArrowheads="1"/>
           </p:cNvPicPr>
@@ -11607,8 +11663,177 @@
         </p:blipFill>
         <p:spPr bwMode="auto">
           <a:xfrm>
-            <a:off x="3872514" y="3868093"/>
-            <a:ext cx="1905000" cy="1905000"/>
+            <a:off x="1265284" y="2953684"/>
+            <a:ext cx="1451283" cy="1451283"/>
+          </a:xfrm>
+          <a:prstGeom prst="rect">
+            <a:avLst/>
+          </a:prstGeom>
+          <a:noFill/>
+          <a:extLst>
+            <a:ext uri="{909E8E84-426E-40DD-AFC4-6F175D3DCCD1}">
+              <a14:hiddenFill xmlns:a14="http://schemas.microsoft.com/office/drawing/2010/main">
+                <a:solidFill>
+                  <a:srgbClr val="FFFFFF"/>
+                </a:solidFill>
+              </a14:hiddenFill>
+            </a:ext>
+          </a:extLst>
+        </p:spPr>
+      </p:pic>
+      <p:pic>
+        <p:nvPicPr>
+          <p:cNvPr id="2051" name="Picture 3"/>
+          <p:cNvPicPr>
+            <a:picLocks noChangeAspect="1" noChangeArrowheads="1"/>
+          </p:cNvPicPr>
+          <p:nvPr/>
+        </p:nvPicPr>
+        <p:blipFill>
+          <a:blip r:embed="rId4">
+            <a:extLst>
+              <a:ext uri="{28A0092B-C50C-407E-A947-70E740481C1C}">
+                <a14:useLocalDpi xmlns:a14="http://schemas.microsoft.com/office/drawing/2010/main" val="0"/>
+              </a:ext>
+            </a:extLst>
+          </a:blip>
+          <a:srcRect/>
+          <a:stretch>
+            <a:fillRect/>
+          </a:stretch>
+        </p:blipFill>
+        <p:spPr bwMode="auto">
+          <a:xfrm>
+            <a:off x="6985594" y="2940074"/>
+            <a:ext cx="1478502" cy="1478502"/>
+          </a:xfrm>
+          <a:prstGeom prst="rect">
+            <a:avLst/>
+          </a:prstGeom>
+          <a:noFill/>
+          <a:ln>
+            <a:noFill/>
+          </a:ln>
+          <a:effectLst/>
+          <a:extLst>
+            <a:ext uri="{909E8E84-426E-40DD-AFC4-6F175D3DCCD1}">
+              <a14:hiddenFill xmlns:a14="http://schemas.microsoft.com/office/drawing/2010/main">
+                <a:solidFill>
+                  <a:schemeClr val="accent1"/>
+                </a:solidFill>
+              </a14:hiddenFill>
+            </a:ext>
+            <a:ext uri="{91240B29-F687-4F45-9708-019B960494DF}">
+              <a14:hiddenLine xmlns:a14="http://schemas.microsoft.com/office/drawing/2010/main" w="9525">
+                <a:solidFill>
+                  <a:schemeClr val="tx1"/>
+                </a:solidFill>
+                <a:miter lim="800000"/>
+                <a:headEnd/>
+                <a:tailEnd/>
+              </a14:hiddenLine>
+            </a:ext>
+            <a:ext uri="{AF507438-7753-43E0-B8FC-AC1667EBCBE1}">
+              <a14:hiddenEffects xmlns:a14="http://schemas.microsoft.com/office/drawing/2010/main">
+                <a:effectLst>
+                  <a:outerShdw dist="35921" dir="2700000" algn="ctr" rotWithShape="0">
+                    <a:schemeClr val="bg2"/>
+                  </a:outerShdw>
+                </a:effectLst>
+              </a14:hiddenEffects>
+            </a:ext>
+          </a:extLst>
+        </p:spPr>
+      </p:pic>
+      <p:pic>
+        <p:nvPicPr>
+          <p:cNvPr id="2052" name="Picture 4"/>
+          <p:cNvPicPr>
+            <a:picLocks noChangeAspect="1" noChangeArrowheads="1"/>
+          </p:cNvPicPr>
+          <p:nvPr/>
+        </p:nvPicPr>
+        <p:blipFill>
+          <a:blip r:embed="rId5">
+            <a:extLst>
+              <a:ext uri="{28A0092B-C50C-407E-A947-70E740481C1C}">
+                <a14:useLocalDpi xmlns:a14="http://schemas.microsoft.com/office/drawing/2010/main" val="0"/>
+              </a:ext>
+            </a:extLst>
+          </a:blip>
+          <a:srcRect/>
+          <a:stretch>
+            <a:fillRect/>
+          </a:stretch>
+        </p:blipFill>
+        <p:spPr bwMode="auto">
+          <a:xfrm>
+            <a:off x="3970975" y="2926465"/>
+            <a:ext cx="1478502" cy="1478502"/>
+          </a:xfrm>
+          <a:prstGeom prst="rect">
+            <a:avLst/>
+          </a:prstGeom>
+          <a:noFill/>
+          <a:ln>
+            <a:noFill/>
+          </a:ln>
+          <a:effectLst/>
+          <a:extLst>
+            <a:ext uri="{909E8E84-426E-40DD-AFC4-6F175D3DCCD1}">
+              <a14:hiddenFill xmlns:a14="http://schemas.microsoft.com/office/drawing/2010/main">
+                <a:solidFill>
+                  <a:schemeClr val="accent1"/>
+                </a:solidFill>
+              </a14:hiddenFill>
+            </a:ext>
+            <a:ext uri="{91240B29-F687-4F45-9708-019B960494DF}">
+              <a14:hiddenLine xmlns:a14="http://schemas.microsoft.com/office/drawing/2010/main" w="9525">
+                <a:solidFill>
+                  <a:schemeClr val="tx1"/>
+                </a:solidFill>
+                <a:miter lim="800000"/>
+                <a:headEnd/>
+                <a:tailEnd/>
+              </a14:hiddenLine>
+            </a:ext>
+            <a:ext uri="{AF507438-7753-43E0-B8FC-AC1667EBCBE1}">
+              <a14:hiddenEffects xmlns:a14="http://schemas.microsoft.com/office/drawing/2010/main">
+                <a:effectLst>
+                  <a:outerShdw dist="35921" dir="2700000" algn="ctr" rotWithShape="0">
+                    <a:schemeClr val="bg2"/>
+                  </a:outerShdw>
+                </a:effectLst>
+              </a14:hiddenEffects>
+            </a:ext>
+          </a:extLst>
+        </p:spPr>
+      </p:pic>
+      <p:pic>
+        <p:nvPicPr>
+          <p:cNvPr id="2053" name="Picture 5"/>
+          <p:cNvPicPr>
+            <a:picLocks noChangeAspect="1" noChangeArrowheads="1"/>
+          </p:cNvPicPr>
+          <p:nvPr/>
+        </p:nvPicPr>
+        <p:blipFill>
+          <a:blip r:embed="rId6" cstate="print">
+            <a:extLst>
+              <a:ext uri="{28A0092B-C50C-407E-A947-70E740481C1C}">
+                <a14:useLocalDpi xmlns:a14="http://schemas.microsoft.com/office/drawing/2010/main" val="0"/>
+              </a:ext>
+            </a:extLst>
+          </a:blip>
+          <a:srcRect/>
+          <a:stretch>
+            <a:fillRect/>
+          </a:stretch>
+        </p:blipFill>
+        <p:spPr bwMode="auto">
+          <a:xfrm>
+            <a:off x="3482087" y="4669655"/>
+            <a:ext cx="2456278" cy="1111466"/>
           </a:xfrm>
           <a:prstGeom prst="rect">
             <a:avLst/>
@@ -11687,265 +11912,6 @@
       </p:grpSpPr>
       <p:sp>
         <p:nvSpPr>
-          <p:cNvPr id="6" name="Rectangle 2"/>
-          <p:cNvSpPr>
-            <a:spLocks noGrp="1" noChangeArrowheads="1"/>
-          </p:cNvSpPr>
-          <p:nvPr>
-            <p:ph type="title"/>
-          </p:nvPr>
-        </p:nvSpPr>
-        <p:spPr>
-          <a:xfrm>
-            <a:off x="893763" y="381000"/>
-            <a:ext cx="7369175" cy="941388"/>
-          </a:xfrm>
-        </p:spPr>
-        <p:txBody>
-          <a:bodyPr/>
-          <a:lstStyle/>
-          <a:p>
-            <a:pPr>
-              <a:defRPr/>
-            </a:pPr>
-            <a:r>
-              <a:rPr lang="en-US" dirty="0" smtClean="0"/>
-              <a:t>Knockout</a:t>
-            </a:r>
-          </a:p>
-        </p:txBody>
-      </p:sp>
-      <p:sp>
-        <p:nvSpPr>
-          <p:cNvPr id="8" name="Rectangle 3"/>
-          <p:cNvSpPr txBox="1">
-            <a:spLocks noChangeArrowheads="1"/>
-          </p:cNvSpPr>
-          <p:nvPr/>
-        </p:nvSpPr>
-        <p:spPr bwMode="auto">
-          <a:xfrm>
-            <a:off x="900112" y="1484313"/>
-            <a:ext cx="8243887" cy="4770437"/>
-          </a:xfrm>
-          <a:prstGeom prst="rect">
-            <a:avLst/>
-          </a:prstGeom>
-          <a:noFill/>
-          <a:ln w="9525">
-            <a:noFill/>
-            <a:miter lim="800000"/>
-            <a:headEnd/>
-            <a:tailEnd/>
-          </a:ln>
-        </p:spPr>
-        <p:txBody>
-          <a:bodyPr vert="horz" wrap="square" lIns="96646" tIns="48323" rIns="96646" bIns="48323" numCol="1" anchor="t" anchorCtr="0" compatLnSpc="1">
-            <a:prstTxWarp prst="textNoShape">
-              <a:avLst/>
-            </a:prstTxWarp>
-          </a:bodyPr>
-          <a:lstStyle>
-            <a:lvl1pPr marL="363538" indent="-363538" algn="l" defTabSz="966788" rtl="0" eaLnBrk="1" fontAlgn="base" hangingPunct="1">
-              <a:spcBef>
-                <a:spcPct val="20000"/>
-              </a:spcBef>
-              <a:spcAft>
-                <a:spcPct val="0"/>
-              </a:spcAft>
-              <a:buChar char="•"/>
-              <a:defRPr sz="2900">
-                <a:solidFill>
-                  <a:schemeClr val="tx1"/>
-                </a:solidFill>
-                <a:latin typeface="+mn-lt"/>
-                <a:ea typeface="+mn-ea"/>
-                <a:cs typeface="+mn-cs"/>
-              </a:defRPr>
-            </a:lvl1pPr>
-            <a:lvl2pPr marL="784225" indent="-301625" algn="l" defTabSz="966788" rtl="0" eaLnBrk="1" fontAlgn="base" hangingPunct="1">
-              <a:spcBef>
-                <a:spcPct val="20000"/>
-              </a:spcBef>
-              <a:spcAft>
-                <a:spcPct val="0"/>
-              </a:spcAft>
-              <a:buChar char="–"/>
-              <a:defRPr sz="2600">
-                <a:solidFill>
-                  <a:schemeClr val="tx1"/>
-                </a:solidFill>
-                <a:latin typeface="+mn-lt"/>
-              </a:defRPr>
-            </a:lvl2pPr>
-            <a:lvl3pPr marL="1208088" indent="-241300" algn="l" defTabSz="966788" rtl="0" eaLnBrk="1" fontAlgn="base" hangingPunct="1">
-              <a:spcBef>
-                <a:spcPct val="20000"/>
-              </a:spcBef>
-              <a:spcAft>
-                <a:spcPct val="0"/>
-              </a:spcAft>
-              <a:buChar char="•"/>
-              <a:defRPr sz="2100">
-                <a:solidFill>
-                  <a:schemeClr val="tx1"/>
-                </a:solidFill>
-                <a:latin typeface="+mn-lt"/>
-              </a:defRPr>
-            </a:lvl3pPr>
-            <a:lvl4pPr marL="1689100" indent="-238125" algn="l" defTabSz="966788" rtl="0" eaLnBrk="1" fontAlgn="base" hangingPunct="1">
-              <a:spcBef>
-                <a:spcPct val="20000"/>
-              </a:spcBef>
-              <a:spcAft>
-                <a:spcPct val="0"/>
-              </a:spcAft>
-              <a:buChar char="–"/>
-              <a:defRPr sz="2100">
-                <a:solidFill>
-                  <a:schemeClr val="tx1"/>
-                </a:solidFill>
-                <a:latin typeface="+mn-lt"/>
-              </a:defRPr>
-            </a:lvl4pPr>
-            <a:lvl5pPr marL="2174875" indent="-241300" algn="l" defTabSz="966788" rtl="0" eaLnBrk="1" fontAlgn="base" hangingPunct="1">
-              <a:spcBef>
-                <a:spcPct val="20000"/>
-              </a:spcBef>
-              <a:spcAft>
-                <a:spcPct val="0"/>
-              </a:spcAft>
-              <a:buChar char="»"/>
-              <a:defRPr sz="2100">
-                <a:solidFill>
-                  <a:schemeClr val="tx1"/>
-                </a:solidFill>
-                <a:latin typeface="+mn-lt"/>
-              </a:defRPr>
-            </a:lvl5pPr>
-            <a:lvl6pPr marL="2632075" indent="-241300" algn="l" defTabSz="966788" rtl="0" eaLnBrk="1" fontAlgn="base" hangingPunct="1">
-              <a:spcBef>
-                <a:spcPct val="20000"/>
-              </a:spcBef>
-              <a:spcAft>
-                <a:spcPct val="0"/>
-              </a:spcAft>
-              <a:buChar char="»"/>
-              <a:defRPr sz="2100">
-                <a:solidFill>
-                  <a:schemeClr val="tx1"/>
-                </a:solidFill>
-                <a:latin typeface="+mn-lt"/>
-              </a:defRPr>
-            </a:lvl6pPr>
-            <a:lvl7pPr marL="3089275" indent="-241300" algn="l" defTabSz="966788" rtl="0" eaLnBrk="1" fontAlgn="base" hangingPunct="1">
-              <a:spcBef>
-                <a:spcPct val="20000"/>
-              </a:spcBef>
-              <a:spcAft>
-                <a:spcPct val="0"/>
-              </a:spcAft>
-              <a:buChar char="»"/>
-              <a:defRPr sz="2100">
-                <a:solidFill>
-                  <a:schemeClr val="tx1"/>
-                </a:solidFill>
-                <a:latin typeface="+mn-lt"/>
-              </a:defRPr>
-            </a:lvl7pPr>
-            <a:lvl8pPr marL="3546475" indent="-241300" algn="l" defTabSz="966788" rtl="0" eaLnBrk="1" fontAlgn="base" hangingPunct="1">
-              <a:spcBef>
-                <a:spcPct val="20000"/>
-              </a:spcBef>
-              <a:spcAft>
-                <a:spcPct val="0"/>
-              </a:spcAft>
-              <a:buChar char="»"/>
-              <a:defRPr sz="2100">
-                <a:solidFill>
-                  <a:schemeClr val="tx1"/>
-                </a:solidFill>
-                <a:latin typeface="+mn-lt"/>
-              </a:defRPr>
-            </a:lvl8pPr>
-            <a:lvl9pPr marL="4003675" indent="-241300" algn="l" defTabSz="966788" rtl="0" eaLnBrk="1" fontAlgn="base" hangingPunct="1">
-              <a:spcBef>
-                <a:spcPct val="20000"/>
-              </a:spcBef>
-              <a:spcAft>
-                <a:spcPct val="0"/>
-              </a:spcAft>
-              <a:buChar char="»"/>
-              <a:defRPr sz="2100">
-                <a:solidFill>
-                  <a:schemeClr val="tx1"/>
-                </a:solidFill>
-                <a:latin typeface="+mn-lt"/>
-              </a:defRPr>
-            </a:lvl9pPr>
-          </a:lstStyle>
-          <a:p>
-            <a:r>
-              <a:rPr lang="en-US" sz="2400" kern="0" dirty="0" smtClean="0">
-                <a:solidFill>
-                  <a:srgbClr val="000000"/>
-                </a:solidFill>
-              </a:rPr>
-              <a:t>MVVM for HTML and JavaScript</a:t>
-            </a:r>
-          </a:p>
-          <a:p>
-            <a:pPr lvl="0"/>
-            <a:r>
-              <a:rPr lang="en-US" sz="2400" kern="0" dirty="0" smtClean="0">
-                <a:solidFill>
-                  <a:srgbClr val="000000"/>
-                </a:solidFill>
-              </a:rPr>
-              <a:t>Open source (available on </a:t>
-            </a:r>
-            <a:r>
-              <a:rPr lang="en-US" sz="2400" kern="0" dirty="0" err="1" smtClean="0">
-                <a:solidFill>
-                  <a:srgbClr val="000000"/>
-                </a:solidFill>
-              </a:rPr>
-              <a:t>GitHub</a:t>
-            </a:r>
-            <a:r>
-              <a:rPr lang="en-US" sz="2400" kern="0" dirty="0" smtClean="0">
-                <a:solidFill>
-                  <a:srgbClr val="000000"/>
-                </a:solidFill>
-              </a:rPr>
-              <a:t>)</a:t>
-            </a:r>
-          </a:p>
-          <a:p>
-            <a:pPr lvl="0"/>
-            <a:r>
-              <a:rPr lang="en-US" sz="2400" kern="0" dirty="0" smtClean="0">
-                <a:solidFill>
-                  <a:srgbClr val="000000"/>
-                </a:solidFill>
-              </a:rPr>
-              <a:t>Has an active and supportive community</a:t>
-            </a:r>
-          </a:p>
-          <a:p>
-            <a:r>
-              <a:rPr lang="en-US" sz="2400" kern="0" dirty="0" smtClean="0">
-                <a:solidFill>
-                  <a:srgbClr val="000000"/>
-                </a:solidFill>
-              </a:rPr>
-              <a:t>With the release of VS11 it will be officially supported by Microsoft!</a:t>
-            </a:r>
-          </a:p>
-        </p:txBody>
-      </p:sp>
-      <p:sp>
-        <p:nvSpPr>
           <p:cNvPr id="9" name="TextBox 8"/>
           <p:cNvSpPr txBox="1"/>
           <p:nvPr/>
@@ -12004,6 +11970,101 @@
                 </a:schemeClr>
               </a:solidFill>
             </a:endParaRPr>
+          </a:p>
+        </p:txBody>
+      </p:sp>
+      <p:pic>
+        <p:nvPicPr>
+          <p:cNvPr id="1026" name="Picture 2"/>
+          <p:cNvPicPr>
+            <a:picLocks noChangeAspect="1" noChangeArrowheads="1"/>
+          </p:cNvPicPr>
+          <p:nvPr/>
+        </p:nvPicPr>
+        <p:blipFill>
+          <a:blip r:embed="rId3">
+            <a:extLst>
+              <a:ext uri="{28A0092B-C50C-407E-A947-70E740481C1C}">
+                <a14:useLocalDpi xmlns:a14="http://schemas.microsoft.com/office/drawing/2010/main" val="0"/>
+              </a:ext>
+            </a:extLst>
+          </a:blip>
+          <a:srcRect/>
+          <a:stretch>
+            <a:fillRect/>
+          </a:stretch>
+        </p:blipFill>
+        <p:spPr bwMode="auto">
+          <a:xfrm>
+            <a:off x="3824068" y="1526377"/>
+            <a:ext cx="4009571" cy="4009571"/>
+          </a:xfrm>
+          <a:prstGeom prst="rect">
+            <a:avLst/>
+          </a:prstGeom>
+          <a:noFill/>
+          <a:ln>
+            <a:noFill/>
+          </a:ln>
+          <a:effectLst/>
+          <a:extLst>
+            <a:ext uri="{909E8E84-426E-40DD-AFC4-6F175D3DCCD1}">
+              <a14:hiddenFill xmlns:a14="http://schemas.microsoft.com/office/drawing/2010/main">
+                <a:solidFill>
+                  <a:schemeClr val="accent1"/>
+                </a:solidFill>
+              </a14:hiddenFill>
+            </a:ext>
+            <a:ext uri="{91240B29-F687-4F45-9708-019B960494DF}">
+              <a14:hiddenLine xmlns:a14="http://schemas.microsoft.com/office/drawing/2010/main" w="9525">
+                <a:solidFill>
+                  <a:schemeClr val="tx1"/>
+                </a:solidFill>
+                <a:miter lim="800000"/>
+                <a:headEnd/>
+                <a:tailEnd/>
+              </a14:hiddenLine>
+            </a:ext>
+            <a:ext uri="{AF507438-7753-43E0-B8FC-AC1667EBCBE1}">
+              <a14:hiddenEffects xmlns:a14="http://schemas.microsoft.com/office/drawing/2010/main">
+                <a:effectLst>
+                  <a:outerShdw dist="35921" dir="2700000" algn="ctr" rotWithShape="0">
+                    <a:schemeClr val="bg2"/>
+                  </a:outerShdw>
+                </a:effectLst>
+              </a14:hiddenEffects>
+            </a:ext>
+          </a:extLst>
+        </p:spPr>
+      </p:pic>
+      <p:sp>
+        <p:nvSpPr>
+          <p:cNvPr id="7" name="Rectangle 2"/>
+          <p:cNvSpPr>
+            <a:spLocks noGrp="1" noChangeArrowheads="1"/>
+          </p:cNvSpPr>
+          <p:nvPr>
+            <p:ph type="title"/>
+          </p:nvPr>
+        </p:nvSpPr>
+        <p:spPr>
+          <a:xfrm>
+            <a:off x="938171" y="2813481"/>
+            <a:ext cx="7369175" cy="941388"/>
+          </a:xfrm>
+        </p:spPr>
+        <p:txBody>
+          <a:bodyPr/>
+          <a:lstStyle/>
+          <a:p>
+            <a:pPr>
+              <a:defRPr/>
+            </a:pPr>
+            <a:r>
+              <a:rPr lang="en-US" sz="6000" dirty="0" smtClean="0"/>
+              <a:t>What is </a:t>
+            </a:r>
+            <a:endParaRPr lang="en-US" sz="6000" dirty="0" smtClean="0"/>
           </a:p>
         </p:txBody>
       </p:sp>
@@ -13017,6 +13078,71 @@
           </a:fontRef>
         </p:style>
       </p:cxnSp>
+      <p:sp>
+        <p:nvSpPr>
+          <p:cNvPr id="2" name="Down Arrow 1"/>
+          <p:cNvSpPr/>
+          <p:nvPr/>
+        </p:nvSpPr>
+        <p:spPr bwMode="auto">
+          <a:xfrm rot="2150411">
+            <a:off x="7886873" y="4251040"/>
+            <a:ext cx="797556" cy="1049824"/>
+          </a:xfrm>
+          <a:prstGeom prst="downArrow">
+            <a:avLst/>
+          </a:prstGeom>
+          <a:solidFill>
+            <a:srgbClr val="FFFF00"/>
+          </a:solidFill>
+          <a:ln w="9525" cap="flat" cmpd="sng" algn="ctr">
+            <a:solidFill>
+              <a:schemeClr val="tx1"/>
+            </a:solidFill>
+            <a:prstDash val="solid"/>
+            <a:round/>
+            <a:headEnd type="none" w="med" len="med"/>
+            <a:tailEnd type="none" w="med" len="med"/>
+          </a:ln>
+          <a:effectLst/>
+        </p:spPr>
+        <p:txBody>
+          <a:bodyPr vert="horz" wrap="square" lIns="91440" tIns="45720" rIns="91440" bIns="45720" numCol="1" rtlCol="0" anchor="t" anchorCtr="0" compatLnSpc="1">
+            <a:prstTxWarp prst="textNoShape">
+              <a:avLst/>
+            </a:prstTxWarp>
+          </a:bodyPr>
+          <a:lstStyle/>
+          <a:p>
+            <a:pPr marL="0" marR="0" indent="0" algn="r" defTabSz="914400" rtl="0" eaLnBrk="1" fontAlgn="base" latinLnBrk="0" hangingPunct="1">
+              <a:lnSpc>
+                <a:spcPct val="100000"/>
+              </a:lnSpc>
+              <a:spcBef>
+                <a:spcPct val="0"/>
+              </a:spcBef>
+              <a:spcAft>
+                <a:spcPct val="0"/>
+              </a:spcAft>
+              <a:buClrTx/>
+              <a:buSzTx/>
+              <a:buFontTx/>
+              <a:buNone/>
+              <a:tabLst/>
+            </a:pPr>
+            <a:endParaRPr kumimoji="0" lang="en-US" sz="1800" b="0" i="0" u="none" strike="noStrike" cap="none" normalizeH="0" baseline="0" smtClean="0">
+              <a:ln>
+                <a:noFill/>
+              </a:ln>
+              <a:solidFill>
+                <a:schemeClr val="tx1"/>
+              </a:solidFill>
+              <a:effectLst/>
+              <a:latin typeface="Arial" charset="0"/>
+            </a:endParaRPr>
+          </a:p>
+        </p:txBody>
+      </p:sp>
     </p:spTree>
     <p:extLst>
       <p:ext uri="{BB962C8B-B14F-4D97-AF65-F5344CB8AC3E}">
@@ -13030,9 +13156,126 @@
   <p:timing>
     <p:tnLst>
       <p:par>
-        <p:cTn id="1" dur="indefinite" restart="never" nodeType="tmRoot"/>
+        <p:cTn id="1" dur="indefinite" restart="never" nodeType="tmRoot">
+          <p:childTnLst>
+            <p:seq concurrent="1" nextAc="seek">
+              <p:cTn id="2" dur="indefinite" nodeType="mainSeq">
+                <p:childTnLst>
+                  <p:par>
+                    <p:cTn id="3" fill="hold">
+                      <p:stCondLst>
+                        <p:cond delay="indefinite"/>
+                      </p:stCondLst>
+                      <p:childTnLst>
+                        <p:par>
+                          <p:cTn id="4" fill="hold">
+                            <p:stCondLst>
+                              <p:cond delay="0"/>
+                            </p:stCondLst>
+                            <p:childTnLst>
+                              <p:par>
+                                <p:cTn id="5" presetID="2" presetClass="entr" presetSubtype="2" fill="hold" grpId="0" nodeType="clickEffect">
+                                  <p:stCondLst>
+                                    <p:cond delay="0"/>
+                                  </p:stCondLst>
+                                  <p:childTnLst>
+                                    <p:set>
+                                      <p:cBhvr>
+                                        <p:cTn id="6" dur="1" fill="hold">
+                                          <p:stCondLst>
+                                            <p:cond delay="0"/>
+                                          </p:stCondLst>
+                                        </p:cTn>
+                                        <p:tgtEl>
+                                          <p:spTgt spid="2"/>
+                                        </p:tgtEl>
+                                        <p:attrNameLst>
+                                          <p:attrName>style.visibility</p:attrName>
+                                        </p:attrNameLst>
+                                      </p:cBhvr>
+                                      <p:to>
+                                        <p:strVal val="visible"/>
+                                      </p:to>
+                                    </p:set>
+                                    <p:anim calcmode="lin" valueType="num">
+                                      <p:cBhvr additive="base">
+                                        <p:cTn id="7" dur="500" fill="hold"/>
+                                        <p:tgtEl>
+                                          <p:spTgt spid="2"/>
+                                        </p:tgtEl>
+                                        <p:attrNameLst>
+                                          <p:attrName>ppt_x</p:attrName>
+                                        </p:attrNameLst>
+                                      </p:cBhvr>
+                                      <p:tavLst>
+                                        <p:tav tm="0">
+                                          <p:val>
+                                            <p:strVal val="1+#ppt_w/2"/>
+                                          </p:val>
+                                        </p:tav>
+                                        <p:tav tm="100000">
+                                          <p:val>
+                                            <p:strVal val="#ppt_x"/>
+                                          </p:val>
+                                        </p:tav>
+                                      </p:tavLst>
+                                    </p:anim>
+                                    <p:anim calcmode="lin" valueType="num">
+                                      <p:cBhvr additive="base">
+                                        <p:cTn id="8" dur="500" fill="hold"/>
+                                        <p:tgtEl>
+                                          <p:spTgt spid="2"/>
+                                        </p:tgtEl>
+                                        <p:attrNameLst>
+                                          <p:attrName>ppt_y</p:attrName>
+                                        </p:attrNameLst>
+                                      </p:cBhvr>
+                                      <p:tavLst>
+                                        <p:tav tm="0">
+                                          <p:val>
+                                            <p:strVal val="#ppt_y"/>
+                                          </p:val>
+                                        </p:tav>
+                                        <p:tav tm="100000">
+                                          <p:val>
+                                            <p:strVal val="#ppt_y"/>
+                                          </p:val>
+                                        </p:tav>
+                                      </p:tavLst>
+                                    </p:anim>
+                                  </p:childTnLst>
+                                </p:cTn>
+                              </p:par>
+                            </p:childTnLst>
+                          </p:cTn>
+                        </p:par>
+                      </p:childTnLst>
+                    </p:cTn>
+                  </p:par>
+                </p:childTnLst>
+              </p:cTn>
+              <p:prevCondLst>
+                <p:cond evt="onPrev" delay="0">
+                  <p:tgtEl>
+                    <p:sldTgt/>
+                  </p:tgtEl>
+                </p:cond>
+              </p:prevCondLst>
+              <p:nextCondLst>
+                <p:cond evt="onNext" delay="0">
+                  <p:tgtEl>
+                    <p:sldTgt/>
+                  </p:tgtEl>
+                </p:cond>
+              </p:nextCondLst>
+            </p:seq>
+          </p:childTnLst>
+        </p:cTn>
       </p:par>
     </p:tnLst>
+    <p:bldLst>
+      <p:bldP spid="2" grpId="0" animBg="1"/>
+    </p:bldLst>
   </p:timing>
 </p:sld>
 </file>
@@ -13414,208 +13657,6 @@
         </p:nvSpPr>
         <p:spPr>
           <a:xfrm>
-            <a:off x="630315" y="778746"/>
-            <a:ext cx="8451541" cy="941388"/>
-          </a:xfrm>
-        </p:spPr>
-        <p:txBody>
-          <a:bodyPr/>
-          <a:lstStyle/>
-          <a:p>
-            <a:pPr algn="ctr">
-              <a:defRPr/>
-            </a:pPr>
-            <a:r>
-              <a:rPr lang="en-US" sz="5400" dirty="0" smtClean="0"/>
-              <a:t>Quick and </a:t>
-            </a:r>
-            <a:r>
-              <a:rPr lang="en-US" sz="5400" dirty="0" err="1" smtClean="0"/>
-              <a:t>eazy</a:t>
-            </a:r>
-            <a:r>
-              <a:rPr lang="en-US" sz="5400" dirty="0" smtClean="0"/>
-              <a:t> example of what Knockout can do</a:t>
-            </a:r>
-          </a:p>
-        </p:txBody>
-      </p:sp>
-      <p:sp>
-        <p:nvSpPr>
-          <p:cNvPr id="9" name="TextBox 8"/>
-          <p:cNvSpPr txBox="1"/>
-          <p:nvPr/>
-        </p:nvSpPr>
-        <p:spPr>
-          <a:xfrm>
-            <a:off x="2434859" y="6570921"/>
-            <a:ext cx="4550735" cy="369332"/>
-          </a:xfrm>
-          <a:prstGeom prst="rect">
-            <a:avLst/>
-          </a:prstGeom>
-          <a:noFill/>
-        </p:spPr>
-        <p:txBody>
-          <a:bodyPr wrap="square" rtlCol="0">
-            <a:spAutoFit/>
-          </a:bodyPr>
-          <a:lstStyle/>
-          <a:p>
-            <a:pPr algn="ctr"/>
-            <a:r>
-              <a:rPr lang="en-US" dirty="0" smtClean="0">
-                <a:solidFill>
-                  <a:schemeClr val="bg1">
-                    <a:lumMod val="50000"/>
-                  </a:schemeClr>
-                </a:solidFill>
-              </a:rPr>
-              <a:t>@</a:t>
-            </a:r>
-            <a:r>
-              <a:rPr lang="en-US" dirty="0" err="1" smtClean="0">
-                <a:solidFill>
-                  <a:schemeClr val="bg1">
-                    <a:lumMod val="50000"/>
-                  </a:schemeClr>
-                </a:solidFill>
-              </a:rPr>
-              <a:t>keburnell</a:t>
-            </a:r>
-            <a:r>
-              <a:rPr lang="en-US" dirty="0" smtClean="0">
-                <a:solidFill>
-                  <a:schemeClr val="bg1">
-                    <a:lumMod val="50000"/>
-                  </a:schemeClr>
-                </a:solidFill>
-              </a:rPr>
-              <a:t>  ∙  DotNetDevDude.com</a:t>
-            </a:r>
-            <a:endParaRPr lang="en-US" dirty="0">
-              <a:solidFill>
-                <a:schemeClr val="bg1">
-                  <a:lumMod val="50000"/>
-                </a:schemeClr>
-              </a:solidFill>
-            </a:endParaRPr>
-          </a:p>
-        </p:txBody>
-      </p:sp>
-      <p:pic>
-        <p:nvPicPr>
-          <p:cNvPr id="2050" name="Picture 2"/>
-          <p:cNvPicPr>
-            <a:picLocks noChangeAspect="1" noChangeArrowheads="1"/>
-          </p:cNvPicPr>
-          <p:nvPr/>
-        </p:nvPicPr>
-        <p:blipFill>
-          <a:blip r:embed="rId3">
-            <a:extLst>
-              <a:ext uri="{28A0092B-C50C-407E-A947-70E740481C1C}">
-                <a14:useLocalDpi xmlns:a14="http://schemas.microsoft.com/office/drawing/2010/main" val="0"/>
-              </a:ext>
-            </a:extLst>
-          </a:blip>
-          <a:srcRect/>
-          <a:stretch>
-            <a:fillRect/>
-          </a:stretch>
-        </p:blipFill>
-        <p:spPr bwMode="auto">
-          <a:xfrm>
-            <a:off x="2347913" y="2561505"/>
-            <a:ext cx="4905375" cy="3257550"/>
-          </a:xfrm>
-          <a:prstGeom prst="rect">
-            <a:avLst/>
-          </a:prstGeom>
-          <a:noFill/>
-          <a:ln>
-            <a:noFill/>
-          </a:ln>
-          <a:effectLst/>
-          <a:extLst>
-            <a:ext uri="{909E8E84-426E-40DD-AFC4-6F175D3DCCD1}">
-              <a14:hiddenFill xmlns:a14="http://schemas.microsoft.com/office/drawing/2010/main">
-                <a:solidFill>
-                  <a:schemeClr val="accent1"/>
-                </a:solidFill>
-              </a14:hiddenFill>
-            </a:ext>
-            <a:ext uri="{91240B29-F687-4F45-9708-019B960494DF}">
-              <a14:hiddenLine xmlns:a14="http://schemas.microsoft.com/office/drawing/2010/main" w="9525">
-                <a:solidFill>
-                  <a:schemeClr val="tx1"/>
-                </a:solidFill>
-                <a:miter lim="800000"/>
-                <a:headEnd/>
-                <a:tailEnd/>
-              </a14:hiddenLine>
-            </a:ext>
-            <a:ext uri="{AF507438-7753-43E0-B8FC-AC1667EBCBE1}">
-              <a14:hiddenEffects xmlns:a14="http://schemas.microsoft.com/office/drawing/2010/main">
-                <a:effectLst>
-                  <a:outerShdw dist="35921" dir="2700000" algn="ctr" rotWithShape="0">
-                    <a:schemeClr val="bg2"/>
-                  </a:outerShdw>
-                </a:effectLst>
-              </a14:hiddenEffects>
-            </a:ext>
-          </a:extLst>
-        </p:spPr>
-      </p:pic>
-    </p:spTree>
-    <p:extLst>
-      <p:ext uri="{BB962C8B-B14F-4D97-AF65-F5344CB8AC3E}">
-        <p14:creationId xmlns:p14="http://schemas.microsoft.com/office/powerpoint/2010/main" val="1622710484"/>
-      </p:ext>
-    </p:extLst>
-  </p:cSld>
-  <p:clrMapOvr>
-    <a:masterClrMapping/>
-  </p:clrMapOvr>
-  <p:timing>
-    <p:tnLst>
-      <p:par>
-        <p:cTn id="1" dur="indefinite" restart="never" nodeType="tmRoot"/>
-      </p:par>
-    </p:tnLst>
-  </p:timing>
-</p:sld>
-</file>
-
-<file path=ppt/slides/slide9.xml><?xml version="1.0" encoding="utf-8"?>
-<p:sld xmlns:a="http://schemas.openxmlformats.org/drawingml/2006/main" xmlns:r="http://schemas.openxmlformats.org/officeDocument/2006/relationships" xmlns:p="http://schemas.openxmlformats.org/presentationml/2006/main">
-  <p:cSld>
-    <p:spTree>
-      <p:nvGrpSpPr>
-        <p:cNvPr id="1" name=""/>
-        <p:cNvGrpSpPr/>
-        <p:nvPr/>
-      </p:nvGrpSpPr>
-      <p:grpSpPr>
-        <a:xfrm>
-          <a:off x="0" y="0"/>
-          <a:ext cx="0" cy="0"/>
-          <a:chOff x="0" y="0"/>
-          <a:chExt cx="0" cy="0"/>
-        </a:xfrm>
-      </p:grpSpPr>
-      <p:sp>
-        <p:nvSpPr>
-          <p:cNvPr id="6" name="Rectangle 2"/>
-          <p:cNvSpPr>
-            <a:spLocks noGrp="1" noChangeArrowheads="1"/>
-          </p:cNvSpPr>
-          <p:nvPr>
-            <p:ph type="title"/>
-          </p:nvPr>
-        </p:nvSpPr>
-        <p:spPr>
-          <a:xfrm>
             <a:off x="239697" y="778746"/>
             <a:ext cx="9152877" cy="941388"/>
           </a:xfrm>
@@ -13765,6 +13806,222 @@
     <p:extLst>
       <p:ext uri="{BB962C8B-B14F-4D97-AF65-F5344CB8AC3E}">
         <p14:creationId xmlns:p14="http://schemas.microsoft.com/office/powerpoint/2010/main" val="2682258782"/>
+      </p:ext>
+    </p:extLst>
+  </p:cSld>
+  <p:clrMapOvr>
+    <a:masterClrMapping/>
+  </p:clrMapOvr>
+  <p:timing>
+    <p:tnLst>
+      <p:par>
+        <p:cTn id="1" dur="indefinite" restart="never" nodeType="tmRoot"/>
+      </p:par>
+    </p:tnLst>
+  </p:timing>
+</p:sld>
+</file>
+
+<file path=ppt/slides/slide9.xml><?xml version="1.0" encoding="utf-8"?>
+<p:sld xmlns:a="http://schemas.openxmlformats.org/drawingml/2006/main" xmlns:r="http://schemas.openxmlformats.org/officeDocument/2006/relationships" xmlns:p="http://schemas.openxmlformats.org/presentationml/2006/main">
+  <p:cSld>
+    <p:spTree>
+      <p:nvGrpSpPr>
+        <p:cNvPr id="1" name=""/>
+        <p:cNvGrpSpPr/>
+        <p:nvPr/>
+      </p:nvGrpSpPr>
+      <p:grpSpPr>
+        <a:xfrm>
+          <a:off x="0" y="0"/>
+          <a:ext cx="0" cy="0"/>
+          <a:chOff x="0" y="0"/>
+          <a:chExt cx="0" cy="0"/>
+        </a:xfrm>
+      </p:grpSpPr>
+      <p:sp>
+        <p:nvSpPr>
+          <p:cNvPr id="6" name="Rectangle 2"/>
+          <p:cNvSpPr>
+            <a:spLocks noGrp="1" noChangeArrowheads="1"/>
+          </p:cNvSpPr>
+          <p:nvPr>
+            <p:ph type="title"/>
+          </p:nvPr>
+        </p:nvSpPr>
+        <p:spPr>
+          <a:xfrm>
+            <a:off x="603682" y="760991"/>
+            <a:ext cx="8451541" cy="941388"/>
+          </a:xfrm>
+        </p:spPr>
+        <p:txBody>
+          <a:bodyPr/>
+          <a:lstStyle/>
+          <a:p>
+            <a:pPr algn="ctr">
+              <a:defRPr/>
+            </a:pPr>
+            <a:r>
+              <a:rPr lang="en-US" sz="5400" dirty="0" smtClean="0"/>
+              <a:t>Quick illustration </a:t>
+            </a:r>
+            <a:br>
+              <a:rPr lang="en-US" sz="5400" dirty="0" smtClean="0"/>
+            </a:br>
+            <a:r>
+              <a:rPr lang="en-US" sz="5400" dirty="0" smtClean="0"/>
+              <a:t>(and intro to </a:t>
+            </a:r>
+            <a:r>
+              <a:rPr lang="en-US" sz="5400" dirty="0" err="1" smtClean="0"/>
+              <a:t>jsFiddle</a:t>
+            </a:r>
+            <a:r>
+              <a:rPr lang="en-US" sz="5400" dirty="0" smtClean="0"/>
+              <a:t>)</a:t>
+            </a:r>
+            <a:endParaRPr lang="en-US" sz="5400" dirty="0" smtClean="0"/>
+          </a:p>
+        </p:txBody>
+      </p:sp>
+      <p:sp>
+        <p:nvSpPr>
+          <p:cNvPr id="9" name="TextBox 8"/>
+          <p:cNvSpPr txBox="1"/>
+          <p:nvPr/>
+        </p:nvSpPr>
+        <p:spPr>
+          <a:xfrm>
+            <a:off x="2434859" y="6570921"/>
+            <a:ext cx="4550735" cy="369332"/>
+          </a:xfrm>
+          <a:prstGeom prst="rect">
+            <a:avLst/>
+          </a:prstGeom>
+          <a:noFill/>
+        </p:spPr>
+        <p:txBody>
+          <a:bodyPr wrap="square" rtlCol="0">
+            <a:spAutoFit/>
+          </a:bodyPr>
+          <a:lstStyle/>
+          <a:p>
+            <a:pPr algn="ctr"/>
+            <a:r>
+              <a:rPr lang="en-US" dirty="0" smtClean="0">
+                <a:solidFill>
+                  <a:schemeClr val="bg1">
+                    <a:lumMod val="50000"/>
+                  </a:schemeClr>
+                </a:solidFill>
+              </a:rPr>
+              <a:t>@</a:t>
+            </a:r>
+            <a:r>
+              <a:rPr lang="en-US" dirty="0" err="1" smtClean="0">
+                <a:solidFill>
+                  <a:schemeClr val="bg1">
+                    <a:lumMod val="50000"/>
+                  </a:schemeClr>
+                </a:solidFill>
+              </a:rPr>
+              <a:t>keburnell</a:t>
+            </a:r>
+            <a:r>
+              <a:rPr lang="en-US" dirty="0" smtClean="0">
+                <a:solidFill>
+                  <a:schemeClr val="bg1">
+                    <a:lumMod val="50000"/>
+                  </a:schemeClr>
+                </a:solidFill>
+              </a:rPr>
+              <a:t>  ∙  DotNetDevDude.com</a:t>
+            </a:r>
+            <a:endParaRPr lang="en-US" dirty="0">
+              <a:solidFill>
+                <a:schemeClr val="bg1">
+                  <a:lumMod val="50000"/>
+                </a:schemeClr>
+              </a:solidFill>
+            </a:endParaRPr>
+          </a:p>
+        </p:txBody>
+      </p:sp>
+      <p:pic>
+        <p:nvPicPr>
+          <p:cNvPr id="3076" name="Picture 4" descr="http://3.bp.blogspot.com/-EXC1qJbMkE0/T0AZai5mIFI/AAAAAAAACJs/6QieCaNbBuA/s1600/bob+ross.jpg"/>
+          <p:cNvPicPr>
+            <a:picLocks noChangeAspect="1" noChangeArrowheads="1"/>
+          </p:cNvPicPr>
+          <p:nvPr/>
+        </p:nvPicPr>
+        <p:blipFill>
+          <a:blip r:embed="rId3">
+            <a:extLst>
+              <a:ext uri="{28A0092B-C50C-407E-A947-70E740481C1C}">
+                <a14:useLocalDpi xmlns:a14="http://schemas.microsoft.com/office/drawing/2010/main" val="0"/>
+              </a:ext>
+            </a:extLst>
+          </a:blip>
+          <a:srcRect/>
+          <a:stretch>
+            <a:fillRect/>
+          </a:stretch>
+        </p:blipFill>
+        <p:spPr bwMode="auto">
+          <a:xfrm>
+            <a:off x="2805226" y="2661220"/>
+            <a:ext cx="3810000" cy="2657476"/>
+          </a:xfrm>
+          <a:prstGeom prst="rect">
+            <a:avLst/>
+          </a:prstGeom>
+          <a:noFill/>
+          <a:extLst>
+            <a:ext uri="{909E8E84-426E-40DD-AFC4-6F175D3DCCD1}">
+              <a14:hiddenFill xmlns:a14="http://schemas.microsoft.com/office/drawing/2010/main">
+                <a:solidFill>
+                  <a:srgbClr val="FFFFFF"/>
+                </a:solidFill>
+              </a14:hiddenFill>
+            </a:ext>
+          </a:extLst>
+        </p:spPr>
+      </p:pic>
+      <p:sp>
+        <p:nvSpPr>
+          <p:cNvPr id="3" name="Rectangle 2"/>
+          <p:cNvSpPr/>
+          <p:nvPr/>
+        </p:nvSpPr>
+        <p:spPr>
+          <a:xfrm>
+            <a:off x="3963835" y="5497043"/>
+            <a:ext cx="1492781" cy="369332"/>
+          </a:xfrm>
+          <a:prstGeom prst="rect">
+            <a:avLst/>
+          </a:prstGeom>
+        </p:spPr>
+        <p:txBody>
+          <a:bodyPr wrap="none">
+            <a:spAutoFit/>
+          </a:bodyPr>
+          <a:lstStyle/>
+          <a:p>
+            <a:r>
+              <a:rPr lang="en-US" dirty="0" smtClean="0"/>
+              <a:t>Happy Trees</a:t>
+            </a:r>
+            <a:endParaRPr lang="en-US" dirty="0"/>
+          </a:p>
+        </p:txBody>
+      </p:sp>
+    </p:spTree>
+    <p:extLst>
+      <p:ext uri="{BB962C8B-B14F-4D97-AF65-F5344CB8AC3E}">
+        <p14:creationId xmlns:p14="http://schemas.microsoft.com/office/powerpoint/2010/main" val="1622710484"/>
       </p:ext>
     </p:extLst>
   </p:cSld>
@@ -15187,16 +15444,49 @@
 </file>
 
 <file path=customXml/item1.xml><?xml version="1.0" encoding="utf-8"?>
-<p:properties xmlns:p="http://schemas.microsoft.com/office/2006/metadata/properties" xmlns:xsi="http://www.w3.org/2001/XMLSchema-instance" xmlns:pc="http://schemas.microsoft.com/office/infopath/2007/PartnerControls">
-  <documentManagement>
-    <Description0 xmlns="1e37aee8-73ad-441e-bced-8b530ad9291b">PowerPoint template with Microsoft Partner Network logo on it.</Description0>
-    <_dlc_DocId xmlns="52ad97b0-86c1-49b5-b544-c488bf38e7c0">SAZVWXQSR7YH-3011-7</_dlc_DocId>
-    <_dlc_DocIdUrl xmlns="52ad97b0-86c1-49b5-b544-c488bf38e7c0">
-      <Url>https://my.skylinetechnologies.com/Support/SalesMarketingCenter/branding/_layouts/DocIdRedir.aspx?ID=SAZVWXQSR7YH-3011-7</Url>
-      <Description>SAZVWXQSR7YH-3011-7</Description>
-    </_dlc_DocIdUrl>
-  </documentManagement>
-</p:properties>
+<?mso-contentType ?>
+<spe:Receivers xmlns:spe="http://schemas.microsoft.com/sharepoint/events">
+  <Receiver>
+    <Name>Document ID Generator</Name>
+    <Synchronization>Synchronous</Synchronization>
+    <Type>10001</Type>
+    <SequenceNumber>1000</SequenceNumber>
+    <Assembly>Microsoft.Office.DocumentManagement, Version=14.0.0.0, Culture=neutral, PublicKeyToken=71e9bce111e9429c</Assembly>
+    <Class>Microsoft.Office.DocumentManagement.Internal.DocIdHandler</Class>
+    <Data/>
+    <Filter/>
+  </Receiver>
+  <Receiver>
+    <Name>Document ID Generator</Name>
+    <Synchronization>Synchronous</Synchronization>
+    <Type>10002</Type>
+    <SequenceNumber>1001</SequenceNumber>
+    <Assembly>Microsoft.Office.DocumentManagement, Version=14.0.0.0, Culture=neutral, PublicKeyToken=71e9bce111e9429c</Assembly>
+    <Class>Microsoft.Office.DocumentManagement.Internal.DocIdHandler</Class>
+    <Data/>
+    <Filter/>
+  </Receiver>
+  <Receiver>
+    <Name>Document ID Generator</Name>
+    <Synchronization>Synchronous</Synchronization>
+    <Type>10004</Type>
+    <SequenceNumber>1002</SequenceNumber>
+    <Assembly>Microsoft.Office.DocumentManagement, Version=14.0.0.0, Culture=neutral, PublicKeyToken=71e9bce111e9429c</Assembly>
+    <Class>Microsoft.Office.DocumentManagement.Internal.DocIdHandler</Class>
+    <Data/>
+    <Filter/>
+  </Receiver>
+  <Receiver>
+    <Name>Document ID Generator</Name>
+    <Synchronization>Synchronous</Synchronization>
+    <Type>10006</Type>
+    <SequenceNumber>1003</SequenceNumber>
+    <Assembly>Microsoft.Office.DocumentManagement, Version=14.0.0.0, Culture=neutral, PublicKeyToken=71e9bce111e9429c</Assembly>
+    <Class>Microsoft.Office.DocumentManagement.Internal.DocIdHandler</Class>
+    <Data/>
+    <Filter/>
+  </Receiver>
+</spe:Receivers>
 </file>
 
 <file path=customXml/item2.xml><?xml version="1.0" encoding="utf-8"?>
@@ -15358,49 +15648,16 @@
 </file>
 
 <file path=customXml/item3.xml><?xml version="1.0" encoding="utf-8"?>
-<?mso-contentType ?>
-<spe:Receivers xmlns:spe="http://schemas.microsoft.com/sharepoint/events">
-  <Receiver>
-    <Name>Document ID Generator</Name>
-    <Synchronization>Synchronous</Synchronization>
-    <Type>10001</Type>
-    <SequenceNumber>1000</SequenceNumber>
-    <Assembly>Microsoft.Office.DocumentManagement, Version=14.0.0.0, Culture=neutral, PublicKeyToken=71e9bce111e9429c</Assembly>
-    <Class>Microsoft.Office.DocumentManagement.Internal.DocIdHandler</Class>
-    <Data/>
-    <Filter/>
-  </Receiver>
-  <Receiver>
-    <Name>Document ID Generator</Name>
-    <Synchronization>Synchronous</Synchronization>
-    <Type>10002</Type>
-    <SequenceNumber>1001</SequenceNumber>
-    <Assembly>Microsoft.Office.DocumentManagement, Version=14.0.0.0, Culture=neutral, PublicKeyToken=71e9bce111e9429c</Assembly>
-    <Class>Microsoft.Office.DocumentManagement.Internal.DocIdHandler</Class>
-    <Data/>
-    <Filter/>
-  </Receiver>
-  <Receiver>
-    <Name>Document ID Generator</Name>
-    <Synchronization>Synchronous</Synchronization>
-    <Type>10004</Type>
-    <SequenceNumber>1002</SequenceNumber>
-    <Assembly>Microsoft.Office.DocumentManagement, Version=14.0.0.0, Culture=neutral, PublicKeyToken=71e9bce111e9429c</Assembly>
-    <Class>Microsoft.Office.DocumentManagement.Internal.DocIdHandler</Class>
-    <Data/>
-    <Filter/>
-  </Receiver>
-  <Receiver>
-    <Name>Document ID Generator</Name>
-    <Synchronization>Synchronous</Synchronization>
-    <Type>10006</Type>
-    <SequenceNumber>1003</SequenceNumber>
-    <Assembly>Microsoft.Office.DocumentManagement, Version=14.0.0.0, Culture=neutral, PublicKeyToken=71e9bce111e9429c</Assembly>
-    <Class>Microsoft.Office.DocumentManagement.Internal.DocIdHandler</Class>
-    <Data/>
-    <Filter/>
-  </Receiver>
-</spe:Receivers>
+<p:properties xmlns:p="http://schemas.microsoft.com/office/2006/metadata/properties" xmlns:xsi="http://www.w3.org/2001/XMLSchema-instance" xmlns:pc="http://schemas.microsoft.com/office/infopath/2007/PartnerControls">
+  <documentManagement>
+    <Description0 xmlns="1e37aee8-73ad-441e-bced-8b530ad9291b">PowerPoint template with Microsoft Partner Network logo on it.</Description0>
+    <_dlc_DocId xmlns="52ad97b0-86c1-49b5-b544-c488bf38e7c0">SAZVWXQSR7YH-3011-7</_dlc_DocId>
+    <_dlc_DocIdUrl xmlns="52ad97b0-86c1-49b5-b544-c488bf38e7c0">
+      <Url>https://my.skylinetechnologies.com/Support/SalesMarketingCenter/branding/_layouts/DocIdRedir.aspx?ID=SAZVWXQSR7YH-3011-7</Url>
+      <Description>SAZVWXQSR7YH-3011-7</Description>
+    </_dlc_DocIdUrl>
+  </documentManagement>
+</p:properties>
 </file>
 
 <file path=customXml/item4.xml><?xml version="1.0" encoding="utf-8"?>
@@ -15413,18 +15670,9 @@
 </file>
 
 <file path=customXml/itemProps1.xml><?xml version="1.0" encoding="utf-8"?>
-<ds:datastoreItem xmlns:ds="http://schemas.openxmlformats.org/officeDocument/2006/customXml" ds:itemID="{9F5040E5-4564-49C1-9147-56F1700A1C56}">
+<ds:datastoreItem xmlns:ds="http://schemas.openxmlformats.org/officeDocument/2006/customXml" ds:itemID="{0068A067-F354-4585-8169-FC99DA836E1C}">
   <ds:schemaRefs>
-    <ds:schemaRef ds:uri="http://schemas.microsoft.com/office/2006/documentManagement/types"/>
-    <ds:schemaRef ds:uri="http://www.w3.org/XML/1998/namespace"/>
-    <ds:schemaRef ds:uri="1e37aee8-73ad-441e-bced-8b530ad9291b"/>
-    <ds:schemaRef ds:uri="http://purl.org/dc/elements/1.1/"/>
-    <ds:schemaRef ds:uri="http://schemas.microsoft.com/office/2006/metadata/properties"/>
-    <ds:schemaRef ds:uri="http://schemas.microsoft.com/office/infopath/2007/PartnerControls"/>
-    <ds:schemaRef ds:uri="http://purl.org/dc/dcmitype/"/>
-    <ds:schemaRef ds:uri="http://purl.org/dc/terms/"/>
-    <ds:schemaRef ds:uri="52ad97b0-86c1-49b5-b544-c488bf38e7c0"/>
-    <ds:schemaRef ds:uri="http://schemas.openxmlformats.org/package/2006/metadata/core-properties"/>
+    <ds:schemaRef ds:uri="http://schemas.microsoft.com/sharepoint/events"/>
   </ds:schemaRefs>
 </ds:datastoreItem>
 </file>
@@ -15449,9 +15697,18 @@
 </file>
 
 <file path=customXml/itemProps3.xml><?xml version="1.0" encoding="utf-8"?>
-<ds:datastoreItem xmlns:ds="http://schemas.openxmlformats.org/officeDocument/2006/customXml" ds:itemID="{0068A067-F354-4585-8169-FC99DA836E1C}">
+<ds:datastoreItem xmlns:ds="http://schemas.openxmlformats.org/officeDocument/2006/customXml" ds:itemID="{9F5040E5-4564-49C1-9147-56F1700A1C56}">
   <ds:schemaRefs>
-    <ds:schemaRef ds:uri="http://schemas.microsoft.com/sharepoint/events"/>
+    <ds:schemaRef ds:uri="http://schemas.microsoft.com/office/2006/documentManagement/types"/>
+    <ds:schemaRef ds:uri="http://www.w3.org/XML/1998/namespace"/>
+    <ds:schemaRef ds:uri="1e37aee8-73ad-441e-bced-8b530ad9291b"/>
+    <ds:schemaRef ds:uri="http://purl.org/dc/elements/1.1/"/>
+    <ds:schemaRef ds:uri="http://schemas.microsoft.com/office/2006/metadata/properties"/>
+    <ds:schemaRef ds:uri="http://schemas.microsoft.com/office/infopath/2007/PartnerControls"/>
+    <ds:schemaRef ds:uri="http://purl.org/dc/dcmitype/"/>
+    <ds:schemaRef ds:uri="http://purl.org/dc/terms/"/>
+    <ds:schemaRef ds:uri="52ad97b0-86c1-49b5-b544-c488bf38e7c0"/>
+    <ds:schemaRef ds:uri="http://schemas.openxmlformats.org/package/2006/metadata/core-properties"/>
   </ds:schemaRefs>
 </ds:datastoreItem>
 </file>

--- a/KOyourMVC.pptx
+++ b/KOyourMVC.pptx
@@ -5,10 +5,10 @@
     <p:sldMasterId id="2147483649" r:id="rId5"/>
   </p:sldMasterIdLst>
   <p:notesMasterIdLst>
-    <p:notesMasterId r:id="rId29"/>
+    <p:notesMasterId r:id="rId35"/>
   </p:notesMasterIdLst>
   <p:handoutMasterIdLst>
-    <p:handoutMasterId r:id="rId30"/>
+    <p:handoutMasterId r:id="rId36"/>
   </p:handoutMasterIdLst>
   <p:sldIdLst>
     <p:sldId id="259" r:id="rId6"/>
@@ -25,15 +25,21 @@
     <p:sldId id="367" r:id="rId17"/>
     <p:sldId id="313" r:id="rId18"/>
     <p:sldId id="365" r:id="rId19"/>
-    <p:sldId id="366" r:id="rId20"/>
-    <p:sldId id="368" r:id="rId21"/>
-    <p:sldId id="369" r:id="rId22"/>
-    <p:sldId id="370" r:id="rId23"/>
-    <p:sldId id="371" r:id="rId24"/>
-    <p:sldId id="356" r:id="rId25"/>
-    <p:sldId id="352" r:id="rId26"/>
-    <p:sldId id="297" r:id="rId27"/>
-    <p:sldId id="295" r:id="rId28"/>
+    <p:sldId id="372" r:id="rId20"/>
+    <p:sldId id="374" r:id="rId21"/>
+    <p:sldId id="366" r:id="rId22"/>
+    <p:sldId id="375" r:id="rId23"/>
+    <p:sldId id="376" r:id="rId24"/>
+    <p:sldId id="368" r:id="rId25"/>
+    <p:sldId id="377" r:id="rId26"/>
+    <p:sldId id="378" r:id="rId27"/>
+    <p:sldId id="369" r:id="rId28"/>
+    <p:sldId id="370" r:id="rId29"/>
+    <p:sldId id="371" r:id="rId30"/>
+    <p:sldId id="356" r:id="rId31"/>
+    <p:sldId id="352" r:id="rId32"/>
+    <p:sldId id="297" r:id="rId33"/>
+    <p:sldId id="295" r:id="rId34"/>
   </p:sldIdLst>
   <p:sldSz cx="9601200" cy="7315200"/>
   <p:notesSz cx="7010400" cy="9296400"/>
@@ -2594,6 +2600,696 @@
               <a:rPr lang="en-US" smtClean="0"/>
               <a:pPr/>
               <a:t>23</a:t>
+            </a:fld>
+            <a:endParaRPr lang="en-US" smtClean="0"/>
+          </a:p>
+        </p:txBody>
+      </p:sp>
+    </p:spTree>
+  </p:cSld>
+  <p:clrMapOvr>
+    <a:masterClrMapping/>
+  </p:clrMapOvr>
+</p:notes>
+</file>
+
+<file path=ppt/notesSlides/notesSlide24.xml><?xml version="1.0" encoding="utf-8"?>
+<p:notes xmlns:a="http://schemas.openxmlformats.org/drawingml/2006/main" xmlns:r="http://schemas.openxmlformats.org/officeDocument/2006/relationships" xmlns:p="http://schemas.openxmlformats.org/presentationml/2006/main">
+  <p:cSld>
+    <p:spTree>
+      <p:nvGrpSpPr>
+        <p:cNvPr id="1" name=""/>
+        <p:cNvGrpSpPr/>
+        <p:nvPr/>
+      </p:nvGrpSpPr>
+      <p:grpSpPr>
+        <a:xfrm>
+          <a:off x="0" y="0"/>
+          <a:ext cx="0" cy="0"/>
+          <a:chOff x="0" y="0"/>
+          <a:chExt cx="0" cy="0"/>
+        </a:xfrm>
+      </p:grpSpPr>
+      <p:sp>
+        <p:nvSpPr>
+          <p:cNvPr id="5122" name="Slide Image Placeholder 1"/>
+          <p:cNvSpPr>
+            <a:spLocks noGrp="1" noRot="1" noChangeAspect="1" noTextEdit="1"/>
+          </p:cNvSpPr>
+          <p:nvPr>
+            <p:ph type="sldImg"/>
+          </p:nvPr>
+        </p:nvSpPr>
+        <p:spPr bwMode="auto">
+          <a:noFill/>
+          <a:ln>
+            <a:solidFill>
+              <a:srgbClr val="000000"/>
+            </a:solidFill>
+            <a:miter lim="800000"/>
+            <a:headEnd/>
+            <a:tailEnd/>
+          </a:ln>
+        </p:spPr>
+      </p:sp>
+      <p:sp>
+        <p:nvSpPr>
+          <p:cNvPr id="5123" name="Notes Placeholder 2"/>
+          <p:cNvSpPr>
+            <a:spLocks noGrp="1"/>
+          </p:cNvSpPr>
+          <p:nvPr>
+            <p:ph type="body" idx="1"/>
+          </p:nvPr>
+        </p:nvSpPr>
+        <p:spPr bwMode="auto">
+          <a:noFill/>
+        </p:spPr>
+        <p:txBody>
+          <a:bodyPr wrap="square" numCol="1" anchor="t" anchorCtr="0" compatLnSpc="1">
+            <a:prstTxWarp prst="textNoShape">
+              <a:avLst/>
+            </a:prstTxWarp>
+          </a:bodyPr>
+          <a:lstStyle/>
+          <a:p>
+            <a:pPr eaLnBrk="1" hangingPunct="1">
+              <a:spcBef>
+                <a:spcPct val="0"/>
+              </a:spcBef>
+            </a:pPr>
+            <a:r>
+              <a:rPr lang="en-US" smtClean="0"/>
+              <a:t>Scrum most popular.  </a:t>
+            </a:r>
+          </a:p>
+        </p:txBody>
+      </p:sp>
+      <p:sp>
+        <p:nvSpPr>
+          <p:cNvPr id="5124" name="Slide Number Placeholder 3"/>
+          <p:cNvSpPr>
+            <a:spLocks noGrp="1"/>
+          </p:cNvSpPr>
+          <p:nvPr>
+            <p:ph type="sldNum" sz="quarter" idx="5"/>
+          </p:nvPr>
+        </p:nvSpPr>
+        <p:spPr bwMode="auto">
+          <a:noFill/>
+          <a:ln>
+            <a:miter lim="800000"/>
+            <a:headEnd/>
+            <a:tailEnd/>
+          </a:ln>
+        </p:spPr>
+        <p:txBody>
+          <a:bodyPr wrap="square" numCol="1" anchorCtr="0" compatLnSpc="1">
+            <a:prstTxWarp prst="textNoShape">
+              <a:avLst/>
+            </a:prstTxWarp>
+          </a:bodyPr>
+          <a:lstStyle/>
+          <a:p>
+            <a:fld id="{8613F8E0-6A7A-4971-8A19-8FA42BA75AEC}" type="slidenum">
+              <a:rPr lang="en-US" smtClean="0"/>
+              <a:pPr/>
+              <a:t>24</a:t>
+            </a:fld>
+            <a:endParaRPr lang="en-US" smtClean="0"/>
+          </a:p>
+        </p:txBody>
+      </p:sp>
+    </p:spTree>
+  </p:cSld>
+  <p:clrMapOvr>
+    <a:masterClrMapping/>
+  </p:clrMapOvr>
+</p:notes>
+</file>
+
+<file path=ppt/notesSlides/notesSlide25.xml><?xml version="1.0" encoding="utf-8"?>
+<p:notes xmlns:a="http://schemas.openxmlformats.org/drawingml/2006/main" xmlns:r="http://schemas.openxmlformats.org/officeDocument/2006/relationships" xmlns:p="http://schemas.openxmlformats.org/presentationml/2006/main">
+  <p:cSld>
+    <p:spTree>
+      <p:nvGrpSpPr>
+        <p:cNvPr id="1" name=""/>
+        <p:cNvGrpSpPr/>
+        <p:nvPr/>
+      </p:nvGrpSpPr>
+      <p:grpSpPr>
+        <a:xfrm>
+          <a:off x="0" y="0"/>
+          <a:ext cx="0" cy="0"/>
+          <a:chOff x="0" y="0"/>
+          <a:chExt cx="0" cy="0"/>
+        </a:xfrm>
+      </p:grpSpPr>
+      <p:sp>
+        <p:nvSpPr>
+          <p:cNvPr id="5122" name="Slide Image Placeholder 1"/>
+          <p:cNvSpPr>
+            <a:spLocks noGrp="1" noRot="1" noChangeAspect="1" noTextEdit="1"/>
+          </p:cNvSpPr>
+          <p:nvPr>
+            <p:ph type="sldImg"/>
+          </p:nvPr>
+        </p:nvSpPr>
+        <p:spPr bwMode="auto">
+          <a:noFill/>
+          <a:ln>
+            <a:solidFill>
+              <a:srgbClr val="000000"/>
+            </a:solidFill>
+            <a:miter lim="800000"/>
+            <a:headEnd/>
+            <a:tailEnd/>
+          </a:ln>
+        </p:spPr>
+      </p:sp>
+      <p:sp>
+        <p:nvSpPr>
+          <p:cNvPr id="5123" name="Notes Placeholder 2"/>
+          <p:cNvSpPr>
+            <a:spLocks noGrp="1"/>
+          </p:cNvSpPr>
+          <p:nvPr>
+            <p:ph type="body" idx="1"/>
+          </p:nvPr>
+        </p:nvSpPr>
+        <p:spPr bwMode="auto">
+          <a:noFill/>
+        </p:spPr>
+        <p:txBody>
+          <a:bodyPr wrap="square" numCol="1" anchor="t" anchorCtr="0" compatLnSpc="1">
+            <a:prstTxWarp prst="textNoShape">
+              <a:avLst/>
+            </a:prstTxWarp>
+          </a:bodyPr>
+          <a:lstStyle/>
+          <a:p>
+            <a:pPr eaLnBrk="1" hangingPunct="1">
+              <a:spcBef>
+                <a:spcPct val="0"/>
+              </a:spcBef>
+            </a:pPr>
+            <a:r>
+              <a:rPr lang="en-US" smtClean="0"/>
+              <a:t>Scrum most popular.  </a:t>
+            </a:r>
+          </a:p>
+        </p:txBody>
+      </p:sp>
+      <p:sp>
+        <p:nvSpPr>
+          <p:cNvPr id="5124" name="Slide Number Placeholder 3"/>
+          <p:cNvSpPr>
+            <a:spLocks noGrp="1"/>
+          </p:cNvSpPr>
+          <p:nvPr>
+            <p:ph type="sldNum" sz="quarter" idx="5"/>
+          </p:nvPr>
+        </p:nvSpPr>
+        <p:spPr bwMode="auto">
+          <a:noFill/>
+          <a:ln>
+            <a:miter lim="800000"/>
+            <a:headEnd/>
+            <a:tailEnd/>
+          </a:ln>
+        </p:spPr>
+        <p:txBody>
+          <a:bodyPr wrap="square" numCol="1" anchorCtr="0" compatLnSpc="1">
+            <a:prstTxWarp prst="textNoShape">
+              <a:avLst/>
+            </a:prstTxWarp>
+          </a:bodyPr>
+          <a:lstStyle/>
+          <a:p>
+            <a:fld id="{8613F8E0-6A7A-4971-8A19-8FA42BA75AEC}" type="slidenum">
+              <a:rPr lang="en-US" smtClean="0"/>
+              <a:pPr/>
+              <a:t>25</a:t>
+            </a:fld>
+            <a:endParaRPr lang="en-US" smtClean="0"/>
+          </a:p>
+        </p:txBody>
+      </p:sp>
+    </p:spTree>
+  </p:cSld>
+  <p:clrMapOvr>
+    <a:masterClrMapping/>
+  </p:clrMapOvr>
+</p:notes>
+</file>
+
+<file path=ppt/notesSlides/notesSlide26.xml><?xml version="1.0" encoding="utf-8"?>
+<p:notes xmlns:a="http://schemas.openxmlformats.org/drawingml/2006/main" xmlns:r="http://schemas.openxmlformats.org/officeDocument/2006/relationships" xmlns:p="http://schemas.openxmlformats.org/presentationml/2006/main">
+  <p:cSld>
+    <p:spTree>
+      <p:nvGrpSpPr>
+        <p:cNvPr id="1" name=""/>
+        <p:cNvGrpSpPr/>
+        <p:nvPr/>
+      </p:nvGrpSpPr>
+      <p:grpSpPr>
+        <a:xfrm>
+          <a:off x="0" y="0"/>
+          <a:ext cx="0" cy="0"/>
+          <a:chOff x="0" y="0"/>
+          <a:chExt cx="0" cy="0"/>
+        </a:xfrm>
+      </p:grpSpPr>
+      <p:sp>
+        <p:nvSpPr>
+          <p:cNvPr id="5122" name="Slide Image Placeholder 1"/>
+          <p:cNvSpPr>
+            <a:spLocks noGrp="1" noRot="1" noChangeAspect="1" noTextEdit="1"/>
+          </p:cNvSpPr>
+          <p:nvPr>
+            <p:ph type="sldImg"/>
+          </p:nvPr>
+        </p:nvSpPr>
+        <p:spPr bwMode="auto">
+          <a:noFill/>
+          <a:ln>
+            <a:solidFill>
+              <a:srgbClr val="000000"/>
+            </a:solidFill>
+            <a:miter lim="800000"/>
+            <a:headEnd/>
+            <a:tailEnd/>
+          </a:ln>
+        </p:spPr>
+      </p:sp>
+      <p:sp>
+        <p:nvSpPr>
+          <p:cNvPr id="5123" name="Notes Placeholder 2"/>
+          <p:cNvSpPr>
+            <a:spLocks noGrp="1"/>
+          </p:cNvSpPr>
+          <p:nvPr>
+            <p:ph type="body" idx="1"/>
+          </p:nvPr>
+        </p:nvSpPr>
+        <p:spPr bwMode="auto">
+          <a:noFill/>
+        </p:spPr>
+        <p:txBody>
+          <a:bodyPr wrap="square" numCol="1" anchor="t" anchorCtr="0" compatLnSpc="1">
+            <a:prstTxWarp prst="textNoShape">
+              <a:avLst/>
+            </a:prstTxWarp>
+          </a:bodyPr>
+          <a:lstStyle/>
+          <a:p>
+            <a:pPr eaLnBrk="1" hangingPunct="1">
+              <a:spcBef>
+                <a:spcPct val="0"/>
+              </a:spcBef>
+            </a:pPr>
+            <a:r>
+              <a:rPr lang="en-US" smtClean="0"/>
+              <a:t>Scrum most popular.  </a:t>
+            </a:r>
+          </a:p>
+        </p:txBody>
+      </p:sp>
+      <p:sp>
+        <p:nvSpPr>
+          <p:cNvPr id="5124" name="Slide Number Placeholder 3"/>
+          <p:cNvSpPr>
+            <a:spLocks noGrp="1"/>
+          </p:cNvSpPr>
+          <p:nvPr>
+            <p:ph type="sldNum" sz="quarter" idx="5"/>
+          </p:nvPr>
+        </p:nvSpPr>
+        <p:spPr bwMode="auto">
+          <a:noFill/>
+          <a:ln>
+            <a:miter lim="800000"/>
+            <a:headEnd/>
+            <a:tailEnd/>
+          </a:ln>
+        </p:spPr>
+        <p:txBody>
+          <a:bodyPr wrap="square" numCol="1" anchorCtr="0" compatLnSpc="1">
+            <a:prstTxWarp prst="textNoShape">
+              <a:avLst/>
+            </a:prstTxWarp>
+          </a:bodyPr>
+          <a:lstStyle/>
+          <a:p>
+            <a:fld id="{8613F8E0-6A7A-4971-8A19-8FA42BA75AEC}" type="slidenum">
+              <a:rPr lang="en-US" smtClean="0"/>
+              <a:pPr/>
+              <a:t>26</a:t>
+            </a:fld>
+            <a:endParaRPr lang="en-US" smtClean="0"/>
+          </a:p>
+        </p:txBody>
+      </p:sp>
+    </p:spTree>
+  </p:cSld>
+  <p:clrMapOvr>
+    <a:masterClrMapping/>
+  </p:clrMapOvr>
+</p:notes>
+</file>
+
+<file path=ppt/notesSlides/notesSlide27.xml><?xml version="1.0" encoding="utf-8"?>
+<p:notes xmlns:a="http://schemas.openxmlformats.org/drawingml/2006/main" xmlns:r="http://schemas.openxmlformats.org/officeDocument/2006/relationships" xmlns:p="http://schemas.openxmlformats.org/presentationml/2006/main">
+  <p:cSld>
+    <p:spTree>
+      <p:nvGrpSpPr>
+        <p:cNvPr id="1" name=""/>
+        <p:cNvGrpSpPr/>
+        <p:nvPr/>
+      </p:nvGrpSpPr>
+      <p:grpSpPr>
+        <a:xfrm>
+          <a:off x="0" y="0"/>
+          <a:ext cx="0" cy="0"/>
+          <a:chOff x="0" y="0"/>
+          <a:chExt cx="0" cy="0"/>
+        </a:xfrm>
+      </p:grpSpPr>
+      <p:sp>
+        <p:nvSpPr>
+          <p:cNvPr id="5122" name="Slide Image Placeholder 1"/>
+          <p:cNvSpPr>
+            <a:spLocks noGrp="1" noRot="1" noChangeAspect="1" noTextEdit="1"/>
+          </p:cNvSpPr>
+          <p:nvPr>
+            <p:ph type="sldImg"/>
+          </p:nvPr>
+        </p:nvSpPr>
+        <p:spPr bwMode="auto">
+          <a:noFill/>
+          <a:ln>
+            <a:solidFill>
+              <a:srgbClr val="000000"/>
+            </a:solidFill>
+            <a:miter lim="800000"/>
+            <a:headEnd/>
+            <a:tailEnd/>
+          </a:ln>
+        </p:spPr>
+      </p:sp>
+      <p:sp>
+        <p:nvSpPr>
+          <p:cNvPr id="5123" name="Notes Placeholder 2"/>
+          <p:cNvSpPr>
+            <a:spLocks noGrp="1"/>
+          </p:cNvSpPr>
+          <p:nvPr>
+            <p:ph type="body" idx="1"/>
+          </p:nvPr>
+        </p:nvSpPr>
+        <p:spPr bwMode="auto">
+          <a:noFill/>
+        </p:spPr>
+        <p:txBody>
+          <a:bodyPr wrap="square" numCol="1" anchor="t" anchorCtr="0" compatLnSpc="1">
+            <a:prstTxWarp prst="textNoShape">
+              <a:avLst/>
+            </a:prstTxWarp>
+          </a:bodyPr>
+          <a:lstStyle/>
+          <a:p>
+            <a:pPr eaLnBrk="1" hangingPunct="1">
+              <a:spcBef>
+                <a:spcPct val="0"/>
+              </a:spcBef>
+            </a:pPr>
+            <a:r>
+              <a:rPr lang="en-US" smtClean="0"/>
+              <a:t>Scrum most popular.  </a:t>
+            </a:r>
+          </a:p>
+        </p:txBody>
+      </p:sp>
+      <p:sp>
+        <p:nvSpPr>
+          <p:cNvPr id="5124" name="Slide Number Placeholder 3"/>
+          <p:cNvSpPr>
+            <a:spLocks noGrp="1"/>
+          </p:cNvSpPr>
+          <p:nvPr>
+            <p:ph type="sldNum" sz="quarter" idx="5"/>
+          </p:nvPr>
+        </p:nvSpPr>
+        <p:spPr bwMode="auto">
+          <a:noFill/>
+          <a:ln>
+            <a:miter lim="800000"/>
+            <a:headEnd/>
+            <a:tailEnd/>
+          </a:ln>
+        </p:spPr>
+        <p:txBody>
+          <a:bodyPr wrap="square" numCol="1" anchorCtr="0" compatLnSpc="1">
+            <a:prstTxWarp prst="textNoShape">
+              <a:avLst/>
+            </a:prstTxWarp>
+          </a:bodyPr>
+          <a:lstStyle/>
+          <a:p>
+            <a:fld id="{8613F8E0-6A7A-4971-8A19-8FA42BA75AEC}" type="slidenum">
+              <a:rPr lang="en-US" smtClean="0"/>
+              <a:pPr/>
+              <a:t>27</a:t>
+            </a:fld>
+            <a:endParaRPr lang="en-US" smtClean="0"/>
+          </a:p>
+        </p:txBody>
+      </p:sp>
+    </p:spTree>
+  </p:cSld>
+  <p:clrMapOvr>
+    <a:masterClrMapping/>
+  </p:clrMapOvr>
+</p:notes>
+</file>
+
+<file path=ppt/notesSlides/notesSlide28.xml><?xml version="1.0" encoding="utf-8"?>
+<p:notes xmlns:a="http://schemas.openxmlformats.org/drawingml/2006/main" xmlns:r="http://schemas.openxmlformats.org/officeDocument/2006/relationships" xmlns:p="http://schemas.openxmlformats.org/presentationml/2006/main">
+  <p:cSld>
+    <p:spTree>
+      <p:nvGrpSpPr>
+        <p:cNvPr id="1" name=""/>
+        <p:cNvGrpSpPr/>
+        <p:nvPr/>
+      </p:nvGrpSpPr>
+      <p:grpSpPr>
+        <a:xfrm>
+          <a:off x="0" y="0"/>
+          <a:ext cx="0" cy="0"/>
+          <a:chOff x="0" y="0"/>
+          <a:chExt cx="0" cy="0"/>
+        </a:xfrm>
+      </p:grpSpPr>
+      <p:sp>
+        <p:nvSpPr>
+          <p:cNvPr id="5122" name="Slide Image Placeholder 1"/>
+          <p:cNvSpPr>
+            <a:spLocks noGrp="1" noRot="1" noChangeAspect="1" noTextEdit="1"/>
+          </p:cNvSpPr>
+          <p:nvPr>
+            <p:ph type="sldImg"/>
+          </p:nvPr>
+        </p:nvSpPr>
+        <p:spPr bwMode="auto">
+          <a:noFill/>
+          <a:ln>
+            <a:solidFill>
+              <a:srgbClr val="000000"/>
+            </a:solidFill>
+            <a:miter lim="800000"/>
+            <a:headEnd/>
+            <a:tailEnd/>
+          </a:ln>
+        </p:spPr>
+      </p:sp>
+      <p:sp>
+        <p:nvSpPr>
+          <p:cNvPr id="5123" name="Notes Placeholder 2"/>
+          <p:cNvSpPr>
+            <a:spLocks noGrp="1"/>
+          </p:cNvSpPr>
+          <p:nvPr>
+            <p:ph type="body" idx="1"/>
+          </p:nvPr>
+        </p:nvSpPr>
+        <p:spPr bwMode="auto">
+          <a:noFill/>
+        </p:spPr>
+        <p:txBody>
+          <a:bodyPr wrap="square" numCol="1" anchor="t" anchorCtr="0" compatLnSpc="1">
+            <a:prstTxWarp prst="textNoShape">
+              <a:avLst/>
+            </a:prstTxWarp>
+          </a:bodyPr>
+          <a:lstStyle/>
+          <a:p>
+            <a:pPr eaLnBrk="1" hangingPunct="1">
+              <a:spcBef>
+                <a:spcPct val="0"/>
+              </a:spcBef>
+            </a:pPr>
+            <a:r>
+              <a:rPr lang="en-US" smtClean="0"/>
+              <a:t>Scrum most popular.  </a:t>
+            </a:r>
+          </a:p>
+        </p:txBody>
+      </p:sp>
+      <p:sp>
+        <p:nvSpPr>
+          <p:cNvPr id="5124" name="Slide Number Placeholder 3"/>
+          <p:cNvSpPr>
+            <a:spLocks noGrp="1"/>
+          </p:cNvSpPr>
+          <p:nvPr>
+            <p:ph type="sldNum" sz="quarter" idx="5"/>
+          </p:nvPr>
+        </p:nvSpPr>
+        <p:spPr bwMode="auto">
+          <a:noFill/>
+          <a:ln>
+            <a:miter lim="800000"/>
+            <a:headEnd/>
+            <a:tailEnd/>
+          </a:ln>
+        </p:spPr>
+        <p:txBody>
+          <a:bodyPr wrap="square" numCol="1" anchorCtr="0" compatLnSpc="1">
+            <a:prstTxWarp prst="textNoShape">
+              <a:avLst/>
+            </a:prstTxWarp>
+          </a:bodyPr>
+          <a:lstStyle/>
+          <a:p>
+            <a:fld id="{8613F8E0-6A7A-4971-8A19-8FA42BA75AEC}" type="slidenum">
+              <a:rPr lang="en-US" smtClean="0"/>
+              <a:pPr/>
+              <a:t>28</a:t>
+            </a:fld>
+            <a:endParaRPr lang="en-US" smtClean="0"/>
+          </a:p>
+        </p:txBody>
+      </p:sp>
+    </p:spTree>
+  </p:cSld>
+  <p:clrMapOvr>
+    <a:masterClrMapping/>
+  </p:clrMapOvr>
+</p:notes>
+</file>
+
+<file path=ppt/notesSlides/notesSlide29.xml><?xml version="1.0" encoding="utf-8"?>
+<p:notes xmlns:a="http://schemas.openxmlformats.org/drawingml/2006/main" xmlns:r="http://schemas.openxmlformats.org/officeDocument/2006/relationships" xmlns:p="http://schemas.openxmlformats.org/presentationml/2006/main">
+  <p:cSld>
+    <p:spTree>
+      <p:nvGrpSpPr>
+        <p:cNvPr id="1" name=""/>
+        <p:cNvGrpSpPr/>
+        <p:nvPr/>
+      </p:nvGrpSpPr>
+      <p:grpSpPr>
+        <a:xfrm>
+          <a:off x="0" y="0"/>
+          <a:ext cx="0" cy="0"/>
+          <a:chOff x="0" y="0"/>
+          <a:chExt cx="0" cy="0"/>
+        </a:xfrm>
+      </p:grpSpPr>
+      <p:sp>
+        <p:nvSpPr>
+          <p:cNvPr id="5122" name="Slide Image Placeholder 1"/>
+          <p:cNvSpPr>
+            <a:spLocks noGrp="1" noRot="1" noChangeAspect="1" noTextEdit="1"/>
+          </p:cNvSpPr>
+          <p:nvPr>
+            <p:ph type="sldImg"/>
+          </p:nvPr>
+        </p:nvSpPr>
+        <p:spPr bwMode="auto">
+          <a:noFill/>
+          <a:ln>
+            <a:solidFill>
+              <a:srgbClr val="000000"/>
+            </a:solidFill>
+            <a:miter lim="800000"/>
+            <a:headEnd/>
+            <a:tailEnd/>
+          </a:ln>
+        </p:spPr>
+      </p:sp>
+      <p:sp>
+        <p:nvSpPr>
+          <p:cNvPr id="5123" name="Notes Placeholder 2"/>
+          <p:cNvSpPr>
+            <a:spLocks noGrp="1"/>
+          </p:cNvSpPr>
+          <p:nvPr>
+            <p:ph type="body" idx="1"/>
+          </p:nvPr>
+        </p:nvSpPr>
+        <p:spPr bwMode="auto">
+          <a:noFill/>
+        </p:spPr>
+        <p:txBody>
+          <a:bodyPr wrap="square" numCol="1" anchor="t" anchorCtr="0" compatLnSpc="1">
+            <a:prstTxWarp prst="textNoShape">
+              <a:avLst/>
+            </a:prstTxWarp>
+          </a:bodyPr>
+          <a:lstStyle/>
+          <a:p>
+            <a:pPr eaLnBrk="1" hangingPunct="1">
+              <a:spcBef>
+                <a:spcPct val="0"/>
+              </a:spcBef>
+            </a:pPr>
+            <a:r>
+              <a:rPr lang="en-US" smtClean="0"/>
+              <a:t>Scrum most popular.  </a:t>
+            </a:r>
+          </a:p>
+        </p:txBody>
+      </p:sp>
+      <p:sp>
+        <p:nvSpPr>
+          <p:cNvPr id="5124" name="Slide Number Placeholder 3"/>
+          <p:cNvSpPr>
+            <a:spLocks noGrp="1"/>
+          </p:cNvSpPr>
+          <p:nvPr>
+            <p:ph type="sldNum" sz="quarter" idx="5"/>
+          </p:nvPr>
+        </p:nvSpPr>
+        <p:spPr bwMode="auto">
+          <a:noFill/>
+          <a:ln>
+            <a:miter lim="800000"/>
+            <a:headEnd/>
+            <a:tailEnd/>
+          </a:ln>
+        </p:spPr>
+        <p:txBody>
+          <a:bodyPr wrap="square" numCol="1" anchorCtr="0" compatLnSpc="1">
+            <a:prstTxWarp prst="textNoShape">
+              <a:avLst/>
+            </a:prstTxWarp>
+          </a:bodyPr>
+          <a:lstStyle/>
+          <a:p>
+            <a:fld id="{8613F8E0-6A7A-4971-8A19-8FA42BA75AEC}" type="slidenum">
+              <a:rPr lang="en-US" smtClean="0"/>
+              <a:pPr/>
+              <a:t>29</a:t>
             </a:fld>
             <a:endParaRPr lang="en-US" smtClean="0"/>
           </a:p>
@@ -6685,7 +7381,7 @@
         </p:nvSpPr>
         <p:spPr>
           <a:xfrm>
-            <a:off x="541538" y="1613247"/>
+            <a:off x="541538" y="1195981"/>
             <a:ext cx="8371643" cy="941388"/>
           </a:xfrm>
         </p:spPr>
@@ -6697,9 +7393,25 @@
               <a:defRPr/>
             </a:pPr>
             <a:r>
+              <a:rPr lang="en-US" sz="3200" dirty="0" smtClean="0"/>
+              <a:t>Six</a:t>
+            </a:r>
+            <a:r>
+              <a:rPr lang="en-US" sz="3200" dirty="0" smtClean="0"/>
+              <a:t> Degrees of (Kevin)</a:t>
+            </a:r>
+            <a:r>
+              <a:rPr lang="en-US" sz="5400" dirty="0" smtClean="0"/>
+              <a:t> </a:t>
+            </a:r>
+            <a:br>
+              <a:rPr lang="en-US" sz="5400" dirty="0" smtClean="0"/>
+            </a:br>
+            <a:r>
               <a:rPr lang="en-US" sz="5400" dirty="0" smtClean="0"/>
               <a:t>Bindings</a:t>
             </a:r>
+            <a:endParaRPr lang="en-US" sz="5400" dirty="0" smtClean="0"/>
           </a:p>
         </p:txBody>
       </p:sp>
@@ -6754,7 +7466,17 @@
                   </a:schemeClr>
                 </a:solidFill>
               </a:rPr>
-              <a:t>  ∙  DotNetDevDude.com</a:t>
+              <a:t>  ∙  </a:t>
+            </a:r>
+            <a:r>
+              <a:rPr lang="en-US" dirty="0" smtClean="0">
+                <a:solidFill>
+                  <a:schemeClr val="bg1">
+                    <a:lumMod val="50000"/>
+                  </a:schemeClr>
+                </a:solidFill>
+              </a:rPr>
+              <a:t>DotNetDevDude.com</a:t>
             </a:r>
             <a:endParaRPr lang="en-US" dirty="0">
               <a:solidFill>
@@ -6766,6 +7488,70 @@
           </a:p>
         </p:txBody>
       </p:sp>
+      <p:pic>
+        <p:nvPicPr>
+          <p:cNvPr id="4098" name="Picture 2"/>
+          <p:cNvPicPr>
+            <a:picLocks noChangeAspect="1" noChangeArrowheads="1"/>
+          </p:cNvPicPr>
+          <p:nvPr/>
+        </p:nvPicPr>
+        <p:blipFill>
+          <a:blip r:embed="rId3" cstate="print">
+            <a:extLst>
+              <a:ext uri="{28A0092B-C50C-407E-A947-70E740481C1C}">
+                <a14:useLocalDpi xmlns:a14="http://schemas.microsoft.com/office/drawing/2010/main" val="0"/>
+              </a:ext>
+            </a:extLst>
+          </a:blip>
+          <a:srcRect/>
+          <a:stretch>
+            <a:fillRect/>
+          </a:stretch>
+        </p:blipFill>
+        <p:spPr bwMode="auto">
+          <a:xfrm>
+            <a:off x="6419389" y="2654423"/>
+            <a:ext cx="2445210" cy="3392009"/>
+          </a:xfrm>
+          <a:prstGeom prst="rect">
+            <a:avLst/>
+          </a:prstGeom>
+          <a:noFill/>
+          <a:ln>
+            <a:noFill/>
+          </a:ln>
+          <a:effectLst/>
+          <a:extLst>
+            <a:ext uri="{909E8E84-426E-40DD-AFC4-6F175D3DCCD1}">
+              <a14:hiddenFill xmlns:a14="http://schemas.microsoft.com/office/drawing/2010/main">
+                <a:solidFill>
+                  <a:schemeClr val="accent1"/>
+                </a:solidFill>
+              </a14:hiddenFill>
+            </a:ext>
+            <a:ext uri="{91240B29-F687-4F45-9708-019B960494DF}">
+              <a14:hiddenLine xmlns:a14="http://schemas.microsoft.com/office/drawing/2010/main" w="9525">
+                <a:solidFill>
+                  <a:schemeClr val="tx1"/>
+                </a:solidFill>
+                <a:miter lim="800000"/>
+                <a:headEnd/>
+                <a:tailEnd/>
+              </a14:hiddenLine>
+            </a:ext>
+            <a:ext uri="{AF507438-7753-43E0-B8FC-AC1667EBCBE1}">
+              <a14:hiddenEffects xmlns:a14="http://schemas.microsoft.com/office/drawing/2010/main">
+                <a:effectLst>
+                  <a:outerShdw dist="35921" dir="2700000" algn="ctr" rotWithShape="0">
+                    <a:schemeClr val="bg2"/>
+                  </a:outerShdw>
+                </a:effectLst>
+              </a14:hiddenEffects>
+            </a:ext>
+          </a:extLst>
+        </p:spPr>
+      </p:pic>
     </p:spTree>
     <p:extLst>
       <p:ext uri="{BB962C8B-B14F-4D97-AF65-F5344CB8AC3E}">
@@ -7450,7 +8236,7 @@
               <a:rPr lang="en-US" dirty="0" smtClean="0">
                 <a:sym typeface="Wingdings" pitchFamily="2" charset="2"/>
               </a:rPr>
-              <a:t>Template</a:t>
+              <a:t>Templates</a:t>
             </a:r>
             <a:endParaRPr lang="en-US" b="1" dirty="0">
               <a:sym typeface="Wingdings" pitchFamily="2" charset="2"/>
@@ -7725,7 +8511,7 @@
               <a:rPr lang="en-US" dirty="0" smtClean="0">
                 <a:sym typeface="Wingdings" pitchFamily="2" charset="2"/>
               </a:rPr>
-              <a:t>Control Flow</a:t>
+              <a:t>Templates</a:t>
             </a:r>
             <a:endParaRPr lang="en-US" b="1" dirty="0">
               <a:sym typeface="Wingdings" pitchFamily="2" charset="2"/>
@@ -7733,274 +8519,51 @@
           </a:p>
         </p:txBody>
       </p:sp>
-      <p:sp>
-        <p:nvSpPr>
-          <p:cNvPr id="22" name="Rounded Rectangle 21"/>
-          <p:cNvSpPr/>
+      <p:pic>
+        <p:nvPicPr>
+          <p:cNvPr id="5122" name="Picture 2" descr="http://jaybot7.com/blog/wp-content/uploads/2010/10/demodude.png"/>
+          <p:cNvPicPr>
+            <a:picLocks noChangeAspect="1" noChangeArrowheads="1"/>
+          </p:cNvPicPr>
           <p:nvPr/>
-        </p:nvSpPr>
-        <p:spPr>
+        </p:nvPicPr>
+        <p:blipFill>
+          <a:blip r:embed="rId3">
+            <a:extLst>
+              <a:ext uri="{28A0092B-C50C-407E-A947-70E740481C1C}">
+                <a14:useLocalDpi xmlns:a14="http://schemas.microsoft.com/office/drawing/2010/main" val="0"/>
+              </a:ext>
+            </a:extLst>
+          </a:blip>
+          <a:srcRect/>
+          <a:stretch>
+            <a:fillRect/>
+          </a:stretch>
+        </p:blipFill>
+        <p:spPr bwMode="auto">
           <a:xfrm>
-            <a:off x="6092281" y="1377275"/>
-            <a:ext cx="1509213" cy="499363"/>
+            <a:off x="2434859" y="1815252"/>
+            <a:ext cx="6191250" cy="2733676"/>
           </a:xfrm>
-          <a:prstGeom prst="roundRect">
+          <a:prstGeom prst="rect">
             <a:avLst/>
           </a:prstGeom>
-          <a:solidFill>
-            <a:srgbClr val="DD8209"/>
-          </a:solidFill>
-          <a:ln>
-            <a:solidFill>
-              <a:srgbClr val="B45608"/>
-            </a:solidFill>
-            <a:prstDash val="dash"/>
-          </a:ln>
-          <a:effectLst>
-            <a:glow rad="101600">
-              <a:schemeClr val="accent6">
-                <a:alpha val="40000"/>
-              </a:schemeClr>
-            </a:glow>
-          </a:effectLst>
-        </p:spPr>
-        <p:style>
-          <a:lnRef idx="2">
-            <a:schemeClr val="accent6">
-              <a:shade val="50000"/>
-            </a:schemeClr>
-          </a:lnRef>
-          <a:fillRef idx="1">
-            <a:schemeClr val="accent6"/>
-          </a:fillRef>
-          <a:effectRef idx="0">
-            <a:schemeClr val="accent6"/>
-          </a:effectRef>
-          <a:fontRef idx="minor">
-            <a:schemeClr val="lt1"/>
-          </a:fontRef>
-        </p:style>
-        <p:txBody>
-          <a:bodyPr rtlCol="0" anchor="ctr"/>
-          <a:lstStyle/>
-          <a:p>
-            <a:pPr algn="ctr"/>
-            <a:r>
-              <a:rPr lang="en-GB" sz="2200" b="1" dirty="0" err="1" smtClean="0">
-                <a:latin typeface="Consolas" pitchFamily="49" charset="0"/>
-                <a:cs typeface="Consolas" pitchFamily="49" charset="0"/>
-              </a:rPr>
-              <a:t>foreach</a:t>
-            </a:r>
-            <a:endParaRPr lang="en-US" sz="2200" dirty="0">
-              <a:latin typeface="Consolas" pitchFamily="49" charset="0"/>
-              <a:cs typeface="Consolas" pitchFamily="49" charset="0"/>
-            </a:endParaRPr>
-          </a:p>
-        </p:txBody>
-      </p:sp>
-      <p:sp>
-        <p:nvSpPr>
-          <p:cNvPr id="23" name="Rounded Rectangle 22"/>
-          <p:cNvSpPr/>
-          <p:nvPr/>
-        </p:nvSpPr>
-        <p:spPr>
-          <a:xfrm>
-            <a:off x="4404636" y="1403377"/>
-            <a:ext cx="1532630" cy="475906"/>
-          </a:xfrm>
-          <a:prstGeom prst="roundRect">
-            <a:avLst/>
-          </a:prstGeom>
-          <a:solidFill>
-            <a:srgbClr val="DD8209"/>
-          </a:solidFill>
-          <a:ln>
-            <a:solidFill>
-              <a:srgbClr val="B45608"/>
-            </a:solidFill>
-            <a:prstDash val="dash"/>
-          </a:ln>
-          <a:effectLst>
-            <a:glow rad="101600">
-              <a:schemeClr val="accent6">
-                <a:alpha val="40000"/>
-              </a:schemeClr>
-            </a:glow>
-          </a:effectLst>
-        </p:spPr>
-        <p:style>
-          <a:lnRef idx="2">
-            <a:schemeClr val="accent6">
-              <a:shade val="50000"/>
-            </a:schemeClr>
-          </a:lnRef>
-          <a:fillRef idx="1">
-            <a:schemeClr val="accent6"/>
-          </a:fillRef>
-          <a:effectRef idx="0">
-            <a:schemeClr val="accent6"/>
-          </a:effectRef>
-          <a:fontRef idx="minor">
-            <a:schemeClr val="lt1"/>
-          </a:fontRef>
-        </p:style>
-        <p:txBody>
-          <a:bodyPr rtlCol="0" anchor="ctr"/>
-          <a:lstStyle/>
-          <a:p>
-            <a:pPr algn="ctr"/>
-            <a:r>
-              <a:rPr lang="en-GB" sz="2200" b="1" dirty="0" smtClean="0">
-                <a:latin typeface="Consolas" pitchFamily="49" charset="0"/>
-                <a:cs typeface="Consolas" pitchFamily="49" charset="0"/>
-              </a:rPr>
-              <a:t>with</a:t>
-            </a:r>
-            <a:endParaRPr lang="en-US" sz="2200" dirty="0">
-              <a:latin typeface="Consolas" pitchFamily="49" charset="0"/>
-              <a:cs typeface="Consolas" pitchFamily="49" charset="0"/>
-            </a:endParaRPr>
-          </a:p>
-        </p:txBody>
-      </p:sp>
-      <p:sp>
-        <p:nvSpPr>
-          <p:cNvPr id="24" name="Rounded Rectangle 23"/>
-          <p:cNvSpPr/>
-          <p:nvPr/>
-        </p:nvSpPr>
-        <p:spPr>
-          <a:xfrm>
-            <a:off x="2737386" y="1403376"/>
-            <a:ext cx="1512235" cy="475906"/>
-          </a:xfrm>
-          <a:prstGeom prst="roundRect">
-            <a:avLst/>
-          </a:prstGeom>
-          <a:solidFill>
-            <a:srgbClr val="DD8209"/>
-          </a:solidFill>
-          <a:ln>
-            <a:solidFill>
-              <a:srgbClr val="B45608"/>
-            </a:solidFill>
-            <a:prstDash val="dash"/>
-          </a:ln>
-          <a:effectLst>
-            <a:glow rad="101600">
-              <a:schemeClr val="accent6">
-                <a:alpha val="40000"/>
-              </a:schemeClr>
-            </a:glow>
-          </a:effectLst>
-        </p:spPr>
-        <p:style>
-          <a:lnRef idx="2">
-            <a:schemeClr val="accent6">
-              <a:shade val="50000"/>
-            </a:schemeClr>
-          </a:lnRef>
-          <a:fillRef idx="1">
-            <a:schemeClr val="accent6"/>
-          </a:fillRef>
-          <a:effectRef idx="0">
-            <a:schemeClr val="accent6"/>
-          </a:effectRef>
-          <a:fontRef idx="minor">
-            <a:schemeClr val="lt1"/>
-          </a:fontRef>
-        </p:style>
-        <p:txBody>
-          <a:bodyPr rtlCol="0" anchor="ctr"/>
-          <a:lstStyle/>
-          <a:p>
-            <a:pPr algn="ctr"/>
-            <a:r>
-              <a:rPr lang="en-GB" sz="2200" b="1" dirty="0" err="1" smtClean="0">
-                <a:latin typeface="Consolas" pitchFamily="49" charset="0"/>
-                <a:cs typeface="Consolas" pitchFamily="49" charset="0"/>
-              </a:rPr>
-              <a:t>ifnot</a:t>
-            </a:r>
-            <a:endParaRPr lang="en-US" sz="2200" dirty="0">
-              <a:latin typeface="Consolas" pitchFamily="49" charset="0"/>
-              <a:cs typeface="Consolas" pitchFamily="49" charset="0"/>
-            </a:endParaRPr>
-          </a:p>
-        </p:txBody>
-      </p:sp>
-      <p:sp>
-        <p:nvSpPr>
-          <p:cNvPr id="37" name="Rounded Rectangle 36"/>
-          <p:cNvSpPr/>
-          <p:nvPr/>
-        </p:nvSpPr>
-        <p:spPr>
-          <a:xfrm>
-            <a:off x="1052109" y="1403377"/>
-            <a:ext cx="1512235" cy="475906"/>
-          </a:xfrm>
-          <a:prstGeom prst="roundRect">
-            <a:avLst/>
-          </a:prstGeom>
-          <a:solidFill>
-            <a:srgbClr val="DD8209"/>
-          </a:solidFill>
-          <a:ln>
-            <a:solidFill>
-              <a:srgbClr val="B45608"/>
-            </a:solidFill>
-            <a:prstDash val="dash"/>
-          </a:ln>
-          <a:effectLst>
-            <a:glow rad="101600">
-              <a:schemeClr val="accent6">
-                <a:alpha val="40000"/>
-              </a:schemeClr>
-            </a:glow>
-          </a:effectLst>
-        </p:spPr>
-        <p:style>
-          <a:lnRef idx="2">
-            <a:schemeClr val="accent6">
-              <a:shade val="50000"/>
-            </a:schemeClr>
-          </a:lnRef>
-          <a:fillRef idx="1">
-            <a:schemeClr val="accent6"/>
-          </a:fillRef>
-          <a:effectRef idx="0">
-            <a:schemeClr val="accent6"/>
-          </a:effectRef>
-          <a:fontRef idx="minor">
-            <a:schemeClr val="lt1"/>
-          </a:fontRef>
-        </p:style>
-        <p:txBody>
-          <a:bodyPr rtlCol="0" anchor="ctr"/>
-          <a:lstStyle/>
-          <a:p>
-            <a:pPr algn="ctr"/>
-            <a:r>
-              <a:rPr lang="en-GB" sz="2200" b="1" dirty="0" smtClean="0">
-                <a:latin typeface="Consolas" pitchFamily="49" charset="0"/>
-                <a:cs typeface="Consolas" pitchFamily="49" charset="0"/>
-              </a:rPr>
-              <a:t>if</a:t>
-            </a:r>
-            <a:endParaRPr lang="en-US" sz="2200" dirty="0">
-              <a:latin typeface="Consolas" pitchFamily="49" charset="0"/>
-              <a:cs typeface="Consolas" pitchFamily="49" charset="0"/>
-            </a:endParaRPr>
-          </a:p>
-        </p:txBody>
-      </p:sp>
+          <a:noFill/>
+          <a:extLst>
+            <a:ext uri="{909E8E84-426E-40DD-AFC4-6F175D3DCCD1}">
+              <a14:hiddenFill xmlns:a14="http://schemas.microsoft.com/office/drawing/2010/main">
+                <a:solidFill>
+                  <a:srgbClr val="FFFFFF"/>
+                </a:solidFill>
+              </a14:hiddenFill>
+            </a:ext>
+          </a:extLst>
+        </p:spPr>
+      </p:pic>
     </p:spTree>
     <p:extLst>
       <p:ext uri="{BB962C8B-B14F-4D97-AF65-F5344CB8AC3E}">
-        <p14:creationId xmlns:p14="http://schemas.microsoft.com/office/powerpoint/2010/main" val="2829888336"/>
+        <p14:creationId xmlns:p14="http://schemas.microsoft.com/office/powerpoint/2010/main" val="1853532891"/>
       </p:ext>
     </p:extLst>
   </p:cSld>
@@ -8122,7 +8685,1322 @@
               <a:rPr lang="en-US" dirty="0" smtClean="0">
                 <a:sym typeface="Wingdings" pitchFamily="2" charset="2"/>
               </a:rPr>
-              <a:t>Bindings</a:t>
+              <a:t>Templates</a:t>
+            </a:r>
+            <a:endParaRPr lang="en-US" b="1" dirty="0">
+              <a:sym typeface="Wingdings" pitchFamily="2" charset="2"/>
+            </a:endParaRPr>
+          </a:p>
+        </p:txBody>
+      </p:sp>
+      <p:pic>
+        <p:nvPicPr>
+          <p:cNvPr id="6146" name="Picture 2" descr="http://rukkle.com/wp-content/uploads/what-we-learned-rukkle-620X4002.jpg"/>
+          <p:cNvPicPr>
+            <a:picLocks noChangeAspect="1" noChangeArrowheads="1"/>
+          </p:cNvPicPr>
+          <p:nvPr/>
+        </p:nvPicPr>
+        <p:blipFill>
+          <a:blip r:embed="rId3">
+            <a:extLst>
+              <a:ext uri="{28A0092B-C50C-407E-A947-70E740481C1C}">
+                <a14:useLocalDpi xmlns:a14="http://schemas.microsoft.com/office/drawing/2010/main" val="0"/>
+              </a:ext>
+            </a:extLst>
+          </a:blip>
+          <a:srcRect/>
+          <a:stretch>
+            <a:fillRect/>
+          </a:stretch>
+        </p:blipFill>
+        <p:spPr bwMode="auto">
+          <a:xfrm>
+            <a:off x="1757476" y="1819922"/>
+            <a:ext cx="5905500" cy="3810000"/>
+          </a:xfrm>
+          <a:prstGeom prst="rect">
+            <a:avLst/>
+          </a:prstGeom>
+          <a:noFill/>
+          <a:extLst>
+            <a:ext uri="{909E8E84-426E-40DD-AFC4-6F175D3DCCD1}">
+              <a14:hiddenFill xmlns:a14="http://schemas.microsoft.com/office/drawing/2010/main">
+                <a:solidFill>
+                  <a:srgbClr val="FFFFFF"/>
+                </a:solidFill>
+              </a14:hiddenFill>
+            </a:ext>
+          </a:extLst>
+        </p:spPr>
+      </p:pic>
+    </p:spTree>
+    <p:extLst>
+      <p:ext uri="{BB962C8B-B14F-4D97-AF65-F5344CB8AC3E}">
+        <p14:creationId xmlns:p14="http://schemas.microsoft.com/office/powerpoint/2010/main" val="226361860"/>
+      </p:ext>
+    </p:extLst>
+  </p:cSld>
+  <p:clrMapOvr>
+    <a:masterClrMapping/>
+  </p:clrMapOvr>
+  <p:timing>
+    <p:tnLst>
+      <p:par>
+        <p:cTn id="1" dur="indefinite" restart="never" nodeType="tmRoot"/>
+      </p:par>
+    </p:tnLst>
+  </p:timing>
+</p:sld>
+</file>
+
+<file path=ppt/slides/slide17.xml><?xml version="1.0" encoding="utf-8"?>
+<p:sld xmlns:a="http://schemas.openxmlformats.org/drawingml/2006/main" xmlns:r="http://schemas.openxmlformats.org/officeDocument/2006/relationships" xmlns:p="http://schemas.openxmlformats.org/presentationml/2006/main">
+  <p:cSld>
+    <p:spTree>
+      <p:nvGrpSpPr>
+        <p:cNvPr id="1" name=""/>
+        <p:cNvGrpSpPr/>
+        <p:nvPr/>
+      </p:nvGrpSpPr>
+      <p:grpSpPr>
+        <a:xfrm>
+          <a:off x="0" y="0"/>
+          <a:ext cx="0" cy="0"/>
+          <a:chOff x="0" y="0"/>
+          <a:chExt cx="0" cy="0"/>
+        </a:xfrm>
+      </p:grpSpPr>
+      <p:sp>
+        <p:nvSpPr>
+          <p:cNvPr id="7" name="TextBox 6"/>
+          <p:cNvSpPr txBox="1"/>
+          <p:nvPr/>
+        </p:nvSpPr>
+        <p:spPr>
+          <a:xfrm>
+            <a:off x="2434859" y="6570921"/>
+            <a:ext cx="4550735" cy="369332"/>
+          </a:xfrm>
+          <a:prstGeom prst="rect">
+            <a:avLst/>
+          </a:prstGeom>
+          <a:noFill/>
+        </p:spPr>
+        <p:txBody>
+          <a:bodyPr wrap="square" rtlCol="0">
+            <a:spAutoFit/>
+          </a:bodyPr>
+          <a:lstStyle/>
+          <a:p>
+            <a:pPr algn="ctr"/>
+            <a:r>
+              <a:rPr lang="en-US" dirty="0" smtClean="0">
+                <a:solidFill>
+                  <a:schemeClr val="bg1">
+                    <a:lumMod val="50000"/>
+                  </a:schemeClr>
+                </a:solidFill>
+              </a:rPr>
+              <a:t>@</a:t>
+            </a:r>
+            <a:r>
+              <a:rPr lang="en-US" dirty="0" err="1" smtClean="0">
+                <a:solidFill>
+                  <a:schemeClr val="bg1">
+                    <a:lumMod val="50000"/>
+                  </a:schemeClr>
+                </a:solidFill>
+              </a:rPr>
+              <a:t>keburnell</a:t>
+            </a:r>
+            <a:r>
+              <a:rPr lang="en-US" dirty="0" smtClean="0">
+                <a:solidFill>
+                  <a:schemeClr val="bg1">
+                    <a:lumMod val="50000"/>
+                  </a:schemeClr>
+                </a:solidFill>
+              </a:rPr>
+              <a:t>  ∙  DotNetDevDude.com</a:t>
+            </a:r>
+            <a:endParaRPr lang="en-US" dirty="0">
+              <a:solidFill>
+                <a:schemeClr val="bg1">
+                  <a:lumMod val="50000"/>
+                </a:schemeClr>
+              </a:solidFill>
+            </a:endParaRPr>
+          </a:p>
+        </p:txBody>
+      </p:sp>
+      <p:sp>
+        <p:nvSpPr>
+          <p:cNvPr id="5" name="Rectangle 2"/>
+          <p:cNvSpPr>
+            <a:spLocks noGrp="1" noChangeArrowheads="1"/>
+          </p:cNvSpPr>
+          <p:nvPr>
+            <p:ph type="title"/>
+          </p:nvPr>
+        </p:nvSpPr>
+        <p:spPr>
+          <a:xfrm>
+            <a:off x="571500" y="381000"/>
+            <a:ext cx="8534399" cy="941388"/>
+          </a:xfrm>
+        </p:spPr>
+        <p:txBody>
+          <a:bodyPr/>
+          <a:lstStyle/>
+          <a:p>
+            <a:pPr marL="0" indent="0"/>
+            <a:r>
+              <a:rPr lang="en-US" dirty="0" smtClean="0">
+                <a:sym typeface="Wingdings" pitchFamily="2" charset="2"/>
+              </a:rPr>
+              <a:t>Control Flow</a:t>
+            </a:r>
+            <a:endParaRPr lang="en-US" b="1" dirty="0">
+              <a:sym typeface="Wingdings" pitchFamily="2" charset="2"/>
+            </a:endParaRPr>
+          </a:p>
+        </p:txBody>
+      </p:sp>
+      <p:sp>
+        <p:nvSpPr>
+          <p:cNvPr id="22" name="Rounded Rectangle 21"/>
+          <p:cNvSpPr/>
+          <p:nvPr/>
+        </p:nvSpPr>
+        <p:spPr>
+          <a:xfrm>
+            <a:off x="6092281" y="1377275"/>
+            <a:ext cx="1509213" cy="499363"/>
+          </a:xfrm>
+          <a:prstGeom prst="roundRect">
+            <a:avLst/>
+          </a:prstGeom>
+          <a:solidFill>
+            <a:srgbClr val="DD8209"/>
+          </a:solidFill>
+          <a:ln>
+            <a:solidFill>
+              <a:srgbClr val="B45608"/>
+            </a:solidFill>
+            <a:prstDash val="dash"/>
+          </a:ln>
+          <a:effectLst>
+            <a:glow rad="101600">
+              <a:schemeClr val="accent6">
+                <a:alpha val="40000"/>
+              </a:schemeClr>
+            </a:glow>
+          </a:effectLst>
+        </p:spPr>
+        <p:style>
+          <a:lnRef idx="2">
+            <a:schemeClr val="accent6">
+              <a:shade val="50000"/>
+            </a:schemeClr>
+          </a:lnRef>
+          <a:fillRef idx="1">
+            <a:schemeClr val="accent6"/>
+          </a:fillRef>
+          <a:effectRef idx="0">
+            <a:schemeClr val="accent6"/>
+          </a:effectRef>
+          <a:fontRef idx="minor">
+            <a:schemeClr val="lt1"/>
+          </a:fontRef>
+        </p:style>
+        <p:txBody>
+          <a:bodyPr rtlCol="0" anchor="ctr"/>
+          <a:lstStyle/>
+          <a:p>
+            <a:pPr algn="ctr"/>
+            <a:r>
+              <a:rPr lang="en-GB" sz="2200" b="1" dirty="0" err="1" smtClean="0">
+                <a:latin typeface="Consolas" pitchFamily="49" charset="0"/>
+                <a:cs typeface="Consolas" pitchFamily="49" charset="0"/>
+              </a:rPr>
+              <a:t>foreach</a:t>
+            </a:r>
+            <a:endParaRPr lang="en-US" sz="2200" dirty="0">
+              <a:latin typeface="Consolas" pitchFamily="49" charset="0"/>
+              <a:cs typeface="Consolas" pitchFamily="49" charset="0"/>
+            </a:endParaRPr>
+          </a:p>
+        </p:txBody>
+      </p:sp>
+      <p:sp>
+        <p:nvSpPr>
+          <p:cNvPr id="23" name="Rounded Rectangle 22"/>
+          <p:cNvSpPr/>
+          <p:nvPr/>
+        </p:nvSpPr>
+        <p:spPr>
+          <a:xfrm>
+            <a:off x="4404636" y="1403377"/>
+            <a:ext cx="1532630" cy="475906"/>
+          </a:xfrm>
+          <a:prstGeom prst="roundRect">
+            <a:avLst/>
+          </a:prstGeom>
+          <a:solidFill>
+            <a:srgbClr val="DD8209"/>
+          </a:solidFill>
+          <a:ln>
+            <a:solidFill>
+              <a:srgbClr val="B45608"/>
+            </a:solidFill>
+            <a:prstDash val="dash"/>
+          </a:ln>
+          <a:effectLst>
+            <a:glow rad="101600">
+              <a:schemeClr val="accent6">
+                <a:alpha val="40000"/>
+              </a:schemeClr>
+            </a:glow>
+          </a:effectLst>
+        </p:spPr>
+        <p:style>
+          <a:lnRef idx="2">
+            <a:schemeClr val="accent6">
+              <a:shade val="50000"/>
+            </a:schemeClr>
+          </a:lnRef>
+          <a:fillRef idx="1">
+            <a:schemeClr val="accent6"/>
+          </a:fillRef>
+          <a:effectRef idx="0">
+            <a:schemeClr val="accent6"/>
+          </a:effectRef>
+          <a:fontRef idx="minor">
+            <a:schemeClr val="lt1"/>
+          </a:fontRef>
+        </p:style>
+        <p:txBody>
+          <a:bodyPr rtlCol="0" anchor="ctr"/>
+          <a:lstStyle/>
+          <a:p>
+            <a:pPr algn="ctr"/>
+            <a:r>
+              <a:rPr lang="en-GB" sz="2200" b="1" dirty="0" smtClean="0">
+                <a:latin typeface="Consolas" pitchFamily="49" charset="0"/>
+                <a:cs typeface="Consolas" pitchFamily="49" charset="0"/>
+              </a:rPr>
+              <a:t>with</a:t>
+            </a:r>
+            <a:endParaRPr lang="en-US" sz="2200" dirty="0">
+              <a:latin typeface="Consolas" pitchFamily="49" charset="0"/>
+              <a:cs typeface="Consolas" pitchFamily="49" charset="0"/>
+            </a:endParaRPr>
+          </a:p>
+        </p:txBody>
+      </p:sp>
+      <p:sp>
+        <p:nvSpPr>
+          <p:cNvPr id="24" name="Rounded Rectangle 23"/>
+          <p:cNvSpPr/>
+          <p:nvPr/>
+        </p:nvSpPr>
+        <p:spPr>
+          <a:xfrm>
+            <a:off x="2737386" y="1403376"/>
+            <a:ext cx="1512235" cy="475906"/>
+          </a:xfrm>
+          <a:prstGeom prst="roundRect">
+            <a:avLst/>
+          </a:prstGeom>
+          <a:solidFill>
+            <a:srgbClr val="DD8209"/>
+          </a:solidFill>
+          <a:ln>
+            <a:solidFill>
+              <a:srgbClr val="B45608"/>
+            </a:solidFill>
+            <a:prstDash val="dash"/>
+          </a:ln>
+          <a:effectLst>
+            <a:glow rad="101600">
+              <a:schemeClr val="accent6">
+                <a:alpha val="40000"/>
+              </a:schemeClr>
+            </a:glow>
+          </a:effectLst>
+        </p:spPr>
+        <p:style>
+          <a:lnRef idx="2">
+            <a:schemeClr val="accent6">
+              <a:shade val="50000"/>
+            </a:schemeClr>
+          </a:lnRef>
+          <a:fillRef idx="1">
+            <a:schemeClr val="accent6"/>
+          </a:fillRef>
+          <a:effectRef idx="0">
+            <a:schemeClr val="accent6"/>
+          </a:effectRef>
+          <a:fontRef idx="minor">
+            <a:schemeClr val="lt1"/>
+          </a:fontRef>
+        </p:style>
+        <p:txBody>
+          <a:bodyPr rtlCol="0" anchor="ctr"/>
+          <a:lstStyle/>
+          <a:p>
+            <a:pPr algn="ctr"/>
+            <a:r>
+              <a:rPr lang="en-GB" sz="2200" b="1" dirty="0" err="1" smtClean="0">
+                <a:latin typeface="Consolas" pitchFamily="49" charset="0"/>
+                <a:cs typeface="Consolas" pitchFamily="49" charset="0"/>
+              </a:rPr>
+              <a:t>ifnot</a:t>
+            </a:r>
+            <a:endParaRPr lang="en-US" sz="2200" dirty="0">
+              <a:latin typeface="Consolas" pitchFamily="49" charset="0"/>
+              <a:cs typeface="Consolas" pitchFamily="49" charset="0"/>
+            </a:endParaRPr>
+          </a:p>
+        </p:txBody>
+      </p:sp>
+      <p:sp>
+        <p:nvSpPr>
+          <p:cNvPr id="37" name="Rounded Rectangle 36"/>
+          <p:cNvSpPr/>
+          <p:nvPr/>
+        </p:nvSpPr>
+        <p:spPr>
+          <a:xfrm>
+            <a:off x="1052109" y="1403377"/>
+            <a:ext cx="1512235" cy="475906"/>
+          </a:xfrm>
+          <a:prstGeom prst="roundRect">
+            <a:avLst/>
+          </a:prstGeom>
+          <a:solidFill>
+            <a:srgbClr val="DD8209"/>
+          </a:solidFill>
+          <a:ln>
+            <a:solidFill>
+              <a:srgbClr val="B45608"/>
+            </a:solidFill>
+            <a:prstDash val="dash"/>
+          </a:ln>
+          <a:effectLst>
+            <a:glow rad="101600">
+              <a:schemeClr val="accent6">
+                <a:alpha val="40000"/>
+              </a:schemeClr>
+            </a:glow>
+          </a:effectLst>
+        </p:spPr>
+        <p:style>
+          <a:lnRef idx="2">
+            <a:schemeClr val="accent6">
+              <a:shade val="50000"/>
+            </a:schemeClr>
+          </a:lnRef>
+          <a:fillRef idx="1">
+            <a:schemeClr val="accent6"/>
+          </a:fillRef>
+          <a:effectRef idx="0">
+            <a:schemeClr val="accent6"/>
+          </a:effectRef>
+          <a:fontRef idx="minor">
+            <a:schemeClr val="lt1"/>
+          </a:fontRef>
+        </p:style>
+        <p:txBody>
+          <a:bodyPr rtlCol="0" anchor="ctr"/>
+          <a:lstStyle/>
+          <a:p>
+            <a:pPr algn="ctr"/>
+            <a:r>
+              <a:rPr lang="en-GB" sz="2200" b="1" dirty="0" smtClean="0">
+                <a:latin typeface="Consolas" pitchFamily="49" charset="0"/>
+                <a:cs typeface="Consolas" pitchFamily="49" charset="0"/>
+              </a:rPr>
+              <a:t>if</a:t>
+            </a:r>
+            <a:endParaRPr lang="en-US" sz="2200" dirty="0">
+              <a:latin typeface="Consolas" pitchFamily="49" charset="0"/>
+              <a:cs typeface="Consolas" pitchFamily="49" charset="0"/>
+            </a:endParaRPr>
+          </a:p>
+        </p:txBody>
+      </p:sp>
+    </p:spTree>
+    <p:extLst>
+      <p:ext uri="{BB962C8B-B14F-4D97-AF65-F5344CB8AC3E}">
+        <p14:creationId xmlns:p14="http://schemas.microsoft.com/office/powerpoint/2010/main" val="2829888336"/>
+      </p:ext>
+    </p:extLst>
+  </p:cSld>
+  <p:clrMapOvr>
+    <a:masterClrMapping/>
+  </p:clrMapOvr>
+  <p:timing>
+    <p:tnLst>
+      <p:par>
+        <p:cTn id="1" dur="indefinite" restart="never" nodeType="tmRoot"/>
+      </p:par>
+    </p:tnLst>
+  </p:timing>
+</p:sld>
+</file>
+
+<file path=ppt/slides/slide18.xml><?xml version="1.0" encoding="utf-8"?>
+<p:sld xmlns:a="http://schemas.openxmlformats.org/drawingml/2006/main" xmlns:r="http://schemas.openxmlformats.org/officeDocument/2006/relationships" xmlns:p="http://schemas.openxmlformats.org/presentationml/2006/main">
+  <p:cSld>
+    <p:spTree>
+      <p:nvGrpSpPr>
+        <p:cNvPr id="1" name=""/>
+        <p:cNvGrpSpPr/>
+        <p:nvPr/>
+      </p:nvGrpSpPr>
+      <p:grpSpPr>
+        <a:xfrm>
+          <a:off x="0" y="0"/>
+          <a:ext cx="0" cy="0"/>
+          <a:chOff x="0" y="0"/>
+          <a:chExt cx="0" cy="0"/>
+        </a:xfrm>
+      </p:grpSpPr>
+      <p:sp>
+        <p:nvSpPr>
+          <p:cNvPr id="7" name="TextBox 6"/>
+          <p:cNvSpPr txBox="1"/>
+          <p:nvPr/>
+        </p:nvSpPr>
+        <p:spPr>
+          <a:xfrm>
+            <a:off x="2434859" y="6570921"/>
+            <a:ext cx="4550735" cy="369332"/>
+          </a:xfrm>
+          <a:prstGeom prst="rect">
+            <a:avLst/>
+          </a:prstGeom>
+          <a:noFill/>
+        </p:spPr>
+        <p:txBody>
+          <a:bodyPr wrap="square" rtlCol="0">
+            <a:spAutoFit/>
+          </a:bodyPr>
+          <a:lstStyle/>
+          <a:p>
+            <a:pPr algn="ctr"/>
+            <a:r>
+              <a:rPr lang="en-US" dirty="0" smtClean="0">
+                <a:solidFill>
+                  <a:schemeClr val="bg1">
+                    <a:lumMod val="50000"/>
+                  </a:schemeClr>
+                </a:solidFill>
+              </a:rPr>
+              <a:t>@</a:t>
+            </a:r>
+            <a:r>
+              <a:rPr lang="en-US" dirty="0" err="1" smtClean="0">
+                <a:solidFill>
+                  <a:schemeClr val="bg1">
+                    <a:lumMod val="50000"/>
+                  </a:schemeClr>
+                </a:solidFill>
+              </a:rPr>
+              <a:t>keburnell</a:t>
+            </a:r>
+            <a:r>
+              <a:rPr lang="en-US" dirty="0" smtClean="0">
+                <a:solidFill>
+                  <a:schemeClr val="bg1">
+                    <a:lumMod val="50000"/>
+                  </a:schemeClr>
+                </a:solidFill>
+              </a:rPr>
+              <a:t>  ∙  DotNetDevDude.com</a:t>
+            </a:r>
+            <a:endParaRPr lang="en-US" dirty="0">
+              <a:solidFill>
+                <a:schemeClr val="bg1">
+                  <a:lumMod val="50000"/>
+                </a:schemeClr>
+              </a:solidFill>
+            </a:endParaRPr>
+          </a:p>
+        </p:txBody>
+      </p:sp>
+      <p:sp>
+        <p:nvSpPr>
+          <p:cNvPr id="5" name="Rectangle 2"/>
+          <p:cNvSpPr>
+            <a:spLocks noGrp="1" noChangeArrowheads="1"/>
+          </p:cNvSpPr>
+          <p:nvPr>
+            <p:ph type="title"/>
+          </p:nvPr>
+        </p:nvSpPr>
+        <p:spPr>
+          <a:xfrm>
+            <a:off x="571500" y="381000"/>
+            <a:ext cx="8534399" cy="941388"/>
+          </a:xfrm>
+        </p:spPr>
+        <p:txBody>
+          <a:bodyPr/>
+          <a:lstStyle/>
+          <a:p>
+            <a:pPr marL="0" indent="0"/>
+            <a:r>
+              <a:rPr lang="en-US" dirty="0" smtClean="0">
+                <a:sym typeface="Wingdings" pitchFamily="2" charset="2"/>
+              </a:rPr>
+              <a:t>Control Flow</a:t>
+            </a:r>
+            <a:endParaRPr lang="en-US" b="1" dirty="0">
+              <a:sym typeface="Wingdings" pitchFamily="2" charset="2"/>
+            </a:endParaRPr>
+          </a:p>
+        </p:txBody>
+      </p:sp>
+      <p:pic>
+        <p:nvPicPr>
+          <p:cNvPr id="5122" name="Picture 2" descr="http://jaybot7.com/blog/wp-content/uploads/2010/10/demodude.png"/>
+          <p:cNvPicPr>
+            <a:picLocks noChangeAspect="1" noChangeArrowheads="1"/>
+          </p:cNvPicPr>
+          <p:nvPr/>
+        </p:nvPicPr>
+        <p:blipFill>
+          <a:blip r:embed="rId3">
+            <a:extLst>
+              <a:ext uri="{28A0092B-C50C-407E-A947-70E740481C1C}">
+                <a14:useLocalDpi xmlns:a14="http://schemas.microsoft.com/office/drawing/2010/main" val="0"/>
+              </a:ext>
+            </a:extLst>
+          </a:blip>
+          <a:srcRect/>
+          <a:stretch>
+            <a:fillRect/>
+          </a:stretch>
+        </p:blipFill>
+        <p:spPr bwMode="auto">
+          <a:xfrm>
+            <a:off x="2434859" y="1815252"/>
+            <a:ext cx="6191250" cy="2733676"/>
+          </a:xfrm>
+          <a:prstGeom prst="rect">
+            <a:avLst/>
+          </a:prstGeom>
+          <a:noFill/>
+          <a:extLst>
+            <a:ext uri="{909E8E84-426E-40DD-AFC4-6F175D3DCCD1}">
+              <a14:hiddenFill xmlns:a14="http://schemas.microsoft.com/office/drawing/2010/main">
+                <a:solidFill>
+                  <a:srgbClr val="FFFFFF"/>
+                </a:solidFill>
+              </a14:hiddenFill>
+            </a:ext>
+          </a:extLst>
+        </p:spPr>
+      </p:pic>
+    </p:spTree>
+    <p:extLst>
+      <p:ext uri="{BB962C8B-B14F-4D97-AF65-F5344CB8AC3E}">
+        <p14:creationId xmlns:p14="http://schemas.microsoft.com/office/powerpoint/2010/main" val="3661048084"/>
+      </p:ext>
+    </p:extLst>
+  </p:cSld>
+  <p:clrMapOvr>
+    <a:masterClrMapping/>
+  </p:clrMapOvr>
+  <p:timing>
+    <p:tnLst>
+      <p:par>
+        <p:cTn id="1" dur="indefinite" restart="never" nodeType="tmRoot"/>
+      </p:par>
+    </p:tnLst>
+  </p:timing>
+</p:sld>
+</file>
+
+<file path=ppt/slides/slide19.xml><?xml version="1.0" encoding="utf-8"?>
+<p:sld xmlns:a="http://schemas.openxmlformats.org/drawingml/2006/main" xmlns:r="http://schemas.openxmlformats.org/officeDocument/2006/relationships" xmlns:p="http://schemas.openxmlformats.org/presentationml/2006/main">
+  <p:cSld>
+    <p:spTree>
+      <p:nvGrpSpPr>
+        <p:cNvPr id="1" name=""/>
+        <p:cNvGrpSpPr/>
+        <p:nvPr/>
+      </p:nvGrpSpPr>
+      <p:grpSpPr>
+        <a:xfrm>
+          <a:off x="0" y="0"/>
+          <a:ext cx="0" cy="0"/>
+          <a:chOff x="0" y="0"/>
+          <a:chExt cx="0" cy="0"/>
+        </a:xfrm>
+      </p:grpSpPr>
+      <p:sp>
+        <p:nvSpPr>
+          <p:cNvPr id="7" name="TextBox 6"/>
+          <p:cNvSpPr txBox="1"/>
+          <p:nvPr/>
+        </p:nvSpPr>
+        <p:spPr>
+          <a:xfrm>
+            <a:off x="2434859" y="6570921"/>
+            <a:ext cx="4550735" cy="369332"/>
+          </a:xfrm>
+          <a:prstGeom prst="rect">
+            <a:avLst/>
+          </a:prstGeom>
+          <a:noFill/>
+        </p:spPr>
+        <p:txBody>
+          <a:bodyPr wrap="square" rtlCol="0">
+            <a:spAutoFit/>
+          </a:bodyPr>
+          <a:lstStyle/>
+          <a:p>
+            <a:pPr algn="ctr"/>
+            <a:r>
+              <a:rPr lang="en-US" dirty="0" smtClean="0">
+                <a:solidFill>
+                  <a:schemeClr val="bg1">
+                    <a:lumMod val="50000"/>
+                  </a:schemeClr>
+                </a:solidFill>
+              </a:rPr>
+              <a:t>@</a:t>
+            </a:r>
+            <a:r>
+              <a:rPr lang="en-US" dirty="0" err="1" smtClean="0">
+                <a:solidFill>
+                  <a:schemeClr val="bg1">
+                    <a:lumMod val="50000"/>
+                  </a:schemeClr>
+                </a:solidFill>
+              </a:rPr>
+              <a:t>keburnell</a:t>
+            </a:r>
+            <a:r>
+              <a:rPr lang="en-US" dirty="0" smtClean="0">
+                <a:solidFill>
+                  <a:schemeClr val="bg1">
+                    <a:lumMod val="50000"/>
+                  </a:schemeClr>
+                </a:solidFill>
+              </a:rPr>
+              <a:t>  ∙  DotNetDevDude.com</a:t>
+            </a:r>
+            <a:endParaRPr lang="en-US" dirty="0">
+              <a:solidFill>
+                <a:schemeClr val="bg1">
+                  <a:lumMod val="50000"/>
+                </a:schemeClr>
+              </a:solidFill>
+            </a:endParaRPr>
+          </a:p>
+        </p:txBody>
+      </p:sp>
+      <p:sp>
+        <p:nvSpPr>
+          <p:cNvPr id="5" name="Rectangle 2"/>
+          <p:cNvSpPr>
+            <a:spLocks noGrp="1" noChangeArrowheads="1"/>
+          </p:cNvSpPr>
+          <p:nvPr>
+            <p:ph type="title"/>
+          </p:nvPr>
+        </p:nvSpPr>
+        <p:spPr>
+          <a:xfrm>
+            <a:off x="571500" y="381000"/>
+            <a:ext cx="8534399" cy="941388"/>
+          </a:xfrm>
+        </p:spPr>
+        <p:txBody>
+          <a:bodyPr/>
+          <a:lstStyle/>
+          <a:p>
+            <a:pPr marL="0" indent="0"/>
+            <a:r>
+              <a:rPr lang="en-US" dirty="0" smtClean="0">
+                <a:sym typeface="Wingdings" pitchFamily="2" charset="2"/>
+              </a:rPr>
+              <a:t>Control Flow</a:t>
+            </a:r>
+            <a:endParaRPr lang="en-US" b="1" dirty="0">
+              <a:sym typeface="Wingdings" pitchFamily="2" charset="2"/>
+            </a:endParaRPr>
+          </a:p>
+        </p:txBody>
+      </p:sp>
+      <p:pic>
+        <p:nvPicPr>
+          <p:cNvPr id="6146" name="Picture 2" descr="http://rukkle.com/wp-content/uploads/what-we-learned-rukkle-620X4002.jpg"/>
+          <p:cNvPicPr>
+            <a:picLocks noChangeAspect="1" noChangeArrowheads="1"/>
+          </p:cNvPicPr>
+          <p:nvPr/>
+        </p:nvPicPr>
+        <p:blipFill>
+          <a:blip r:embed="rId3">
+            <a:extLst>
+              <a:ext uri="{28A0092B-C50C-407E-A947-70E740481C1C}">
+                <a14:useLocalDpi xmlns:a14="http://schemas.microsoft.com/office/drawing/2010/main" val="0"/>
+              </a:ext>
+            </a:extLst>
+          </a:blip>
+          <a:srcRect/>
+          <a:stretch>
+            <a:fillRect/>
+          </a:stretch>
+        </p:blipFill>
+        <p:spPr bwMode="auto">
+          <a:xfrm>
+            <a:off x="1757476" y="1819922"/>
+            <a:ext cx="5905500" cy="3810000"/>
+          </a:xfrm>
+          <a:prstGeom prst="rect">
+            <a:avLst/>
+          </a:prstGeom>
+          <a:noFill/>
+          <a:extLst>
+            <a:ext uri="{909E8E84-426E-40DD-AFC4-6F175D3DCCD1}">
+              <a14:hiddenFill xmlns:a14="http://schemas.microsoft.com/office/drawing/2010/main">
+                <a:solidFill>
+                  <a:srgbClr val="FFFFFF"/>
+                </a:solidFill>
+              </a14:hiddenFill>
+            </a:ext>
+          </a:extLst>
+        </p:spPr>
+      </p:pic>
+    </p:spTree>
+    <p:extLst>
+      <p:ext uri="{BB962C8B-B14F-4D97-AF65-F5344CB8AC3E}">
+        <p14:creationId xmlns:p14="http://schemas.microsoft.com/office/powerpoint/2010/main" val="2218818270"/>
+      </p:ext>
+    </p:extLst>
+  </p:cSld>
+  <p:clrMapOvr>
+    <a:masterClrMapping/>
+  </p:clrMapOvr>
+  <p:timing>
+    <p:tnLst>
+      <p:par>
+        <p:cTn id="1" dur="indefinite" restart="never" nodeType="tmRoot"/>
+      </p:par>
+    </p:tnLst>
+  </p:timing>
+</p:sld>
+</file>
+
+<file path=ppt/slides/slide2.xml><?xml version="1.0" encoding="utf-8"?>
+<p:sld xmlns:a="http://schemas.openxmlformats.org/drawingml/2006/main" xmlns:r="http://schemas.openxmlformats.org/officeDocument/2006/relationships" xmlns:p="http://schemas.openxmlformats.org/presentationml/2006/main">
+  <p:cSld>
+    <p:spTree>
+      <p:nvGrpSpPr>
+        <p:cNvPr id="1" name=""/>
+        <p:cNvGrpSpPr/>
+        <p:nvPr/>
+      </p:nvGrpSpPr>
+      <p:grpSpPr>
+        <a:xfrm>
+          <a:off x="0" y="0"/>
+          <a:ext cx="0" cy="0"/>
+          <a:chOff x="0" y="0"/>
+          <a:chExt cx="0" cy="0"/>
+        </a:xfrm>
+      </p:grpSpPr>
+      <p:sp>
+        <p:nvSpPr>
+          <p:cNvPr id="17" name="Rectangle 2"/>
+          <p:cNvSpPr>
+            <a:spLocks noGrp="1" noChangeArrowheads="1"/>
+          </p:cNvSpPr>
+          <p:nvPr>
+            <p:ph type="title"/>
+          </p:nvPr>
+        </p:nvSpPr>
+        <p:spPr>
+          <a:xfrm>
+            <a:off x="893763" y="381000"/>
+            <a:ext cx="7369175" cy="941388"/>
+          </a:xfrm>
+        </p:spPr>
+        <p:txBody>
+          <a:bodyPr/>
+          <a:lstStyle/>
+          <a:p>
+            <a:pPr>
+              <a:defRPr/>
+            </a:pPr>
+            <a:r>
+              <a:rPr lang="en-US" dirty="0" smtClean="0"/>
+              <a:t>Little about me</a:t>
+            </a:r>
+          </a:p>
+        </p:txBody>
+      </p:sp>
+      <p:sp>
+        <p:nvSpPr>
+          <p:cNvPr id="18" name="Rectangle 3"/>
+          <p:cNvSpPr txBox="1">
+            <a:spLocks noChangeArrowheads="1"/>
+          </p:cNvSpPr>
+          <p:nvPr/>
+        </p:nvSpPr>
+        <p:spPr bwMode="auto">
+          <a:xfrm>
+            <a:off x="900113" y="1484313"/>
+            <a:ext cx="8159750" cy="4770437"/>
+          </a:xfrm>
+          <a:prstGeom prst="rect">
+            <a:avLst/>
+          </a:prstGeom>
+          <a:noFill/>
+          <a:ln w="9525">
+            <a:noFill/>
+            <a:miter lim="800000"/>
+            <a:headEnd/>
+            <a:tailEnd/>
+          </a:ln>
+        </p:spPr>
+        <p:txBody>
+          <a:bodyPr vert="horz" wrap="square" lIns="96646" tIns="48323" rIns="96646" bIns="48323" numCol="1" anchor="t" anchorCtr="0" compatLnSpc="1">
+            <a:prstTxWarp prst="textNoShape">
+              <a:avLst/>
+            </a:prstTxWarp>
+          </a:bodyPr>
+          <a:lstStyle>
+            <a:lvl1pPr marL="363538" indent="-363538" algn="l" defTabSz="966788" rtl="0" eaLnBrk="1" fontAlgn="base" hangingPunct="1">
+              <a:spcBef>
+                <a:spcPct val="20000"/>
+              </a:spcBef>
+              <a:spcAft>
+                <a:spcPct val="0"/>
+              </a:spcAft>
+              <a:buChar char="•"/>
+              <a:defRPr sz="2900">
+                <a:solidFill>
+                  <a:schemeClr val="tx1"/>
+                </a:solidFill>
+                <a:latin typeface="+mn-lt"/>
+                <a:ea typeface="+mn-ea"/>
+                <a:cs typeface="+mn-cs"/>
+              </a:defRPr>
+            </a:lvl1pPr>
+            <a:lvl2pPr marL="784225" indent="-301625" algn="l" defTabSz="966788" rtl="0" eaLnBrk="1" fontAlgn="base" hangingPunct="1">
+              <a:spcBef>
+                <a:spcPct val="20000"/>
+              </a:spcBef>
+              <a:spcAft>
+                <a:spcPct val="0"/>
+              </a:spcAft>
+              <a:buChar char="–"/>
+              <a:defRPr sz="2600">
+                <a:solidFill>
+                  <a:schemeClr val="tx1"/>
+                </a:solidFill>
+                <a:latin typeface="+mn-lt"/>
+              </a:defRPr>
+            </a:lvl2pPr>
+            <a:lvl3pPr marL="1208088" indent="-241300" algn="l" defTabSz="966788" rtl="0" eaLnBrk="1" fontAlgn="base" hangingPunct="1">
+              <a:spcBef>
+                <a:spcPct val="20000"/>
+              </a:spcBef>
+              <a:spcAft>
+                <a:spcPct val="0"/>
+              </a:spcAft>
+              <a:buChar char="•"/>
+              <a:defRPr sz="2100">
+                <a:solidFill>
+                  <a:schemeClr val="tx1"/>
+                </a:solidFill>
+                <a:latin typeface="+mn-lt"/>
+              </a:defRPr>
+            </a:lvl3pPr>
+            <a:lvl4pPr marL="1689100" indent="-238125" algn="l" defTabSz="966788" rtl="0" eaLnBrk="1" fontAlgn="base" hangingPunct="1">
+              <a:spcBef>
+                <a:spcPct val="20000"/>
+              </a:spcBef>
+              <a:spcAft>
+                <a:spcPct val="0"/>
+              </a:spcAft>
+              <a:buChar char="–"/>
+              <a:defRPr sz="2100">
+                <a:solidFill>
+                  <a:schemeClr val="tx1"/>
+                </a:solidFill>
+                <a:latin typeface="+mn-lt"/>
+              </a:defRPr>
+            </a:lvl4pPr>
+            <a:lvl5pPr marL="2174875" indent="-241300" algn="l" defTabSz="966788" rtl="0" eaLnBrk="1" fontAlgn="base" hangingPunct="1">
+              <a:spcBef>
+                <a:spcPct val="20000"/>
+              </a:spcBef>
+              <a:spcAft>
+                <a:spcPct val="0"/>
+              </a:spcAft>
+              <a:buChar char="»"/>
+              <a:defRPr sz="2100">
+                <a:solidFill>
+                  <a:schemeClr val="tx1"/>
+                </a:solidFill>
+                <a:latin typeface="+mn-lt"/>
+              </a:defRPr>
+            </a:lvl5pPr>
+            <a:lvl6pPr marL="2632075" indent="-241300" algn="l" defTabSz="966788" rtl="0" eaLnBrk="1" fontAlgn="base" hangingPunct="1">
+              <a:spcBef>
+                <a:spcPct val="20000"/>
+              </a:spcBef>
+              <a:spcAft>
+                <a:spcPct val="0"/>
+              </a:spcAft>
+              <a:buChar char="»"/>
+              <a:defRPr sz="2100">
+                <a:solidFill>
+                  <a:schemeClr val="tx1"/>
+                </a:solidFill>
+                <a:latin typeface="+mn-lt"/>
+              </a:defRPr>
+            </a:lvl6pPr>
+            <a:lvl7pPr marL="3089275" indent="-241300" algn="l" defTabSz="966788" rtl="0" eaLnBrk="1" fontAlgn="base" hangingPunct="1">
+              <a:spcBef>
+                <a:spcPct val="20000"/>
+              </a:spcBef>
+              <a:spcAft>
+                <a:spcPct val="0"/>
+              </a:spcAft>
+              <a:buChar char="»"/>
+              <a:defRPr sz="2100">
+                <a:solidFill>
+                  <a:schemeClr val="tx1"/>
+                </a:solidFill>
+                <a:latin typeface="+mn-lt"/>
+              </a:defRPr>
+            </a:lvl7pPr>
+            <a:lvl8pPr marL="3546475" indent="-241300" algn="l" defTabSz="966788" rtl="0" eaLnBrk="1" fontAlgn="base" hangingPunct="1">
+              <a:spcBef>
+                <a:spcPct val="20000"/>
+              </a:spcBef>
+              <a:spcAft>
+                <a:spcPct val="0"/>
+              </a:spcAft>
+              <a:buChar char="»"/>
+              <a:defRPr sz="2100">
+                <a:solidFill>
+                  <a:schemeClr val="tx1"/>
+                </a:solidFill>
+                <a:latin typeface="+mn-lt"/>
+              </a:defRPr>
+            </a:lvl8pPr>
+            <a:lvl9pPr marL="4003675" indent="-241300" algn="l" defTabSz="966788" rtl="0" eaLnBrk="1" fontAlgn="base" hangingPunct="1">
+              <a:spcBef>
+                <a:spcPct val="20000"/>
+              </a:spcBef>
+              <a:spcAft>
+                <a:spcPct val="0"/>
+              </a:spcAft>
+              <a:buChar char="»"/>
+              <a:defRPr sz="2100">
+                <a:solidFill>
+                  <a:schemeClr val="tx1"/>
+                </a:solidFill>
+                <a:latin typeface="+mn-lt"/>
+              </a:defRPr>
+            </a:lvl9pPr>
+          </a:lstStyle>
+          <a:p>
+            <a:r>
+              <a:rPr lang="en-US" sz="2400" dirty="0" smtClean="0"/>
+              <a:t>Senior Software </a:t>
+            </a:r>
+            <a:r>
+              <a:rPr lang="en-US" sz="2400" dirty="0" smtClean="0"/>
+              <a:t>Engineer @ Skyline </a:t>
+            </a:r>
+            <a:r>
+              <a:rPr lang="en-US" sz="2400" dirty="0" smtClean="0"/>
+              <a:t>Technologies</a:t>
+            </a:r>
+            <a:endParaRPr lang="en-US" sz="2400" dirty="0"/>
+          </a:p>
+          <a:p>
+            <a:r>
+              <a:rPr lang="en-US" sz="2400" dirty="0" smtClean="0"/>
+              <a:t>Been </a:t>
+            </a:r>
+            <a:r>
+              <a:rPr lang="en-US" sz="2400" dirty="0" smtClean="0"/>
+              <a:t>developing software for </a:t>
+            </a:r>
+            <a:r>
+              <a:rPr lang="en-US" sz="2400" dirty="0" smtClean="0"/>
+              <a:t>15+ </a:t>
+            </a:r>
+            <a:r>
+              <a:rPr lang="en-US" sz="2400" dirty="0" smtClean="0"/>
+              <a:t>years</a:t>
+            </a:r>
+          </a:p>
+          <a:p>
+            <a:r>
+              <a:rPr lang="en-US" sz="2400" dirty="0" smtClean="0"/>
+              <a:t>Work </a:t>
+            </a:r>
+            <a:r>
+              <a:rPr lang="en-US" sz="2400" dirty="0" smtClean="0"/>
+              <a:t>on the Microsoft stack</a:t>
+            </a:r>
+            <a:r>
+              <a:rPr lang="en-US" sz="2400" dirty="0" smtClean="0"/>
+              <a:t>.</a:t>
+            </a:r>
+            <a:endParaRPr lang="en-US" sz="2400" dirty="0" smtClean="0"/>
+          </a:p>
+          <a:p>
+            <a:r>
+              <a:rPr lang="en-US" sz="2400" dirty="0" smtClean="0"/>
+              <a:t>Spend majority of time developing Web *stuff*.</a:t>
+            </a:r>
+          </a:p>
+          <a:p>
+            <a:r>
+              <a:rPr lang="en-US" sz="2400" dirty="0" smtClean="0"/>
+              <a:t>President </a:t>
+            </a:r>
+            <a:r>
+              <a:rPr lang="en-US" sz="2400" dirty="0" smtClean="0"/>
+              <a:t>of Fox Valley .NET UG.</a:t>
+            </a:r>
+          </a:p>
+          <a:p>
+            <a:r>
+              <a:rPr lang="en-US" sz="2400" dirty="0" smtClean="0"/>
+              <a:t>INETA Speaker.</a:t>
+            </a:r>
+          </a:p>
+          <a:p>
+            <a:r>
+              <a:rPr lang="en-US" sz="2400" dirty="0" smtClean="0"/>
+              <a:t>Blogger: DotNetDevDude.com</a:t>
+            </a:r>
+            <a:endParaRPr lang="en-US" sz="2400" dirty="0" smtClean="0"/>
+          </a:p>
+          <a:p>
+            <a:r>
+              <a:rPr lang="en-US" sz="2400" dirty="0" smtClean="0"/>
+              <a:t>Twitter(</a:t>
+            </a:r>
+            <a:r>
+              <a:rPr lang="en-US" sz="2400" dirty="0" err="1" smtClean="0"/>
+              <a:t>er</a:t>
+            </a:r>
+            <a:r>
+              <a:rPr lang="en-US" sz="2400" dirty="0" smtClean="0"/>
+              <a:t>): </a:t>
+            </a:r>
+            <a:r>
+              <a:rPr lang="en-US" sz="2400" dirty="0" smtClean="0"/>
+              <a:t>@</a:t>
+            </a:r>
+            <a:r>
+              <a:rPr lang="en-US" sz="2400" dirty="0" err="1" smtClean="0"/>
+              <a:t>keburnell</a:t>
+            </a:r>
+            <a:endParaRPr lang="en-US" sz="2400" dirty="0" smtClean="0"/>
+          </a:p>
+        </p:txBody>
+      </p:sp>
+      <p:sp>
+        <p:nvSpPr>
+          <p:cNvPr id="19" name="TextBox 18"/>
+          <p:cNvSpPr txBox="1"/>
+          <p:nvPr/>
+        </p:nvSpPr>
+        <p:spPr>
+          <a:xfrm>
+            <a:off x="2434859" y="6570921"/>
+            <a:ext cx="4550735" cy="369332"/>
+          </a:xfrm>
+          <a:prstGeom prst="rect">
+            <a:avLst/>
+          </a:prstGeom>
+          <a:noFill/>
+        </p:spPr>
+        <p:txBody>
+          <a:bodyPr wrap="square" rtlCol="0">
+            <a:spAutoFit/>
+          </a:bodyPr>
+          <a:lstStyle/>
+          <a:p>
+            <a:pPr algn="ctr"/>
+            <a:r>
+              <a:rPr lang="en-US" dirty="0" smtClean="0">
+                <a:solidFill>
+                  <a:schemeClr val="bg1">
+                    <a:lumMod val="50000"/>
+                  </a:schemeClr>
+                </a:solidFill>
+              </a:rPr>
+              <a:t>@</a:t>
+            </a:r>
+            <a:r>
+              <a:rPr lang="en-US" dirty="0" err="1" smtClean="0">
+                <a:solidFill>
+                  <a:schemeClr val="bg1">
+                    <a:lumMod val="50000"/>
+                  </a:schemeClr>
+                </a:solidFill>
+              </a:rPr>
+              <a:t>keburnell</a:t>
+            </a:r>
+            <a:r>
+              <a:rPr lang="en-US" dirty="0" smtClean="0">
+                <a:solidFill>
+                  <a:schemeClr val="bg1">
+                    <a:lumMod val="50000"/>
+                  </a:schemeClr>
+                </a:solidFill>
+              </a:rPr>
+              <a:t>  ∙  DotNetDevDude.com</a:t>
+            </a:r>
+            <a:endParaRPr lang="en-US" dirty="0">
+              <a:solidFill>
+                <a:schemeClr val="bg1">
+                  <a:lumMod val="50000"/>
+                </a:schemeClr>
+              </a:solidFill>
+            </a:endParaRPr>
+          </a:p>
+        </p:txBody>
+      </p:sp>
+    </p:spTree>
+  </p:cSld>
+  <p:clrMapOvr>
+    <a:masterClrMapping/>
+  </p:clrMapOvr>
+  <p:timing>
+    <p:tnLst>
+      <p:par>
+        <p:cTn id="1" dur="indefinite" restart="never" nodeType="tmRoot"/>
+      </p:par>
+    </p:tnLst>
+  </p:timing>
+</p:sld>
+</file>
+
+<file path=ppt/slides/slide20.xml><?xml version="1.0" encoding="utf-8"?>
+<p:sld xmlns:a="http://schemas.openxmlformats.org/drawingml/2006/main" xmlns:r="http://schemas.openxmlformats.org/officeDocument/2006/relationships" xmlns:p="http://schemas.openxmlformats.org/presentationml/2006/main">
+  <p:cSld>
+    <p:spTree>
+      <p:nvGrpSpPr>
+        <p:cNvPr id="1" name=""/>
+        <p:cNvGrpSpPr/>
+        <p:nvPr/>
+      </p:nvGrpSpPr>
+      <p:grpSpPr>
+        <a:xfrm>
+          <a:off x="0" y="0"/>
+          <a:ext cx="0" cy="0"/>
+          <a:chOff x="0" y="0"/>
+          <a:chExt cx="0" cy="0"/>
+        </a:xfrm>
+      </p:grpSpPr>
+      <p:sp>
+        <p:nvSpPr>
+          <p:cNvPr id="7" name="TextBox 6"/>
+          <p:cNvSpPr txBox="1"/>
+          <p:nvPr/>
+        </p:nvSpPr>
+        <p:spPr>
+          <a:xfrm>
+            <a:off x="2434859" y="6570921"/>
+            <a:ext cx="4550735" cy="369332"/>
+          </a:xfrm>
+          <a:prstGeom prst="rect">
+            <a:avLst/>
+          </a:prstGeom>
+          <a:noFill/>
+        </p:spPr>
+        <p:txBody>
+          <a:bodyPr wrap="square" rtlCol="0">
+            <a:spAutoFit/>
+          </a:bodyPr>
+          <a:lstStyle/>
+          <a:p>
+            <a:pPr algn="ctr"/>
+            <a:r>
+              <a:rPr lang="en-US" dirty="0" smtClean="0">
+                <a:solidFill>
+                  <a:schemeClr val="bg1">
+                    <a:lumMod val="50000"/>
+                  </a:schemeClr>
+                </a:solidFill>
+              </a:rPr>
+              <a:t>@</a:t>
+            </a:r>
+            <a:r>
+              <a:rPr lang="en-US" dirty="0" err="1" smtClean="0">
+                <a:solidFill>
+                  <a:schemeClr val="bg1">
+                    <a:lumMod val="50000"/>
+                  </a:schemeClr>
+                </a:solidFill>
+              </a:rPr>
+              <a:t>keburnell</a:t>
+            </a:r>
+            <a:r>
+              <a:rPr lang="en-US" dirty="0" smtClean="0">
+                <a:solidFill>
+                  <a:schemeClr val="bg1">
+                    <a:lumMod val="50000"/>
+                  </a:schemeClr>
+                </a:solidFill>
+              </a:rPr>
+              <a:t>  ∙  DotNetDevDude.com</a:t>
+            </a:r>
+            <a:endParaRPr lang="en-US" dirty="0">
+              <a:solidFill>
+                <a:schemeClr val="bg1">
+                  <a:lumMod val="50000"/>
+                </a:schemeClr>
+              </a:solidFill>
+            </a:endParaRPr>
+          </a:p>
+        </p:txBody>
+      </p:sp>
+      <p:sp>
+        <p:nvSpPr>
+          <p:cNvPr id="5" name="Rectangle 2"/>
+          <p:cNvSpPr>
+            <a:spLocks noGrp="1" noChangeArrowheads="1"/>
+          </p:cNvSpPr>
+          <p:nvPr>
+            <p:ph type="title"/>
+          </p:nvPr>
+        </p:nvSpPr>
+        <p:spPr>
+          <a:xfrm>
+            <a:off x="571500" y="381000"/>
+            <a:ext cx="8534399" cy="941388"/>
+          </a:xfrm>
+        </p:spPr>
+        <p:txBody>
+          <a:bodyPr/>
+          <a:lstStyle/>
+          <a:p>
+            <a:pPr marL="0" indent="0"/>
+            <a:r>
+              <a:rPr lang="en-US" dirty="0" smtClean="0">
+                <a:sym typeface="Wingdings" pitchFamily="2" charset="2"/>
+              </a:rPr>
+              <a:t>Form Bindings</a:t>
             </a:r>
             <a:endParaRPr lang="en-US" b="1" dirty="0">
               <a:sym typeface="Wingdings" pitchFamily="2" charset="2"/>
@@ -8789,7 +10667,355 @@
 </p:sld>
 </file>
 
-<file path=ppt/slides/slide17.xml><?xml version="1.0" encoding="utf-8"?>
+<file path=ppt/slides/slide21.xml><?xml version="1.0" encoding="utf-8"?>
+<p:sld xmlns:a="http://schemas.openxmlformats.org/drawingml/2006/main" xmlns:r="http://schemas.openxmlformats.org/officeDocument/2006/relationships" xmlns:p="http://schemas.openxmlformats.org/presentationml/2006/main">
+  <p:cSld>
+    <p:spTree>
+      <p:nvGrpSpPr>
+        <p:cNvPr id="1" name=""/>
+        <p:cNvGrpSpPr/>
+        <p:nvPr/>
+      </p:nvGrpSpPr>
+      <p:grpSpPr>
+        <a:xfrm>
+          <a:off x="0" y="0"/>
+          <a:ext cx="0" cy="0"/>
+          <a:chOff x="0" y="0"/>
+          <a:chExt cx="0" cy="0"/>
+        </a:xfrm>
+      </p:grpSpPr>
+      <p:sp>
+        <p:nvSpPr>
+          <p:cNvPr id="7" name="TextBox 6"/>
+          <p:cNvSpPr txBox="1"/>
+          <p:nvPr/>
+        </p:nvSpPr>
+        <p:spPr>
+          <a:xfrm>
+            <a:off x="2434859" y="6570921"/>
+            <a:ext cx="4550735" cy="369332"/>
+          </a:xfrm>
+          <a:prstGeom prst="rect">
+            <a:avLst/>
+          </a:prstGeom>
+          <a:noFill/>
+        </p:spPr>
+        <p:txBody>
+          <a:bodyPr wrap="square" rtlCol="0">
+            <a:spAutoFit/>
+          </a:bodyPr>
+          <a:lstStyle/>
+          <a:p>
+            <a:pPr algn="ctr"/>
+            <a:r>
+              <a:rPr lang="en-US" dirty="0" smtClean="0">
+                <a:solidFill>
+                  <a:schemeClr val="bg1">
+                    <a:lumMod val="50000"/>
+                  </a:schemeClr>
+                </a:solidFill>
+              </a:rPr>
+              <a:t>@</a:t>
+            </a:r>
+            <a:r>
+              <a:rPr lang="en-US" dirty="0" err="1" smtClean="0">
+                <a:solidFill>
+                  <a:schemeClr val="bg1">
+                    <a:lumMod val="50000"/>
+                  </a:schemeClr>
+                </a:solidFill>
+              </a:rPr>
+              <a:t>keburnell</a:t>
+            </a:r>
+            <a:r>
+              <a:rPr lang="en-US" dirty="0" smtClean="0">
+                <a:solidFill>
+                  <a:schemeClr val="bg1">
+                    <a:lumMod val="50000"/>
+                  </a:schemeClr>
+                </a:solidFill>
+              </a:rPr>
+              <a:t>  ∙  DotNetDevDude.com</a:t>
+            </a:r>
+            <a:endParaRPr lang="en-US" dirty="0">
+              <a:solidFill>
+                <a:schemeClr val="bg1">
+                  <a:lumMod val="50000"/>
+                </a:schemeClr>
+              </a:solidFill>
+            </a:endParaRPr>
+          </a:p>
+        </p:txBody>
+      </p:sp>
+      <p:sp>
+        <p:nvSpPr>
+          <p:cNvPr id="5" name="Rectangle 2"/>
+          <p:cNvSpPr>
+            <a:spLocks noGrp="1" noChangeArrowheads="1"/>
+          </p:cNvSpPr>
+          <p:nvPr>
+            <p:ph type="title"/>
+          </p:nvPr>
+        </p:nvSpPr>
+        <p:spPr>
+          <a:xfrm>
+            <a:off x="571500" y="381000"/>
+            <a:ext cx="8534399" cy="941388"/>
+          </a:xfrm>
+        </p:spPr>
+        <p:txBody>
+          <a:bodyPr/>
+          <a:lstStyle/>
+          <a:p>
+            <a:pPr marL="0" indent="0"/>
+            <a:r>
+              <a:rPr lang="en-US" dirty="0" smtClean="0">
+                <a:sym typeface="Wingdings" pitchFamily="2" charset="2"/>
+              </a:rPr>
+              <a:t>Form Bindings</a:t>
+            </a:r>
+            <a:endParaRPr lang="en-US" b="1" dirty="0">
+              <a:sym typeface="Wingdings" pitchFamily="2" charset="2"/>
+            </a:endParaRPr>
+          </a:p>
+        </p:txBody>
+      </p:sp>
+      <p:pic>
+        <p:nvPicPr>
+          <p:cNvPr id="5122" name="Picture 2" descr="http://jaybot7.com/blog/wp-content/uploads/2010/10/demodude.png"/>
+          <p:cNvPicPr>
+            <a:picLocks noChangeAspect="1" noChangeArrowheads="1"/>
+          </p:cNvPicPr>
+          <p:nvPr/>
+        </p:nvPicPr>
+        <p:blipFill>
+          <a:blip r:embed="rId3">
+            <a:extLst>
+              <a:ext uri="{28A0092B-C50C-407E-A947-70E740481C1C}">
+                <a14:useLocalDpi xmlns:a14="http://schemas.microsoft.com/office/drawing/2010/main" val="0"/>
+              </a:ext>
+            </a:extLst>
+          </a:blip>
+          <a:srcRect/>
+          <a:stretch>
+            <a:fillRect/>
+          </a:stretch>
+        </p:blipFill>
+        <p:spPr bwMode="auto">
+          <a:xfrm>
+            <a:off x="2434859" y="1815252"/>
+            <a:ext cx="6191250" cy="2733676"/>
+          </a:xfrm>
+          <a:prstGeom prst="rect">
+            <a:avLst/>
+          </a:prstGeom>
+          <a:noFill/>
+          <a:extLst>
+            <a:ext uri="{909E8E84-426E-40DD-AFC4-6F175D3DCCD1}">
+              <a14:hiddenFill xmlns:a14="http://schemas.microsoft.com/office/drawing/2010/main">
+                <a:solidFill>
+                  <a:srgbClr val="FFFFFF"/>
+                </a:solidFill>
+              </a14:hiddenFill>
+            </a:ext>
+          </a:extLst>
+        </p:spPr>
+      </p:pic>
+    </p:spTree>
+    <p:extLst>
+      <p:ext uri="{BB962C8B-B14F-4D97-AF65-F5344CB8AC3E}">
+        <p14:creationId xmlns:p14="http://schemas.microsoft.com/office/powerpoint/2010/main" val="3661048084"/>
+      </p:ext>
+    </p:extLst>
+  </p:cSld>
+  <p:clrMapOvr>
+    <a:masterClrMapping/>
+  </p:clrMapOvr>
+  <p:timing>
+    <p:tnLst>
+      <p:par>
+        <p:cTn id="1" dur="indefinite" restart="never" nodeType="tmRoot"/>
+      </p:par>
+    </p:tnLst>
+  </p:timing>
+</p:sld>
+</file>
+
+<file path=ppt/slides/slide22.xml><?xml version="1.0" encoding="utf-8"?>
+<p:sld xmlns:a="http://schemas.openxmlformats.org/drawingml/2006/main" xmlns:r="http://schemas.openxmlformats.org/officeDocument/2006/relationships" xmlns:p="http://schemas.openxmlformats.org/presentationml/2006/main">
+  <p:cSld>
+    <p:spTree>
+      <p:nvGrpSpPr>
+        <p:cNvPr id="1" name=""/>
+        <p:cNvGrpSpPr/>
+        <p:nvPr/>
+      </p:nvGrpSpPr>
+      <p:grpSpPr>
+        <a:xfrm>
+          <a:off x="0" y="0"/>
+          <a:ext cx="0" cy="0"/>
+          <a:chOff x="0" y="0"/>
+          <a:chExt cx="0" cy="0"/>
+        </a:xfrm>
+      </p:grpSpPr>
+      <p:sp>
+        <p:nvSpPr>
+          <p:cNvPr id="7" name="TextBox 6"/>
+          <p:cNvSpPr txBox="1"/>
+          <p:nvPr/>
+        </p:nvSpPr>
+        <p:spPr>
+          <a:xfrm>
+            <a:off x="2434859" y="6570921"/>
+            <a:ext cx="4550735" cy="369332"/>
+          </a:xfrm>
+          <a:prstGeom prst="rect">
+            <a:avLst/>
+          </a:prstGeom>
+          <a:noFill/>
+        </p:spPr>
+        <p:txBody>
+          <a:bodyPr wrap="square" rtlCol="0">
+            <a:spAutoFit/>
+          </a:bodyPr>
+          <a:lstStyle/>
+          <a:p>
+            <a:pPr algn="ctr"/>
+            <a:r>
+              <a:rPr lang="en-US" dirty="0" smtClean="0">
+                <a:solidFill>
+                  <a:schemeClr val="bg1">
+                    <a:lumMod val="50000"/>
+                  </a:schemeClr>
+                </a:solidFill>
+              </a:rPr>
+              <a:t>@</a:t>
+            </a:r>
+            <a:r>
+              <a:rPr lang="en-US" dirty="0" err="1" smtClean="0">
+                <a:solidFill>
+                  <a:schemeClr val="bg1">
+                    <a:lumMod val="50000"/>
+                  </a:schemeClr>
+                </a:solidFill>
+              </a:rPr>
+              <a:t>keburnell</a:t>
+            </a:r>
+            <a:r>
+              <a:rPr lang="en-US" dirty="0" smtClean="0">
+                <a:solidFill>
+                  <a:schemeClr val="bg1">
+                    <a:lumMod val="50000"/>
+                  </a:schemeClr>
+                </a:solidFill>
+              </a:rPr>
+              <a:t>  ∙  DotNetDevDude.com</a:t>
+            </a:r>
+            <a:endParaRPr lang="en-US" dirty="0">
+              <a:solidFill>
+                <a:schemeClr val="bg1">
+                  <a:lumMod val="50000"/>
+                </a:schemeClr>
+              </a:solidFill>
+            </a:endParaRPr>
+          </a:p>
+        </p:txBody>
+      </p:sp>
+      <p:sp>
+        <p:nvSpPr>
+          <p:cNvPr id="5" name="Rectangle 2"/>
+          <p:cNvSpPr>
+            <a:spLocks noGrp="1" noChangeArrowheads="1"/>
+          </p:cNvSpPr>
+          <p:nvPr>
+            <p:ph type="title"/>
+          </p:nvPr>
+        </p:nvSpPr>
+        <p:spPr>
+          <a:xfrm>
+            <a:off x="571500" y="381000"/>
+            <a:ext cx="8534399" cy="941388"/>
+          </a:xfrm>
+        </p:spPr>
+        <p:txBody>
+          <a:bodyPr/>
+          <a:lstStyle/>
+          <a:p>
+            <a:pPr marL="0" indent="0"/>
+            <a:r>
+              <a:rPr lang="en-US" smtClean="0">
+                <a:sym typeface="Wingdings" pitchFamily="2" charset="2"/>
+              </a:rPr>
+              <a:t>Form Bindings</a:t>
+            </a:r>
+            <a:endParaRPr lang="en-US" b="1" dirty="0">
+              <a:sym typeface="Wingdings" pitchFamily="2" charset="2"/>
+            </a:endParaRPr>
+          </a:p>
+        </p:txBody>
+      </p:sp>
+      <p:pic>
+        <p:nvPicPr>
+          <p:cNvPr id="6146" name="Picture 2" descr="http://rukkle.com/wp-content/uploads/what-we-learned-rukkle-620X4002.jpg"/>
+          <p:cNvPicPr>
+            <a:picLocks noChangeAspect="1" noChangeArrowheads="1"/>
+          </p:cNvPicPr>
+          <p:nvPr/>
+        </p:nvPicPr>
+        <p:blipFill>
+          <a:blip r:embed="rId3">
+            <a:extLst>
+              <a:ext uri="{28A0092B-C50C-407E-A947-70E740481C1C}">
+                <a14:useLocalDpi xmlns:a14="http://schemas.microsoft.com/office/drawing/2010/main" val="0"/>
+              </a:ext>
+            </a:extLst>
+          </a:blip>
+          <a:srcRect/>
+          <a:stretch>
+            <a:fillRect/>
+          </a:stretch>
+        </p:blipFill>
+        <p:spPr bwMode="auto">
+          <a:xfrm>
+            <a:off x="1757476" y="1819922"/>
+            <a:ext cx="5905500" cy="3810000"/>
+          </a:xfrm>
+          <a:prstGeom prst="rect">
+            <a:avLst/>
+          </a:prstGeom>
+          <a:noFill/>
+          <a:extLst>
+            <a:ext uri="{909E8E84-426E-40DD-AFC4-6F175D3DCCD1}">
+              <a14:hiddenFill xmlns:a14="http://schemas.microsoft.com/office/drawing/2010/main">
+                <a:solidFill>
+                  <a:srgbClr val="FFFFFF"/>
+                </a:solidFill>
+              </a14:hiddenFill>
+            </a:ext>
+          </a:extLst>
+        </p:spPr>
+      </p:pic>
+    </p:spTree>
+    <p:extLst>
+      <p:ext uri="{BB962C8B-B14F-4D97-AF65-F5344CB8AC3E}">
+        <p14:creationId xmlns:p14="http://schemas.microsoft.com/office/powerpoint/2010/main" val="2218818270"/>
+      </p:ext>
+    </p:extLst>
+  </p:cSld>
+  <p:clrMapOvr>
+    <a:masterClrMapping/>
+  </p:clrMapOvr>
+  <p:timing>
+    <p:tnLst>
+      <p:par>
+        <p:cTn id="1" dur="indefinite" restart="never" nodeType="tmRoot"/>
+      </p:par>
+    </p:tnLst>
+  </p:timing>
+</p:sld>
+</file>
+
+<file path=ppt/slides/slide23.xml><?xml version="1.0" encoding="utf-8"?>
 <p:sld xmlns:a="http://schemas.openxmlformats.org/drawingml/2006/main" xmlns:r="http://schemas.openxmlformats.org/officeDocument/2006/relationships" xmlns:p="http://schemas.openxmlformats.org/presentationml/2006/main">
   <p:cSld>
     <p:spTree>
@@ -8986,7 +11212,7 @@
 </p:sld>
 </file>
 
-<file path=ppt/slides/slide18.xml><?xml version="1.0" encoding="utf-8"?>
+<file path=ppt/slides/slide24.xml><?xml version="1.0" encoding="utf-8"?>
 <p:sld xmlns:a="http://schemas.openxmlformats.org/drawingml/2006/main" xmlns:r="http://schemas.openxmlformats.org/officeDocument/2006/relationships" xmlns:p="http://schemas.openxmlformats.org/presentationml/2006/main">
   <p:cSld>
     <p:spTree>
@@ -9183,7 +11409,7 @@
 </p:sld>
 </file>
 
-<file path=ppt/slides/slide19.xml><?xml version="1.0" encoding="utf-8"?>
+<file path=ppt/slides/slide25.xml><?xml version="1.0" encoding="utf-8"?>
 <p:sld xmlns:a="http://schemas.openxmlformats.org/drawingml/2006/main" xmlns:r="http://schemas.openxmlformats.org/officeDocument/2006/relationships" xmlns:p="http://schemas.openxmlformats.org/presentationml/2006/main">
   <p:cSld>
     <p:spTree>
@@ -9316,403 +11542,7 @@
 </p:sld>
 </file>
 
-<file path=ppt/slides/slide2.xml><?xml version="1.0" encoding="utf-8"?>
-<p:sld xmlns:a="http://schemas.openxmlformats.org/drawingml/2006/main" xmlns:r="http://schemas.openxmlformats.org/officeDocument/2006/relationships" xmlns:p="http://schemas.openxmlformats.org/presentationml/2006/main">
-  <p:cSld>
-    <p:spTree>
-      <p:nvGrpSpPr>
-        <p:cNvPr id="1" name=""/>
-        <p:cNvGrpSpPr/>
-        <p:nvPr/>
-      </p:nvGrpSpPr>
-      <p:grpSpPr>
-        <a:xfrm>
-          <a:off x="0" y="0"/>
-          <a:ext cx="0" cy="0"/>
-          <a:chOff x="0" y="0"/>
-          <a:chExt cx="0" cy="0"/>
-        </a:xfrm>
-      </p:grpSpPr>
-      <p:sp>
-        <p:nvSpPr>
-          <p:cNvPr id="17" name="Rectangle 2"/>
-          <p:cNvSpPr>
-            <a:spLocks noGrp="1" noChangeArrowheads="1"/>
-          </p:cNvSpPr>
-          <p:nvPr>
-            <p:ph type="title"/>
-          </p:nvPr>
-        </p:nvSpPr>
-        <p:spPr>
-          <a:xfrm>
-            <a:off x="893763" y="381000"/>
-            <a:ext cx="7369175" cy="941388"/>
-          </a:xfrm>
-        </p:spPr>
-        <p:txBody>
-          <a:bodyPr/>
-          <a:lstStyle/>
-          <a:p>
-            <a:pPr>
-              <a:defRPr/>
-            </a:pPr>
-            <a:r>
-              <a:rPr lang="en-US" dirty="0" smtClean="0"/>
-              <a:t>Little about me</a:t>
-            </a:r>
-          </a:p>
-        </p:txBody>
-      </p:sp>
-      <p:sp>
-        <p:nvSpPr>
-          <p:cNvPr id="18" name="Rectangle 3"/>
-          <p:cNvSpPr txBox="1">
-            <a:spLocks noChangeArrowheads="1"/>
-          </p:cNvSpPr>
-          <p:nvPr/>
-        </p:nvSpPr>
-        <p:spPr bwMode="auto">
-          <a:xfrm>
-            <a:off x="900113" y="1484313"/>
-            <a:ext cx="8159750" cy="4770437"/>
-          </a:xfrm>
-          <a:prstGeom prst="rect">
-            <a:avLst/>
-          </a:prstGeom>
-          <a:noFill/>
-          <a:ln w="9525">
-            <a:noFill/>
-            <a:miter lim="800000"/>
-            <a:headEnd/>
-            <a:tailEnd/>
-          </a:ln>
-        </p:spPr>
-        <p:txBody>
-          <a:bodyPr vert="horz" wrap="square" lIns="96646" tIns="48323" rIns="96646" bIns="48323" numCol="1" anchor="t" anchorCtr="0" compatLnSpc="1">
-            <a:prstTxWarp prst="textNoShape">
-              <a:avLst/>
-            </a:prstTxWarp>
-          </a:bodyPr>
-          <a:lstStyle>
-            <a:lvl1pPr marL="363538" indent="-363538" algn="l" defTabSz="966788" rtl="0" eaLnBrk="1" fontAlgn="base" hangingPunct="1">
-              <a:spcBef>
-                <a:spcPct val="20000"/>
-              </a:spcBef>
-              <a:spcAft>
-                <a:spcPct val="0"/>
-              </a:spcAft>
-              <a:buChar char="•"/>
-              <a:defRPr sz="2900">
-                <a:solidFill>
-                  <a:schemeClr val="tx1"/>
-                </a:solidFill>
-                <a:latin typeface="+mn-lt"/>
-                <a:ea typeface="+mn-ea"/>
-                <a:cs typeface="+mn-cs"/>
-              </a:defRPr>
-            </a:lvl1pPr>
-            <a:lvl2pPr marL="784225" indent="-301625" algn="l" defTabSz="966788" rtl="0" eaLnBrk="1" fontAlgn="base" hangingPunct="1">
-              <a:spcBef>
-                <a:spcPct val="20000"/>
-              </a:spcBef>
-              <a:spcAft>
-                <a:spcPct val="0"/>
-              </a:spcAft>
-              <a:buChar char="–"/>
-              <a:defRPr sz="2600">
-                <a:solidFill>
-                  <a:schemeClr val="tx1"/>
-                </a:solidFill>
-                <a:latin typeface="+mn-lt"/>
-              </a:defRPr>
-            </a:lvl2pPr>
-            <a:lvl3pPr marL="1208088" indent="-241300" algn="l" defTabSz="966788" rtl="0" eaLnBrk="1" fontAlgn="base" hangingPunct="1">
-              <a:spcBef>
-                <a:spcPct val="20000"/>
-              </a:spcBef>
-              <a:spcAft>
-                <a:spcPct val="0"/>
-              </a:spcAft>
-              <a:buChar char="•"/>
-              <a:defRPr sz="2100">
-                <a:solidFill>
-                  <a:schemeClr val="tx1"/>
-                </a:solidFill>
-                <a:latin typeface="+mn-lt"/>
-              </a:defRPr>
-            </a:lvl3pPr>
-            <a:lvl4pPr marL="1689100" indent="-238125" algn="l" defTabSz="966788" rtl="0" eaLnBrk="1" fontAlgn="base" hangingPunct="1">
-              <a:spcBef>
-                <a:spcPct val="20000"/>
-              </a:spcBef>
-              <a:spcAft>
-                <a:spcPct val="0"/>
-              </a:spcAft>
-              <a:buChar char="–"/>
-              <a:defRPr sz="2100">
-                <a:solidFill>
-                  <a:schemeClr val="tx1"/>
-                </a:solidFill>
-                <a:latin typeface="+mn-lt"/>
-              </a:defRPr>
-            </a:lvl4pPr>
-            <a:lvl5pPr marL="2174875" indent="-241300" algn="l" defTabSz="966788" rtl="0" eaLnBrk="1" fontAlgn="base" hangingPunct="1">
-              <a:spcBef>
-                <a:spcPct val="20000"/>
-              </a:spcBef>
-              <a:spcAft>
-                <a:spcPct val="0"/>
-              </a:spcAft>
-              <a:buChar char="»"/>
-              <a:defRPr sz="2100">
-                <a:solidFill>
-                  <a:schemeClr val="tx1"/>
-                </a:solidFill>
-                <a:latin typeface="+mn-lt"/>
-              </a:defRPr>
-            </a:lvl5pPr>
-            <a:lvl6pPr marL="2632075" indent="-241300" algn="l" defTabSz="966788" rtl="0" eaLnBrk="1" fontAlgn="base" hangingPunct="1">
-              <a:spcBef>
-                <a:spcPct val="20000"/>
-              </a:spcBef>
-              <a:spcAft>
-                <a:spcPct val="0"/>
-              </a:spcAft>
-              <a:buChar char="»"/>
-              <a:defRPr sz="2100">
-                <a:solidFill>
-                  <a:schemeClr val="tx1"/>
-                </a:solidFill>
-                <a:latin typeface="+mn-lt"/>
-              </a:defRPr>
-            </a:lvl6pPr>
-            <a:lvl7pPr marL="3089275" indent="-241300" algn="l" defTabSz="966788" rtl="0" eaLnBrk="1" fontAlgn="base" hangingPunct="1">
-              <a:spcBef>
-                <a:spcPct val="20000"/>
-              </a:spcBef>
-              <a:spcAft>
-                <a:spcPct val="0"/>
-              </a:spcAft>
-              <a:buChar char="»"/>
-              <a:defRPr sz="2100">
-                <a:solidFill>
-                  <a:schemeClr val="tx1"/>
-                </a:solidFill>
-                <a:latin typeface="+mn-lt"/>
-              </a:defRPr>
-            </a:lvl7pPr>
-            <a:lvl8pPr marL="3546475" indent="-241300" algn="l" defTabSz="966788" rtl="0" eaLnBrk="1" fontAlgn="base" hangingPunct="1">
-              <a:spcBef>
-                <a:spcPct val="20000"/>
-              </a:spcBef>
-              <a:spcAft>
-                <a:spcPct val="0"/>
-              </a:spcAft>
-              <a:buChar char="»"/>
-              <a:defRPr sz="2100">
-                <a:solidFill>
-                  <a:schemeClr val="tx1"/>
-                </a:solidFill>
-                <a:latin typeface="+mn-lt"/>
-              </a:defRPr>
-            </a:lvl8pPr>
-            <a:lvl9pPr marL="4003675" indent="-241300" algn="l" defTabSz="966788" rtl="0" eaLnBrk="1" fontAlgn="base" hangingPunct="1">
-              <a:spcBef>
-                <a:spcPct val="20000"/>
-              </a:spcBef>
-              <a:spcAft>
-                <a:spcPct val="0"/>
-              </a:spcAft>
-              <a:buChar char="»"/>
-              <a:defRPr sz="2100">
-                <a:solidFill>
-                  <a:schemeClr val="tx1"/>
-                </a:solidFill>
-                <a:latin typeface="+mn-lt"/>
-              </a:defRPr>
-            </a:lvl9pPr>
-          </a:lstStyle>
-          <a:p>
-            <a:r>
-              <a:rPr lang="en-US" sz="2400" dirty="0" smtClean="0"/>
-              <a:t>Senior Software </a:t>
-            </a:r>
-            <a:r>
-              <a:rPr lang="en-US" sz="2400" dirty="0" smtClean="0"/>
-              <a:t>Engineer @ Skyline </a:t>
-            </a:r>
-            <a:r>
-              <a:rPr lang="en-US" sz="2400" dirty="0" smtClean="0"/>
-              <a:t>Technologies</a:t>
-            </a:r>
-            <a:endParaRPr lang="en-US" sz="2400" dirty="0"/>
-          </a:p>
-          <a:p>
-            <a:r>
-              <a:rPr lang="en-US" sz="2400" dirty="0" smtClean="0"/>
-              <a:t>Been </a:t>
-            </a:r>
-            <a:r>
-              <a:rPr lang="en-US" sz="2400" dirty="0" smtClean="0"/>
-              <a:t>developing software for </a:t>
-            </a:r>
-            <a:r>
-              <a:rPr lang="en-US" sz="2400" dirty="0" smtClean="0"/>
-              <a:t>15+ </a:t>
-            </a:r>
-            <a:r>
-              <a:rPr lang="en-US" sz="2400" dirty="0" smtClean="0"/>
-              <a:t>years</a:t>
-            </a:r>
-          </a:p>
-          <a:p>
-            <a:r>
-              <a:rPr lang="en-US" sz="2400" dirty="0" smtClean="0"/>
-              <a:t>Work </a:t>
-            </a:r>
-            <a:r>
-              <a:rPr lang="en-US" sz="2400" dirty="0" smtClean="0"/>
-              <a:t>on the Microsoft stack</a:t>
-            </a:r>
-            <a:r>
-              <a:rPr lang="en-US" sz="2400" dirty="0" smtClean="0"/>
-              <a:t>.</a:t>
-            </a:r>
-            <a:endParaRPr lang="en-US" sz="2400" dirty="0" smtClean="0"/>
-          </a:p>
-          <a:p>
-            <a:r>
-              <a:rPr lang="en-US" sz="2400" dirty="0" smtClean="0"/>
-              <a:t>Spend majority of time developing Web *stuff*.</a:t>
-            </a:r>
-          </a:p>
-          <a:p>
-            <a:r>
-              <a:rPr lang="en-US" sz="2400" dirty="0" smtClean="0"/>
-              <a:t>President </a:t>
-            </a:r>
-            <a:r>
-              <a:rPr lang="en-US" sz="2400" dirty="0" smtClean="0"/>
-              <a:t>of Fox Valley .NET UG.</a:t>
-            </a:r>
-          </a:p>
-          <a:p>
-            <a:r>
-              <a:rPr lang="en-US" sz="2400" dirty="0" smtClean="0"/>
-              <a:t>INETA Speaker.</a:t>
-            </a:r>
-          </a:p>
-          <a:p>
-            <a:r>
-              <a:rPr lang="en-US" sz="2400" dirty="0" smtClean="0"/>
-              <a:t>Blogger: DotNetDevDude.com</a:t>
-            </a:r>
-            <a:endParaRPr lang="en-US" sz="2400" dirty="0" smtClean="0"/>
-          </a:p>
-          <a:p>
-            <a:r>
-              <a:rPr lang="en-US" sz="2400" dirty="0" smtClean="0"/>
-              <a:t>Twitter(</a:t>
-            </a:r>
-            <a:r>
-              <a:rPr lang="en-US" sz="2400" dirty="0" err="1" smtClean="0"/>
-              <a:t>er</a:t>
-            </a:r>
-            <a:r>
-              <a:rPr lang="en-US" sz="2400" dirty="0" smtClean="0"/>
-              <a:t>): </a:t>
-            </a:r>
-            <a:r>
-              <a:rPr lang="en-US" sz="2400" dirty="0" smtClean="0"/>
-              <a:t>@</a:t>
-            </a:r>
-            <a:r>
-              <a:rPr lang="en-US" sz="2400" dirty="0" err="1" smtClean="0"/>
-              <a:t>keburnell</a:t>
-            </a:r>
-            <a:endParaRPr lang="en-US" sz="2400" dirty="0" smtClean="0"/>
-          </a:p>
-        </p:txBody>
-      </p:sp>
-      <p:sp>
-        <p:nvSpPr>
-          <p:cNvPr id="19" name="TextBox 18"/>
-          <p:cNvSpPr txBox="1"/>
-          <p:nvPr/>
-        </p:nvSpPr>
-        <p:spPr>
-          <a:xfrm>
-            <a:off x="2434859" y="6570921"/>
-            <a:ext cx="4550735" cy="369332"/>
-          </a:xfrm>
-          <a:prstGeom prst="rect">
-            <a:avLst/>
-          </a:prstGeom>
-          <a:noFill/>
-        </p:spPr>
-        <p:txBody>
-          <a:bodyPr wrap="square" rtlCol="0">
-            <a:spAutoFit/>
-          </a:bodyPr>
-          <a:lstStyle/>
-          <a:p>
-            <a:pPr algn="ctr"/>
-            <a:r>
-              <a:rPr lang="en-US" dirty="0" smtClean="0">
-                <a:solidFill>
-                  <a:schemeClr val="bg1">
-                    <a:lumMod val="50000"/>
-                  </a:schemeClr>
-                </a:solidFill>
-              </a:rPr>
-              <a:t>@</a:t>
-            </a:r>
-            <a:r>
-              <a:rPr lang="en-US" dirty="0" err="1" smtClean="0">
-                <a:solidFill>
-                  <a:schemeClr val="bg1">
-                    <a:lumMod val="50000"/>
-                  </a:schemeClr>
-                </a:solidFill>
-              </a:rPr>
-              <a:t>keburnell</a:t>
-            </a:r>
-            <a:r>
-              <a:rPr lang="en-US" dirty="0" smtClean="0">
-                <a:solidFill>
-                  <a:schemeClr val="bg1">
-                    <a:lumMod val="50000"/>
-                  </a:schemeClr>
-                </a:solidFill>
-              </a:rPr>
-              <a:t>  ∙  DotNetDevDude.com</a:t>
-            </a:r>
-            <a:endParaRPr lang="en-US" dirty="0">
-              <a:solidFill>
-                <a:schemeClr val="bg1">
-                  <a:lumMod val="50000"/>
-                </a:schemeClr>
-              </a:solidFill>
-            </a:endParaRPr>
-          </a:p>
-        </p:txBody>
-      </p:sp>
-    </p:spTree>
-  </p:cSld>
-  <p:clrMapOvr>
-    <a:masterClrMapping/>
-  </p:clrMapOvr>
-  <p:timing>
-    <p:tnLst>
-      <p:par>
-        <p:cTn id="1" dur="indefinite" restart="never" nodeType="tmRoot"/>
-      </p:par>
-    </p:tnLst>
-  </p:timing>
-</p:sld>
-</file>
-
-<file path=ppt/slides/slide20.xml><?xml version="1.0" encoding="utf-8"?>
+<file path=ppt/slides/slide26.xml><?xml version="1.0" encoding="utf-8"?>
 <p:sld xmlns:a="http://schemas.openxmlformats.org/drawingml/2006/main" xmlns:r="http://schemas.openxmlformats.org/officeDocument/2006/relationships" xmlns:p="http://schemas.openxmlformats.org/presentationml/2006/main">
   <p:cSld>
     <p:spTree>
@@ -10009,7 +11839,7 @@
 </p:sld>
 </file>
 
-<file path=ppt/slides/slide21.xml><?xml version="1.0" encoding="utf-8"?>
+<file path=ppt/slides/slide27.xml><?xml version="1.0" encoding="utf-8"?>
 <p:sld xmlns:a="http://schemas.openxmlformats.org/drawingml/2006/main" xmlns:r="http://schemas.openxmlformats.org/officeDocument/2006/relationships" xmlns:p="http://schemas.openxmlformats.org/presentationml/2006/main">
   <p:cSld>
     <p:spTree>
@@ -10192,7 +12022,7 @@
 </p:sld>
 </file>
 
-<file path=ppt/slides/slide22.xml><?xml version="1.0" encoding="utf-8"?>
+<file path=ppt/slides/slide28.xml><?xml version="1.0" encoding="utf-8"?>
 <p:sld xmlns:a="http://schemas.openxmlformats.org/drawingml/2006/main" xmlns:r="http://schemas.openxmlformats.org/officeDocument/2006/relationships" xmlns:p="http://schemas.openxmlformats.org/presentationml/2006/main">
   <p:cSld>
     <p:spTree>
@@ -10356,7 +12186,7 @@
 </p:sld>
 </file>
 
-<file path=ppt/slides/slide23.xml><?xml version="1.0" encoding="utf-8"?>
+<file path=ppt/slides/slide29.xml><?xml version="1.0" encoding="utf-8"?>
 <p:sld xmlns:a="http://schemas.openxmlformats.org/drawingml/2006/main" xmlns:r="http://schemas.openxmlformats.org/officeDocument/2006/relationships" xmlns:p="http://schemas.openxmlformats.org/presentationml/2006/main">
   <p:cSld>
     <p:spTree>
